--- a/ppt/3.1-用Python新建类.pptx
+++ b/ppt/3.1-用Python新建类.pptx
@@ -4214,7 +4214,7 @@
               <a:buNone/>
             </a:pPr>
             <a:r>
-              <a:rPr lang="en-GB" sz="3000">
+              <a:rPr lang="en-GB" sz="3000" b="1">
                 <a:solidFill>
                   <a:srgbClr val="C9394A"/>
                 </a:solidFill>
@@ -4223,7 +4223,7 @@
               </a:rPr>
               <a:t>用Python定义类</a:t>
             </a:r>
-            <a:endParaRPr lang="en-GB" sz="3000">
+            <a:endParaRPr lang="en-GB" sz="3000" b="1">
               <a:solidFill>
                 <a:srgbClr val="C9394A"/>
               </a:solidFill>
@@ -5151,21 +5151,6 @@
             <a:r>
               <a:rPr lang="en-GB">
                 <a:solidFill>
-                  <a:srgbClr val="000000"/>
-                </a:solidFill>
-                <a:highlight>
-                  <a:srgbClr val="FFFFFF"/>
-                </a:highlight>
-                <a:latin typeface="Courier New"/>
-                <a:ea typeface="Courier New"/>
-                <a:cs typeface="Courier New"/>
-                <a:sym typeface="Courier New"/>
-              </a:rPr>
-              <a:t>	</a:t>
-            </a:r>
-            <a:r>
-              <a:rPr lang="en-GB">
-                <a:solidFill>
                   <a:srgbClr val="FF5600"/>
                 </a:solidFill>
                 <a:highlight>
@@ -5176,7 +5161,7 @@
                 <a:cs typeface="Courier New"/>
                 <a:sym typeface="Courier New"/>
               </a:rPr>
-              <a:t>class</a:t>
+              <a:t>    class</a:t>
             </a:r>
             <a:r>
               <a:rPr lang="en-GB">
@@ -5341,21 +5326,6 @@
             <a:r>
               <a:rPr lang="en-GB">
                 <a:solidFill>
-                  <a:srgbClr val="000000"/>
-                </a:solidFill>
-                <a:highlight>
-                  <a:srgbClr val="FFFFFF"/>
-                </a:highlight>
-                <a:latin typeface="Courier New"/>
-                <a:ea typeface="Courier New"/>
-                <a:cs typeface="Courier New"/>
-                <a:sym typeface="Courier New"/>
-              </a:rPr>
-              <a:t>	</a:t>
-            </a:r>
-            <a:r>
-              <a:rPr lang="en-GB">
-                <a:solidFill>
                   <a:srgbClr val="FF5600"/>
                 </a:solidFill>
                 <a:highlight>
@@ -5366,7 +5336,7 @@
                 <a:cs typeface="Courier New"/>
                 <a:sym typeface="Courier New"/>
               </a:rPr>
-              <a:t>class</a:t>
+              <a:t>    class</a:t>
             </a:r>
             <a:r>
               <a:rPr lang="en-GB">
@@ -5711,10 +5681,12 @@
           </a:bodyPr>
           <a:lstStyle/>
           <a:p>
-            <a:pPr marL="457200" lvl="0" indent="-228600" rtl="0">
-              <a:spcBef>
-                <a:spcPts val="0"/>
-              </a:spcBef>
+            <a:pPr marL="514350" lvl="0" indent="-285750" rtl="0">
+              <a:spcBef>
+                <a:spcPts val="0"/>
+              </a:spcBef>
+              <a:buFont typeface="Arial" charset="0"/>
+              <a:buChar char="•"/>
             </a:pPr>
             <a:r>
               <a:rPr lang="en-GB"/>
@@ -5723,10 +5695,12 @@
             <a:endParaRPr lang="en-GB"/>
           </a:p>
           <a:p>
-            <a:pPr marL="457200" lvl="0" indent="-228600">
-              <a:spcBef>
-                <a:spcPts val="0"/>
-              </a:spcBef>
+            <a:pPr marL="514350" lvl="0" indent="-285750" rtl="0">
+              <a:spcBef>
+                <a:spcPts val="0"/>
+              </a:spcBef>
+              <a:buFont typeface="Arial" charset="0"/>
+              <a:buChar char="•"/>
             </a:pPr>
             <a:r>
               <a:rPr lang="en-GB"/>

--- a/ppt/3.1-用Python新建类.pptx
+++ b/ppt/3.1-用Python新建类.pptx
@@ -227,6 +227,7 @@
   <p:cSld>
     <p:bg>
       <p:bgPr>
+        <a:noFill/>
         <a:effectLst/>
       </p:bgPr>
     </p:bg>
@@ -5161,7 +5162,7 @@
                 <a:cs typeface="Courier New"/>
                 <a:sym typeface="Courier New"/>
               </a:rPr>
-              <a:t>    class</a:t>
+              <a:t> class</a:t>
             </a:r>
             <a:r>
               <a:rPr lang="en-GB">
@@ -5235,7 +5236,7 @@
                 <a:cs typeface="Courier New"/>
                 <a:sym typeface="Courier New"/>
               </a:rPr>
-              <a:t>    	</a:t>
+              <a:t>     </a:t>
             </a:r>
             <a:r>
               <a:rPr lang="en-GB">
@@ -5336,7 +5337,7 @@
                 <a:cs typeface="Courier New"/>
                 <a:sym typeface="Courier New"/>
               </a:rPr>
-              <a:t>    class</a:t>
+              <a:t> class</a:t>
             </a:r>
             <a:r>
               <a:rPr lang="en-GB">
@@ -5440,7 +5441,7 @@
                 <a:cs typeface="Courier New"/>
                 <a:sym typeface="Courier New"/>
               </a:rPr>
-              <a:t>    	</a:t>
+              <a:t>     </a:t>
             </a:r>
             <a:r>
               <a:rPr lang="en-GB">
@@ -5689,10 +5690,16 @@
               <a:buChar char="•"/>
             </a:pPr>
             <a:r>
-              <a:rPr lang="en-GB"/>
+              <a:rPr lang="en-GB">
+                <a:latin typeface="微软雅黑" charset="0"/>
+                <a:ea typeface="微软雅黑" charset="0"/>
+              </a:rPr>
               <a:t>dir()</a:t>
             </a:r>
-            <a:endParaRPr lang="en-GB"/>
+            <a:endParaRPr lang="en-GB">
+              <a:latin typeface="微软雅黑" charset="0"/>
+              <a:ea typeface="微软雅黑" charset="0"/>
+            </a:endParaRPr>
           </a:p>
           <a:p>
             <a:pPr marL="514350" lvl="0" indent="-285750" rtl="0">
@@ -5703,10 +5710,16 @@
               <a:buChar char="•"/>
             </a:pPr>
             <a:r>
-              <a:rPr lang="en-GB"/>
+              <a:rPr lang="en-GB">
+                <a:latin typeface="微软雅黑" charset="0"/>
+                <a:ea typeface="微软雅黑" charset="0"/>
+              </a:rPr>
               <a:t>type()</a:t>
             </a:r>
-            <a:endParaRPr lang="en-GB"/>
+            <a:endParaRPr lang="en-GB">
+              <a:latin typeface="微软雅黑" charset="0"/>
+              <a:ea typeface="微软雅黑" charset="0"/>
+            </a:endParaRPr>
           </a:p>
         </p:txBody>
       </p:sp>

--- a/ppt/3.1-用Python新建类.pptx
+++ b/ppt/3.1-用Python新建类.pptx
@@ -5,17 +5,17 @@
     <p:sldMasterId id="2147483648" r:id="rId1"/>
   </p:sldMasterIdLst>
   <p:notesMasterIdLst>
-    <p:notesMasterId r:id="rId4"/>
+    <p:notesMasterId r:id="rId8"/>
   </p:notesMasterIdLst>
   <p:sldIdLst>
-    <p:sldId id="256" r:id="rId3"/>
-    <p:sldId id="257" r:id="rId5"/>
-    <p:sldId id="258" r:id="rId6"/>
-    <p:sldId id="259" r:id="rId7"/>
-    <p:sldId id="260" r:id="rId8"/>
-    <p:sldId id="261" r:id="rId9"/>
+    <p:sldId id="256" r:id="rId2"/>
+    <p:sldId id="257" r:id="rId3"/>
+    <p:sldId id="258" r:id="rId4"/>
+    <p:sldId id="259" r:id="rId5"/>
+    <p:sldId id="260" r:id="rId6"/>
+    <p:sldId id="261" r:id="rId7"/>
   </p:sldIdLst>
-  <p:sldSz cx="9144000" cy="5143500"/>
+  <p:sldSz cx="9144000" cy="5143500" type="screen16x9"/>
   <p:notesSz cx="6858000" cy="9144000"/>
   <p:defaultTextStyle>
     <a:defPPr marR="0" lvl="0" algn="l" rtl="0">
@@ -219,6 +219,11 @@
       </a:defRPr>
     </a:lvl9pPr>
   </p:defaultTextStyle>
+  <p:extLst>
+    <p:ext uri="{EFAFB233-063F-42B5-8137-9DF3F51BA10A}">
+      <p15:sldGuideLst xmlns:p15="http://schemas.microsoft.com/office/powerpoint/2012/main"/>
+    </p:ext>
+  </p:extLst>
 </p:presentation>
 </file>
 
@@ -233,7 +238,7 @@
     </p:bg>
     <p:spTree>
       <p:nvGrpSpPr>
-        <p:cNvPr id="2" name="Shape 2"/>
+        <p:cNvPr id="1" name="Shape 2"/>
         <p:cNvGrpSpPr/>
         <p:nvPr/>
       </p:nvGrpSpPr>
@@ -248,7 +253,9 @@
       <p:sp>
         <p:nvSpPr>
           <p:cNvPr id="3" name="Shape 3"/>
-          <p:cNvSpPr/>
+          <p:cNvSpPr>
+            <a:spLocks noGrp="1" noRot="1" noChangeAspect="1"/>
+          </p:cNvSpPr>
           <p:nvPr>
             <p:ph type="sldImg" idx="2"/>
           </p:nvPr>
@@ -263,6 +270,7 @@
             <a:gdLst/>
             <a:ahLst/>
             <a:cxnLst/>
+            <a:rect l="0" t="0" r="0" b="0"/>
             <a:pathLst>
               <a:path w="120000" h="120000" extrusionOk="0">
                 <a:moveTo>
@@ -296,7 +304,9 @@
       <p:sp>
         <p:nvSpPr>
           <p:cNvPr id="4" name="Shape 4"/>
-          <p:cNvSpPr txBox="1"/>
+          <p:cNvSpPr txBox="1">
+            <a:spLocks noGrp="1"/>
+          </p:cNvSpPr>
           <p:nvPr>
             <p:ph type="body" idx="1"/>
           </p:nvPr>
@@ -372,10 +382,17 @@
               <a:defRPr sz="1100"/>
             </a:lvl9pPr>
           </a:lstStyle>
-          <a:p/>
+          <a:p>
+            <a:endParaRPr/>
+          </a:p>
         </p:txBody>
       </p:sp>
     </p:spTree>
+    <p:extLst>
+      <p:ext uri="{BB962C8B-B14F-4D97-AF65-F5344CB8AC3E}">
+        <p14:creationId xmlns:p14="http://schemas.microsoft.com/office/powerpoint/2010/main" val="927614617"/>
+      </p:ext>
+    </p:extLst>
   </p:cSld>
   <p:clrMap bg1="lt1" tx1="dk1" bg2="dk2" tx2="lt2" accent1="accent1" accent2="accent2" accent3="accent3" accent4="accent4" accent5="accent5" accent6="accent6" hlink="hlink" folHlink="folHlink"/>
   <p:notesStyle/>
@@ -383,11 +400,11 @@
 </file>
 
 <file path=ppt/notesSlides/notesSlide1.xml><?xml version="1.0" encoding="utf-8"?>
-<p:notes xmlns:a="http://schemas.openxmlformats.org/drawingml/2006/main" xmlns:r="http://schemas.openxmlformats.org/officeDocument/2006/relationships" xmlns:p="http://schemas.openxmlformats.org/presentationml/2006/main" showMasterPhAnim="0" showMasterSp="0">
+<p:notes xmlns:a="http://schemas.openxmlformats.org/drawingml/2006/main" xmlns:r="http://schemas.openxmlformats.org/officeDocument/2006/relationships" xmlns:p="http://schemas.openxmlformats.org/presentationml/2006/main" showMasterSp="0" showMasterPhAnim="0">
   <p:cSld>
     <p:spTree>
       <p:nvGrpSpPr>
-        <p:cNvPr id="50" name="Shape 50"/>
+        <p:cNvPr id="1" name="Shape 50"/>
         <p:cNvGrpSpPr/>
         <p:nvPr/>
       </p:nvGrpSpPr>
@@ -402,7 +419,9 @@
       <p:sp>
         <p:nvSpPr>
           <p:cNvPr id="51" name="Shape 51"/>
-          <p:cNvSpPr/>
+          <p:cNvSpPr>
+            <a:spLocks noGrp="1" noRot="1" noChangeAspect="1"/>
+          </p:cNvSpPr>
           <p:nvPr>
             <p:ph type="sldImg" idx="2"/>
           </p:nvPr>
@@ -417,6 +436,7 @@
             <a:gdLst/>
             <a:ahLst/>
             <a:cxnLst/>
+            <a:rect l="0" t="0" r="0" b="0"/>
             <a:pathLst>
               <a:path w="120000" h="120000" extrusionOk="0">
                 <a:moveTo>
@@ -440,7 +460,9 @@
       <p:sp>
         <p:nvSpPr>
           <p:cNvPr id="52" name="Shape 52"/>
-          <p:cNvSpPr txBox="1"/>
+          <p:cNvSpPr txBox="1">
+            <a:spLocks noGrp="1"/>
+          </p:cNvSpPr>
           <p:nvPr>
             <p:ph type="body" idx="1"/>
           </p:nvPr>
@@ -466,10 +488,16 @@
               </a:spcBef>
               <a:buNone/>
             </a:pPr>
+            <a:endParaRPr/>
           </a:p>
         </p:txBody>
       </p:sp>
     </p:spTree>
+    <p:extLst>
+      <p:ext uri="{BB962C8B-B14F-4D97-AF65-F5344CB8AC3E}">
+        <p14:creationId xmlns:p14="http://schemas.microsoft.com/office/powerpoint/2010/main" val="544458053"/>
+      </p:ext>
+    </p:extLst>
   </p:cSld>
   <p:clrMapOvr>
     <a:masterClrMapping/>
@@ -478,11 +506,11 @@
 </file>
 
 <file path=ppt/notesSlides/notesSlide2.xml><?xml version="1.0" encoding="utf-8"?>
-<p:notes xmlns:a="http://schemas.openxmlformats.org/drawingml/2006/main" xmlns:r="http://schemas.openxmlformats.org/officeDocument/2006/relationships" xmlns:p="http://schemas.openxmlformats.org/presentationml/2006/main" showMasterPhAnim="0" showMasterSp="0">
+<p:notes xmlns:a="http://schemas.openxmlformats.org/drawingml/2006/main" xmlns:r="http://schemas.openxmlformats.org/officeDocument/2006/relationships" xmlns:p="http://schemas.openxmlformats.org/presentationml/2006/main" showMasterSp="0" showMasterPhAnim="0">
   <p:cSld>
     <p:spTree>
       <p:nvGrpSpPr>
-        <p:cNvPr id="56" name="Shape 56"/>
+        <p:cNvPr id="1" name="Shape 56"/>
         <p:cNvGrpSpPr/>
         <p:nvPr/>
       </p:nvGrpSpPr>
@@ -497,14 +525,16 @@
       <p:sp>
         <p:nvSpPr>
           <p:cNvPr id="57" name="Shape 57"/>
-          <p:cNvSpPr/>
+          <p:cNvSpPr>
+            <a:spLocks noGrp="1" noRot="1" noChangeAspect="1"/>
+          </p:cNvSpPr>
           <p:nvPr>
             <p:ph type="sldImg" idx="2"/>
           </p:nvPr>
         </p:nvSpPr>
         <p:spPr>
           <a:xfrm>
-            <a:off x="381300" y="685800"/>
+            <a:off x="381000" y="685800"/>
             <a:ext cx="6096000" cy="3429000"/>
           </a:xfrm>
           <a:custGeom>
@@ -512,6 +542,7 @@
             <a:gdLst/>
             <a:ahLst/>
             <a:cxnLst/>
+            <a:rect l="0" t="0" r="0" b="0"/>
             <a:pathLst>
               <a:path w="120000" h="120000" extrusionOk="0">
                 <a:moveTo>
@@ -535,7 +566,9 @@
       <p:sp>
         <p:nvSpPr>
           <p:cNvPr id="58" name="Shape 58"/>
-          <p:cNvSpPr txBox="1"/>
+          <p:cNvSpPr txBox="1">
+            <a:spLocks noGrp="1"/>
+          </p:cNvSpPr>
           <p:nvPr>
             <p:ph type="body" idx="1"/>
           </p:nvPr>
@@ -565,11 +598,15 @@
               <a:rPr lang="en-GB"/>
               <a:t>这里可以来看定义一个类的格式，首先就是用到了关键字class，这个和很多其他的面向对象语言都是一样的。</a:t>
             </a:r>
-            <a:endParaRPr lang="en-GB"/>
           </a:p>
         </p:txBody>
       </p:sp>
     </p:spTree>
+    <p:extLst>
+      <p:ext uri="{BB962C8B-B14F-4D97-AF65-F5344CB8AC3E}">
+        <p14:creationId xmlns:p14="http://schemas.microsoft.com/office/powerpoint/2010/main" val="2333843929"/>
+      </p:ext>
+    </p:extLst>
   </p:cSld>
   <p:clrMapOvr>
     <a:masterClrMapping/>
@@ -578,11 +615,11 @@
 </file>
 
 <file path=ppt/notesSlides/notesSlide3.xml><?xml version="1.0" encoding="utf-8"?>
-<p:notes xmlns:a="http://schemas.openxmlformats.org/drawingml/2006/main" xmlns:r="http://schemas.openxmlformats.org/officeDocument/2006/relationships" xmlns:p="http://schemas.openxmlformats.org/presentationml/2006/main" showMasterPhAnim="0" showMasterSp="0">
+<p:notes xmlns:a="http://schemas.openxmlformats.org/drawingml/2006/main" xmlns:r="http://schemas.openxmlformats.org/officeDocument/2006/relationships" xmlns:p="http://schemas.openxmlformats.org/presentationml/2006/main" showMasterSp="0" showMasterPhAnim="0">
   <p:cSld>
     <p:spTree>
       <p:nvGrpSpPr>
-        <p:cNvPr id="62" name="Shape 62"/>
+        <p:cNvPr id="1" name="Shape 62"/>
         <p:cNvGrpSpPr/>
         <p:nvPr/>
       </p:nvGrpSpPr>
@@ -597,14 +634,16 @@
       <p:sp>
         <p:nvSpPr>
           <p:cNvPr id="63" name="Shape 63"/>
-          <p:cNvSpPr/>
+          <p:cNvSpPr>
+            <a:spLocks noGrp="1" noRot="1" noChangeAspect="1"/>
+          </p:cNvSpPr>
           <p:nvPr>
             <p:ph type="sldImg" idx="2"/>
           </p:nvPr>
         </p:nvSpPr>
         <p:spPr>
           <a:xfrm>
-            <a:off x="381300" y="685800"/>
+            <a:off x="381000" y="685800"/>
             <a:ext cx="6096000" cy="3429000"/>
           </a:xfrm>
           <a:custGeom>
@@ -612,6 +651,7 @@
             <a:gdLst/>
             <a:ahLst/>
             <a:cxnLst/>
+            <a:rect l="0" t="0" r="0" b="0"/>
             <a:pathLst>
               <a:path w="120000" h="120000" extrusionOk="0">
                 <a:moveTo>
@@ -635,7 +675,9 @@
       <p:sp>
         <p:nvSpPr>
           <p:cNvPr id="64" name="Shape 64"/>
-          <p:cNvSpPr txBox="1"/>
+          <p:cNvSpPr txBox="1">
+            <a:spLocks noGrp="1"/>
+          </p:cNvSpPr>
           <p:nvPr>
             <p:ph type="body" idx="1"/>
           </p:nvPr>
@@ -665,11 +707,15 @@
               <a:rPr lang="en-GB"/>
               <a:t>之前谈到过一个类是由属性和功能组成的，当我们新建一个某个类的对象时，我们需要将类的一些属性进行设置，这就是我们需要构造函数的原因。在Python里，用__init__来作为构造函数。那么</a:t>
             </a:r>
-            <a:endParaRPr lang="en-GB"/>
           </a:p>
         </p:txBody>
       </p:sp>
     </p:spTree>
+    <p:extLst>
+      <p:ext uri="{BB962C8B-B14F-4D97-AF65-F5344CB8AC3E}">
+        <p14:creationId xmlns:p14="http://schemas.microsoft.com/office/powerpoint/2010/main" val="2505212939"/>
+      </p:ext>
+    </p:extLst>
   </p:cSld>
   <p:clrMapOvr>
     <a:masterClrMapping/>
@@ -678,11 +724,11 @@
 </file>
 
 <file path=ppt/notesSlides/notesSlide4.xml><?xml version="1.0" encoding="utf-8"?>
-<p:notes xmlns:a="http://schemas.openxmlformats.org/drawingml/2006/main" xmlns:r="http://schemas.openxmlformats.org/officeDocument/2006/relationships" xmlns:p="http://schemas.openxmlformats.org/presentationml/2006/main" showMasterPhAnim="0" showMasterSp="0">
+<p:notes xmlns:a="http://schemas.openxmlformats.org/drawingml/2006/main" xmlns:r="http://schemas.openxmlformats.org/officeDocument/2006/relationships" xmlns:p="http://schemas.openxmlformats.org/presentationml/2006/main" showMasterSp="0" showMasterPhAnim="0">
   <p:cSld>
     <p:spTree>
       <p:nvGrpSpPr>
-        <p:cNvPr id="68" name="Shape 68"/>
+        <p:cNvPr id="1" name="Shape 68"/>
         <p:cNvGrpSpPr/>
         <p:nvPr/>
       </p:nvGrpSpPr>
@@ -697,14 +743,16 @@
       <p:sp>
         <p:nvSpPr>
           <p:cNvPr id="69" name="Shape 69"/>
-          <p:cNvSpPr/>
+          <p:cNvSpPr>
+            <a:spLocks noGrp="1" noRot="1" noChangeAspect="1"/>
+          </p:cNvSpPr>
           <p:nvPr>
             <p:ph type="sldImg" idx="2"/>
           </p:nvPr>
         </p:nvSpPr>
         <p:spPr>
           <a:xfrm>
-            <a:off x="381300" y="685800"/>
+            <a:off x="381000" y="685800"/>
             <a:ext cx="6096000" cy="3429000"/>
           </a:xfrm>
           <a:custGeom>
@@ -712,6 +760,7 @@
             <a:gdLst/>
             <a:ahLst/>
             <a:cxnLst/>
+            <a:rect l="0" t="0" r="0" b="0"/>
             <a:pathLst>
               <a:path w="120000" h="120000" extrusionOk="0">
                 <a:moveTo>
@@ -735,7 +784,9 @@
       <p:sp>
         <p:nvSpPr>
           <p:cNvPr id="70" name="Shape 70"/>
-          <p:cNvSpPr txBox="1"/>
+          <p:cNvSpPr txBox="1">
+            <a:spLocks noGrp="1"/>
+          </p:cNvSpPr>
           <p:nvPr>
             <p:ph type="body" idx="1"/>
           </p:nvPr>
@@ -765,11 +816,15 @@
               <a:rPr lang="en-GB"/>
               <a:t>与构造函数对应的，就是析构函数。在这里要注意的是，它是在一个对象被Python的垃圾处理机制回收的时候进行调用，于Python内建的del函数没有关系。</a:t>
             </a:r>
-            <a:endParaRPr lang="en-GB"/>
           </a:p>
         </p:txBody>
       </p:sp>
     </p:spTree>
+    <p:extLst>
+      <p:ext uri="{BB962C8B-B14F-4D97-AF65-F5344CB8AC3E}">
+        <p14:creationId xmlns:p14="http://schemas.microsoft.com/office/powerpoint/2010/main" val="420356320"/>
+      </p:ext>
+    </p:extLst>
   </p:cSld>
   <p:clrMapOvr>
     <a:masterClrMapping/>
@@ -778,11 +833,11 @@
 </file>
 
 <file path=ppt/notesSlides/notesSlide5.xml><?xml version="1.0" encoding="utf-8"?>
-<p:notes xmlns:a="http://schemas.openxmlformats.org/drawingml/2006/main" xmlns:r="http://schemas.openxmlformats.org/officeDocument/2006/relationships" xmlns:p="http://schemas.openxmlformats.org/presentationml/2006/main" showMasterPhAnim="0" showMasterSp="0">
+<p:notes xmlns:a="http://schemas.openxmlformats.org/drawingml/2006/main" xmlns:r="http://schemas.openxmlformats.org/officeDocument/2006/relationships" xmlns:p="http://schemas.openxmlformats.org/presentationml/2006/main" showMasterSp="0" showMasterPhAnim="0">
   <p:cSld>
     <p:spTree>
       <p:nvGrpSpPr>
-        <p:cNvPr id="74" name="Shape 74"/>
+        <p:cNvPr id="1" name="Shape 74"/>
         <p:cNvGrpSpPr/>
         <p:nvPr/>
       </p:nvGrpSpPr>
@@ -797,14 +852,16 @@
       <p:sp>
         <p:nvSpPr>
           <p:cNvPr id="75" name="Shape 75"/>
-          <p:cNvSpPr/>
+          <p:cNvSpPr>
+            <a:spLocks noGrp="1" noRot="1" noChangeAspect="1"/>
+          </p:cNvSpPr>
           <p:nvPr>
             <p:ph type="sldImg" idx="2"/>
           </p:nvPr>
         </p:nvSpPr>
         <p:spPr>
           <a:xfrm>
-            <a:off x="381300" y="685800"/>
+            <a:off x="381000" y="685800"/>
             <a:ext cx="6096000" cy="3429000"/>
           </a:xfrm>
           <a:custGeom>
@@ -812,6 +869,7 @@
             <a:gdLst/>
             <a:ahLst/>
             <a:cxnLst/>
+            <a:rect l="0" t="0" r="0" b="0"/>
             <a:pathLst>
               <a:path w="120000" h="120000" extrusionOk="0">
                 <a:moveTo>
@@ -835,7 +893,9 @@
       <p:sp>
         <p:nvSpPr>
           <p:cNvPr id="76" name="Shape 76"/>
-          <p:cNvSpPr txBox="1"/>
+          <p:cNvSpPr txBox="1">
+            <a:spLocks noGrp="1"/>
+          </p:cNvSpPr>
           <p:nvPr>
             <p:ph type="body" idx="1"/>
           </p:nvPr>
@@ -865,11 +925,15 @@
               <a:rPr lang="en-GB"/>
               <a:t>接下来要谈到一些关于Python语法上的一个遗留问题，就是老式类和新式类的区别。在这里可以看到两个类的区别就是新式类继承了object类，而老式类没有。object是在Python里所有类的基类。这是在Python2.2版本的时候为了统一class和type而引入的，在很多的特性上，旧式类和新式类都有不少的不同，跟原来相比是一个很大的改进。但是基于兼容以前版本的考虑，旧式类还是被保留了。目前在Python2下的代码，所有的类如果没有别的需要继承的类，都需要继承object。不过在Python3里面，这个问题不复存在了，所有定义的类都是新式类</a:t>
             </a:r>
-            <a:endParaRPr lang="en-GB"/>
           </a:p>
         </p:txBody>
       </p:sp>
     </p:spTree>
+    <p:extLst>
+      <p:ext uri="{BB962C8B-B14F-4D97-AF65-F5344CB8AC3E}">
+        <p14:creationId xmlns:p14="http://schemas.microsoft.com/office/powerpoint/2010/main" val="2978382862"/>
+      </p:ext>
+    </p:extLst>
   </p:cSld>
   <p:clrMapOvr>
     <a:masterClrMapping/>
@@ -878,11 +942,11 @@
 </file>
 
 <file path=ppt/notesSlides/notesSlide6.xml><?xml version="1.0" encoding="utf-8"?>
-<p:notes xmlns:a="http://schemas.openxmlformats.org/drawingml/2006/main" xmlns:r="http://schemas.openxmlformats.org/officeDocument/2006/relationships" xmlns:p="http://schemas.openxmlformats.org/presentationml/2006/main" showMasterPhAnim="0" showMasterSp="0">
+<p:notes xmlns:a="http://schemas.openxmlformats.org/drawingml/2006/main" xmlns:r="http://schemas.openxmlformats.org/officeDocument/2006/relationships" xmlns:p="http://schemas.openxmlformats.org/presentationml/2006/main" showMasterSp="0" showMasterPhAnim="0">
   <p:cSld>
     <p:spTree>
       <p:nvGrpSpPr>
-        <p:cNvPr id="80" name="Shape 80"/>
+        <p:cNvPr id="1" name="Shape 80"/>
         <p:cNvGrpSpPr/>
         <p:nvPr/>
       </p:nvGrpSpPr>
@@ -897,14 +961,16 @@
       <p:sp>
         <p:nvSpPr>
           <p:cNvPr id="81" name="Shape 81"/>
-          <p:cNvSpPr/>
+          <p:cNvSpPr>
+            <a:spLocks noGrp="1" noRot="1" noChangeAspect="1"/>
+          </p:cNvSpPr>
           <p:nvPr>
             <p:ph type="sldImg" idx="2"/>
           </p:nvPr>
         </p:nvSpPr>
         <p:spPr>
           <a:xfrm>
-            <a:off x="381300" y="685800"/>
+            <a:off x="381000" y="685800"/>
             <a:ext cx="6096000" cy="3429000"/>
           </a:xfrm>
           <a:custGeom>
@@ -912,6 +978,7 @@
             <a:gdLst/>
             <a:ahLst/>
             <a:cxnLst/>
+            <a:rect l="0" t="0" r="0" b="0"/>
             <a:pathLst>
               <a:path w="120000" h="120000" extrusionOk="0">
                 <a:moveTo>
@@ -935,7 +1002,9 @@
       <p:sp>
         <p:nvSpPr>
           <p:cNvPr id="82" name="Shape 82"/>
-          <p:cNvSpPr txBox="1"/>
+          <p:cNvSpPr txBox="1">
+            <a:spLocks noGrp="1"/>
+          </p:cNvSpPr>
           <p:nvPr>
             <p:ph type="body" idx="1"/>
           </p:nvPr>
@@ -965,11 +1034,15 @@
               <a:rPr lang="en-GB"/>
               <a:t>接下来我准备用一个例子来说明关于Python类定义的问题。首先稍微提一下两个需要用到的两个内建函数一个是dir，用来获取一个作用域里的所有属性。另一个是type，用来获取对象的类型。</a:t>
             </a:r>
-            <a:endParaRPr lang="en-GB"/>
           </a:p>
         </p:txBody>
       </p:sp>
     </p:spTree>
+    <p:extLst>
+      <p:ext uri="{BB962C8B-B14F-4D97-AF65-F5344CB8AC3E}">
+        <p14:creationId xmlns:p14="http://schemas.microsoft.com/office/powerpoint/2010/main" val="3183927232"/>
+      </p:ext>
+    </p:extLst>
   </p:cSld>
   <p:clrMapOvr>
     <a:masterClrMapping/>
@@ -982,7 +1055,7 @@
   <p:cSld name="Title slide">
     <p:spTree>
       <p:nvGrpSpPr>
-        <p:cNvPr id="9" name="Shape 9"/>
+        <p:cNvPr id="1" name="Shape 9"/>
         <p:cNvGrpSpPr/>
         <p:nvPr/>
       </p:nvGrpSpPr>
@@ -997,7 +1070,9 @@
       <p:sp>
         <p:nvSpPr>
           <p:cNvPr id="10" name="Shape 10"/>
-          <p:cNvSpPr txBox="1"/>
+          <p:cNvSpPr txBox="1">
+            <a:spLocks noGrp="1"/>
+          </p:cNvSpPr>
           <p:nvPr>
             <p:ph type="ctrTitle"/>
           </p:nvPr>
@@ -1078,13 +1153,17 @@
               <a:defRPr sz="5200"/>
             </a:lvl9pPr>
           </a:lstStyle>
-          <a:p/>
+          <a:p>
+            <a:endParaRPr/>
+          </a:p>
         </p:txBody>
       </p:sp>
       <p:sp>
         <p:nvSpPr>
           <p:cNvPr id="11" name="Shape 11"/>
-          <p:cNvSpPr txBox="1"/>
+          <p:cNvSpPr txBox="1">
+            <a:spLocks noGrp="1"/>
+          </p:cNvSpPr>
           <p:nvPr>
             <p:ph type="subTitle" idx="1"/>
           </p:nvPr>
@@ -1228,13 +1307,17 @@
               <a:defRPr sz="2800"/>
             </a:lvl9pPr>
           </a:lstStyle>
-          <a:p/>
+          <a:p>
+            <a:endParaRPr/>
+          </a:p>
         </p:txBody>
       </p:sp>
       <p:sp>
         <p:nvSpPr>
           <p:cNvPr id="12" name="Shape 12"/>
-          <p:cNvSpPr txBox="1"/>
+          <p:cNvSpPr txBox="1">
+            <a:spLocks noGrp="1"/>
+          </p:cNvSpPr>
           <p:nvPr>
             <p:ph type="sldNum" idx="12"/>
           </p:nvPr>
@@ -1262,6 +1345,7 @@
             </a:pPr>
             <a:fld id="{00000000-1234-1234-1234-123412341234}" type="slidenum">
               <a:rPr lang="en-GB"/>
+              <a:t>‹#›</a:t>
             </a:fld>
             <a:endParaRPr lang="en-GB"/>
           </a:p>
@@ -1280,7 +1364,7 @@
   <p:cSld name="Big number">
     <p:spTree>
       <p:nvGrpSpPr>
-        <p:cNvPr id="44" name="Shape 44"/>
+        <p:cNvPr id="1" name="Shape 44"/>
         <p:cNvGrpSpPr/>
         <p:nvPr/>
       </p:nvGrpSpPr>
@@ -1295,7 +1379,9 @@
       <p:sp>
         <p:nvSpPr>
           <p:cNvPr id="45" name="Shape 45"/>
-          <p:cNvSpPr txBox="1"/>
+          <p:cNvSpPr txBox="1">
+            <a:spLocks noGrp="1"/>
+          </p:cNvSpPr>
           <p:nvPr>
             <p:ph type="title"/>
           </p:nvPr>
@@ -1376,13 +1462,17 @@
               <a:defRPr sz="12000"/>
             </a:lvl9pPr>
           </a:lstStyle>
-          <a:p/>
+          <a:p>
+            <a:endParaRPr/>
+          </a:p>
         </p:txBody>
       </p:sp>
       <p:sp>
         <p:nvSpPr>
           <p:cNvPr id="46" name="Shape 46"/>
-          <p:cNvSpPr txBox="1"/>
+          <p:cNvSpPr txBox="1">
+            <a:spLocks noGrp="1"/>
+          </p:cNvSpPr>
           <p:nvPr>
             <p:ph type="body" idx="1"/>
           </p:nvPr>
@@ -1454,13 +1544,17 @@
               <a:defRPr/>
             </a:lvl9pPr>
           </a:lstStyle>
-          <a:p/>
+          <a:p>
+            <a:endParaRPr/>
+          </a:p>
         </p:txBody>
       </p:sp>
       <p:sp>
         <p:nvSpPr>
           <p:cNvPr id="47" name="Shape 47"/>
-          <p:cNvSpPr txBox="1"/>
+          <p:cNvSpPr txBox="1">
+            <a:spLocks noGrp="1"/>
+          </p:cNvSpPr>
           <p:nvPr>
             <p:ph type="sldNum" idx="12"/>
           </p:nvPr>
@@ -1488,6 +1582,7 @@
             </a:pPr>
             <a:fld id="{00000000-1234-1234-1234-123412341234}" type="slidenum">
               <a:rPr lang="en-GB"/>
+              <a:t>‹#›</a:t>
             </a:fld>
             <a:endParaRPr lang="en-GB"/>
           </a:p>
@@ -1506,7 +1601,7 @@
   <p:cSld name="Blank">
     <p:spTree>
       <p:nvGrpSpPr>
-        <p:cNvPr id="48" name="Shape 48"/>
+        <p:cNvPr id="1" name="Shape 48"/>
         <p:cNvGrpSpPr/>
         <p:nvPr/>
       </p:nvGrpSpPr>
@@ -1521,7 +1616,9 @@
       <p:sp>
         <p:nvSpPr>
           <p:cNvPr id="49" name="Shape 49"/>
-          <p:cNvSpPr txBox="1"/>
+          <p:cNvSpPr txBox="1">
+            <a:spLocks noGrp="1"/>
+          </p:cNvSpPr>
           <p:nvPr>
             <p:ph type="sldNum" idx="12"/>
           </p:nvPr>
@@ -1549,6 +1646,7 @@
             </a:pPr>
             <a:fld id="{00000000-1234-1234-1234-123412341234}" type="slidenum">
               <a:rPr lang="en-GB"/>
+              <a:t>‹#›</a:t>
             </a:fld>
             <a:endParaRPr lang="en-GB"/>
           </a:p>
@@ -1567,7 +1665,7 @@
   <p:cSld name="Section header">
     <p:spTree>
       <p:nvGrpSpPr>
-        <p:cNvPr id="13" name="Shape 13"/>
+        <p:cNvPr id="1" name="Shape 13"/>
         <p:cNvGrpSpPr/>
         <p:nvPr/>
       </p:nvGrpSpPr>
@@ -1582,7 +1680,9 @@
       <p:sp>
         <p:nvSpPr>
           <p:cNvPr id="14" name="Shape 14"/>
-          <p:cNvSpPr txBox="1"/>
+          <p:cNvSpPr txBox="1">
+            <a:spLocks noGrp="1"/>
+          </p:cNvSpPr>
           <p:nvPr>
             <p:ph type="title"/>
           </p:nvPr>
@@ -1663,13 +1763,17 @@
               <a:defRPr sz="3600"/>
             </a:lvl9pPr>
           </a:lstStyle>
-          <a:p/>
+          <a:p>
+            <a:endParaRPr/>
+          </a:p>
         </p:txBody>
       </p:sp>
       <p:sp>
         <p:nvSpPr>
           <p:cNvPr id="15" name="Shape 15"/>
-          <p:cNvSpPr txBox="1"/>
+          <p:cNvSpPr txBox="1">
+            <a:spLocks noGrp="1"/>
+          </p:cNvSpPr>
           <p:nvPr>
             <p:ph type="sldNum" idx="12"/>
           </p:nvPr>
@@ -1697,6 +1801,7 @@
             </a:pPr>
             <a:fld id="{00000000-1234-1234-1234-123412341234}" type="slidenum">
               <a:rPr lang="en-GB"/>
+              <a:t>‹#›</a:t>
             </a:fld>
             <a:endParaRPr lang="en-GB"/>
           </a:p>
@@ -1715,7 +1820,7 @@
   <p:cSld name="Title and body">
     <p:spTree>
       <p:nvGrpSpPr>
-        <p:cNvPr id="16" name="Shape 16"/>
+        <p:cNvPr id="1" name="Shape 16"/>
         <p:cNvGrpSpPr/>
         <p:nvPr/>
       </p:nvGrpSpPr>
@@ -1730,7 +1835,9 @@
       <p:sp>
         <p:nvSpPr>
           <p:cNvPr id="17" name="Shape 17"/>
-          <p:cNvSpPr txBox="1"/>
+          <p:cNvSpPr txBox="1">
+            <a:spLocks noGrp="1"/>
+          </p:cNvSpPr>
           <p:nvPr>
             <p:ph type="title"/>
           </p:nvPr>
@@ -1802,13 +1909,17 @@
               <a:defRPr/>
             </a:lvl9pPr>
           </a:lstStyle>
-          <a:p/>
+          <a:p>
+            <a:endParaRPr/>
+          </a:p>
         </p:txBody>
       </p:sp>
       <p:sp>
         <p:nvSpPr>
           <p:cNvPr id="18" name="Shape 18"/>
-          <p:cNvSpPr txBox="1"/>
+          <p:cNvSpPr txBox="1">
+            <a:spLocks noGrp="1"/>
+          </p:cNvSpPr>
           <p:nvPr>
             <p:ph type="body" idx="1"/>
           </p:nvPr>
@@ -1880,13 +1991,17 @@
               <a:defRPr/>
             </a:lvl9pPr>
           </a:lstStyle>
-          <a:p/>
+          <a:p>
+            <a:endParaRPr/>
+          </a:p>
         </p:txBody>
       </p:sp>
       <p:sp>
         <p:nvSpPr>
           <p:cNvPr id="19" name="Shape 19"/>
-          <p:cNvSpPr txBox="1"/>
+          <p:cNvSpPr txBox="1">
+            <a:spLocks noGrp="1"/>
+          </p:cNvSpPr>
           <p:nvPr>
             <p:ph type="sldNum" idx="12"/>
           </p:nvPr>
@@ -1914,6 +2029,7 @@
             </a:pPr>
             <a:fld id="{00000000-1234-1234-1234-123412341234}" type="slidenum">
               <a:rPr lang="en-GB"/>
+              <a:t>‹#›</a:t>
             </a:fld>
             <a:endParaRPr lang="en-GB"/>
           </a:p>
@@ -1932,7 +2048,7 @@
   <p:cSld name="Title and two columns">
     <p:spTree>
       <p:nvGrpSpPr>
-        <p:cNvPr id="20" name="Shape 20"/>
+        <p:cNvPr id="1" name="Shape 20"/>
         <p:cNvGrpSpPr/>
         <p:nvPr/>
       </p:nvGrpSpPr>
@@ -1947,7 +2063,9 @@
       <p:sp>
         <p:nvSpPr>
           <p:cNvPr id="21" name="Shape 21"/>
-          <p:cNvSpPr txBox="1"/>
+          <p:cNvSpPr txBox="1">
+            <a:spLocks noGrp="1"/>
+          </p:cNvSpPr>
           <p:nvPr>
             <p:ph type="title"/>
           </p:nvPr>
@@ -2019,13 +2137,17 @@
               <a:defRPr/>
             </a:lvl9pPr>
           </a:lstStyle>
-          <a:p/>
+          <a:p>
+            <a:endParaRPr/>
+          </a:p>
         </p:txBody>
       </p:sp>
       <p:sp>
         <p:nvSpPr>
           <p:cNvPr id="22" name="Shape 22"/>
-          <p:cNvSpPr txBox="1"/>
+          <p:cNvSpPr txBox="1">
+            <a:spLocks noGrp="1"/>
+          </p:cNvSpPr>
           <p:nvPr>
             <p:ph type="body" idx="1"/>
           </p:nvPr>
@@ -2106,13 +2228,17 @@
               <a:defRPr sz="1200"/>
             </a:lvl9pPr>
           </a:lstStyle>
-          <a:p/>
+          <a:p>
+            <a:endParaRPr/>
+          </a:p>
         </p:txBody>
       </p:sp>
       <p:sp>
         <p:nvSpPr>
           <p:cNvPr id="23" name="Shape 23"/>
-          <p:cNvSpPr txBox="1"/>
+          <p:cNvSpPr txBox="1">
+            <a:spLocks noGrp="1"/>
+          </p:cNvSpPr>
           <p:nvPr>
             <p:ph type="body" idx="2"/>
           </p:nvPr>
@@ -2193,13 +2319,17 @@
               <a:defRPr sz="1200"/>
             </a:lvl9pPr>
           </a:lstStyle>
-          <a:p/>
+          <a:p>
+            <a:endParaRPr/>
+          </a:p>
         </p:txBody>
       </p:sp>
       <p:sp>
         <p:nvSpPr>
           <p:cNvPr id="24" name="Shape 24"/>
-          <p:cNvSpPr txBox="1"/>
+          <p:cNvSpPr txBox="1">
+            <a:spLocks noGrp="1"/>
+          </p:cNvSpPr>
           <p:nvPr>
             <p:ph type="sldNum" idx="12"/>
           </p:nvPr>
@@ -2227,6 +2357,7 @@
             </a:pPr>
             <a:fld id="{00000000-1234-1234-1234-123412341234}" type="slidenum">
               <a:rPr lang="en-GB"/>
+              <a:t>‹#›</a:t>
             </a:fld>
             <a:endParaRPr lang="en-GB"/>
           </a:p>
@@ -2245,7 +2376,7 @@
   <p:cSld name="Title only">
     <p:spTree>
       <p:nvGrpSpPr>
-        <p:cNvPr id="25" name="Shape 25"/>
+        <p:cNvPr id="1" name="Shape 25"/>
         <p:cNvGrpSpPr/>
         <p:nvPr/>
       </p:nvGrpSpPr>
@@ -2260,7 +2391,9 @@
       <p:sp>
         <p:nvSpPr>
           <p:cNvPr id="26" name="Shape 26"/>
-          <p:cNvSpPr txBox="1"/>
+          <p:cNvSpPr txBox="1">
+            <a:spLocks noGrp="1"/>
+          </p:cNvSpPr>
           <p:nvPr>
             <p:ph type="title"/>
           </p:nvPr>
@@ -2332,13 +2465,17 @@
               <a:defRPr/>
             </a:lvl9pPr>
           </a:lstStyle>
-          <a:p/>
+          <a:p>
+            <a:endParaRPr/>
+          </a:p>
         </p:txBody>
       </p:sp>
       <p:sp>
         <p:nvSpPr>
           <p:cNvPr id="27" name="Shape 27"/>
-          <p:cNvSpPr txBox="1"/>
+          <p:cNvSpPr txBox="1">
+            <a:spLocks noGrp="1"/>
+          </p:cNvSpPr>
           <p:nvPr>
             <p:ph type="sldNum" idx="12"/>
           </p:nvPr>
@@ -2366,6 +2503,7 @@
             </a:pPr>
             <a:fld id="{00000000-1234-1234-1234-123412341234}" type="slidenum">
               <a:rPr lang="en-GB"/>
+              <a:t>‹#›</a:t>
             </a:fld>
             <a:endParaRPr lang="en-GB"/>
           </a:p>
@@ -2384,7 +2522,7 @@
   <p:cSld name="One column text">
     <p:spTree>
       <p:nvGrpSpPr>
-        <p:cNvPr id="28" name="Shape 28"/>
+        <p:cNvPr id="1" name="Shape 28"/>
         <p:cNvGrpSpPr/>
         <p:nvPr/>
       </p:nvGrpSpPr>
@@ -2399,7 +2537,9 @@
       <p:sp>
         <p:nvSpPr>
           <p:cNvPr id="29" name="Shape 29"/>
-          <p:cNvSpPr txBox="1"/>
+          <p:cNvSpPr txBox="1">
+            <a:spLocks noGrp="1"/>
+          </p:cNvSpPr>
           <p:nvPr>
             <p:ph type="title"/>
           </p:nvPr>
@@ -2480,13 +2620,17 @@
               <a:defRPr sz="2400"/>
             </a:lvl9pPr>
           </a:lstStyle>
-          <a:p/>
+          <a:p>
+            <a:endParaRPr/>
+          </a:p>
         </p:txBody>
       </p:sp>
       <p:sp>
         <p:nvSpPr>
           <p:cNvPr id="30" name="Shape 30"/>
-          <p:cNvSpPr txBox="1"/>
+          <p:cNvSpPr txBox="1">
+            <a:spLocks noGrp="1"/>
+          </p:cNvSpPr>
           <p:nvPr>
             <p:ph type="body" idx="1"/>
           </p:nvPr>
@@ -2567,13 +2711,17 @@
               <a:defRPr sz="1200"/>
             </a:lvl9pPr>
           </a:lstStyle>
-          <a:p/>
+          <a:p>
+            <a:endParaRPr/>
+          </a:p>
         </p:txBody>
       </p:sp>
       <p:sp>
         <p:nvSpPr>
           <p:cNvPr id="31" name="Shape 31"/>
-          <p:cNvSpPr txBox="1"/>
+          <p:cNvSpPr txBox="1">
+            <a:spLocks noGrp="1"/>
+          </p:cNvSpPr>
           <p:nvPr>
             <p:ph type="sldNum" idx="12"/>
           </p:nvPr>
@@ -2601,6 +2749,7 @@
             </a:pPr>
             <a:fld id="{00000000-1234-1234-1234-123412341234}" type="slidenum">
               <a:rPr lang="en-GB"/>
+              <a:t>‹#›</a:t>
             </a:fld>
             <a:endParaRPr lang="en-GB"/>
           </a:p>
@@ -2619,7 +2768,7 @@
   <p:cSld name="Main point">
     <p:spTree>
       <p:nvGrpSpPr>
-        <p:cNvPr id="32" name="Shape 32"/>
+        <p:cNvPr id="1" name="Shape 32"/>
         <p:cNvGrpSpPr/>
         <p:nvPr/>
       </p:nvGrpSpPr>
@@ -2634,7 +2783,9 @@
       <p:sp>
         <p:nvSpPr>
           <p:cNvPr id="33" name="Shape 33"/>
-          <p:cNvSpPr txBox="1"/>
+          <p:cNvSpPr txBox="1">
+            <a:spLocks noGrp="1"/>
+          </p:cNvSpPr>
           <p:nvPr>
             <p:ph type="title"/>
           </p:nvPr>
@@ -2715,13 +2866,17 @@
               <a:defRPr sz="4800"/>
             </a:lvl9pPr>
           </a:lstStyle>
-          <a:p/>
+          <a:p>
+            <a:endParaRPr/>
+          </a:p>
         </p:txBody>
       </p:sp>
       <p:sp>
         <p:nvSpPr>
           <p:cNvPr id="34" name="Shape 34"/>
-          <p:cNvSpPr txBox="1"/>
+          <p:cNvSpPr txBox="1">
+            <a:spLocks noGrp="1"/>
+          </p:cNvSpPr>
           <p:nvPr>
             <p:ph type="sldNum" idx="12"/>
           </p:nvPr>
@@ -2749,6 +2904,7 @@
             </a:pPr>
             <a:fld id="{00000000-1234-1234-1234-123412341234}" type="slidenum">
               <a:rPr lang="en-GB"/>
+              <a:t>‹#›</a:t>
             </a:fld>
             <a:endParaRPr lang="en-GB"/>
           </a:p>
@@ -2767,7 +2923,7 @@
   <p:cSld name="Section title and description">
     <p:spTree>
       <p:nvGrpSpPr>
-        <p:cNvPr id="35" name="Shape 35"/>
+        <p:cNvPr id="1" name="Shape 35"/>
         <p:cNvGrpSpPr/>
         <p:nvPr/>
       </p:nvGrpSpPr>
@@ -2812,13 +2968,16 @@
               </a:spcBef>
               <a:buNone/>
             </a:pPr>
+            <a:endParaRPr/>
           </a:p>
         </p:txBody>
       </p:sp>
       <p:sp>
         <p:nvSpPr>
           <p:cNvPr id="37" name="Shape 37"/>
-          <p:cNvSpPr txBox="1"/>
+          <p:cNvSpPr txBox="1">
+            <a:spLocks noGrp="1"/>
+          </p:cNvSpPr>
           <p:nvPr>
             <p:ph type="title"/>
           </p:nvPr>
@@ -2899,13 +3058,17 @@
               <a:defRPr sz="4200"/>
             </a:lvl9pPr>
           </a:lstStyle>
-          <a:p/>
+          <a:p>
+            <a:endParaRPr/>
+          </a:p>
         </p:txBody>
       </p:sp>
       <p:sp>
         <p:nvSpPr>
           <p:cNvPr id="38" name="Shape 38"/>
-          <p:cNvSpPr txBox="1"/>
+          <p:cNvSpPr txBox="1">
+            <a:spLocks noGrp="1"/>
+          </p:cNvSpPr>
           <p:nvPr>
             <p:ph type="subTitle" idx="1"/>
           </p:nvPr>
@@ -3049,13 +3212,17 @@
               <a:defRPr sz="2100"/>
             </a:lvl9pPr>
           </a:lstStyle>
-          <a:p/>
+          <a:p>
+            <a:endParaRPr/>
+          </a:p>
         </p:txBody>
       </p:sp>
       <p:sp>
         <p:nvSpPr>
           <p:cNvPr id="39" name="Shape 39"/>
-          <p:cNvSpPr txBox="1"/>
+          <p:cNvSpPr txBox="1">
+            <a:spLocks noGrp="1"/>
+          </p:cNvSpPr>
           <p:nvPr>
             <p:ph type="body" idx="2"/>
           </p:nvPr>
@@ -3127,13 +3294,17 @@
               <a:defRPr/>
             </a:lvl9pPr>
           </a:lstStyle>
-          <a:p/>
+          <a:p>
+            <a:endParaRPr/>
+          </a:p>
         </p:txBody>
       </p:sp>
       <p:sp>
         <p:nvSpPr>
           <p:cNvPr id="40" name="Shape 40"/>
-          <p:cNvSpPr txBox="1"/>
+          <p:cNvSpPr txBox="1">
+            <a:spLocks noGrp="1"/>
+          </p:cNvSpPr>
           <p:nvPr>
             <p:ph type="sldNum" idx="12"/>
           </p:nvPr>
@@ -3161,6 +3332,7 @@
             </a:pPr>
             <a:fld id="{00000000-1234-1234-1234-123412341234}" type="slidenum">
               <a:rPr lang="en-GB"/>
+              <a:t>‹#›</a:t>
             </a:fld>
             <a:endParaRPr lang="en-GB"/>
           </a:p>
@@ -3179,7 +3351,7 @@
   <p:cSld name="Caption">
     <p:spTree>
       <p:nvGrpSpPr>
-        <p:cNvPr id="41" name="Shape 41"/>
+        <p:cNvPr id="1" name="Shape 41"/>
         <p:cNvGrpSpPr/>
         <p:nvPr/>
       </p:nvGrpSpPr>
@@ -3194,7 +3366,9 @@
       <p:sp>
         <p:nvSpPr>
           <p:cNvPr id="42" name="Shape 42"/>
-          <p:cNvSpPr txBox="1"/>
+          <p:cNvSpPr txBox="1">
+            <a:spLocks noGrp="1"/>
+          </p:cNvSpPr>
           <p:nvPr>
             <p:ph type="body" idx="1"/>
           </p:nvPr>
@@ -3225,13 +3399,17 @@
               <a:defRPr/>
             </a:lvl1pPr>
           </a:lstStyle>
-          <a:p/>
+          <a:p>
+            <a:endParaRPr/>
+          </a:p>
         </p:txBody>
       </p:sp>
       <p:sp>
         <p:nvSpPr>
           <p:cNvPr id="43" name="Shape 43"/>
-          <p:cNvSpPr txBox="1"/>
+          <p:cNvSpPr txBox="1">
+            <a:spLocks noGrp="1"/>
+          </p:cNvSpPr>
           <p:nvPr>
             <p:ph type="sldNum" idx="12"/>
           </p:nvPr>
@@ -3259,6 +3437,7 @@
             </a:pPr>
             <a:fld id="{00000000-1234-1234-1234-123412341234}" type="slidenum">
               <a:rPr lang="en-GB"/>
+              <a:t>‹#›</a:t>
             </a:fld>
             <a:endParaRPr lang="en-GB"/>
           </a:p>
@@ -3285,7 +3464,7 @@
     </p:bg>
     <p:spTree>
       <p:nvGrpSpPr>
-        <p:cNvPr id="5" name="Shape 5"/>
+        <p:cNvPr id="1" name="Shape 5"/>
         <p:cNvGrpSpPr/>
         <p:nvPr/>
       </p:nvGrpSpPr>
@@ -3300,7 +3479,9 @@
       <p:sp>
         <p:nvSpPr>
           <p:cNvPr id="6" name="Shape 6"/>
-          <p:cNvSpPr txBox="1"/>
+          <p:cNvSpPr txBox="1">
+            <a:spLocks noGrp="1"/>
+          </p:cNvSpPr>
           <p:nvPr>
             <p:ph type="title"/>
           </p:nvPr>
@@ -3457,13 +3638,17 @@
               </a:defRPr>
             </a:lvl9pPr>
           </a:lstStyle>
-          <a:p/>
+          <a:p>
+            <a:endParaRPr/>
+          </a:p>
         </p:txBody>
       </p:sp>
       <p:sp>
         <p:nvSpPr>
           <p:cNvPr id="7" name="Shape 7"/>
-          <p:cNvSpPr txBox="1"/>
+          <p:cNvSpPr txBox="1">
+            <a:spLocks noGrp="1"/>
+          </p:cNvSpPr>
           <p:nvPr>
             <p:ph type="body" idx="1"/>
           </p:nvPr>
@@ -3657,13 +3842,17 @@
               </a:defRPr>
             </a:lvl9pPr>
           </a:lstStyle>
-          <a:p/>
+          <a:p>
+            <a:endParaRPr/>
+          </a:p>
         </p:txBody>
       </p:sp>
       <p:sp>
         <p:nvSpPr>
           <p:cNvPr id="8" name="Shape 8"/>
-          <p:cNvSpPr txBox="1"/>
+          <p:cNvSpPr txBox="1">
+            <a:spLocks noGrp="1"/>
+          </p:cNvSpPr>
           <p:nvPr>
             <p:ph type="sldNum" idx="12"/>
           </p:nvPr>
@@ -3699,6 +3888,7 @@
                   <a:schemeClr val="dk2"/>
                 </a:solidFill>
               </a:rPr>
+              <a:t>‹#›</a:t>
             </a:fld>
             <a:endParaRPr lang="en-GB" sz="1000">
               <a:solidFill>
@@ -4173,7 +4363,7 @@
   <p:cSld>
     <p:spTree>
       <p:nvGrpSpPr>
-        <p:cNvPr id="53" name="Shape 53"/>
+        <p:cNvPr id="1" name="Shape 53"/>
         <p:cNvGrpSpPr/>
         <p:nvPr/>
       </p:nvGrpSpPr>
@@ -4188,7 +4378,9 @@
       <p:sp>
         <p:nvSpPr>
           <p:cNvPr id="54" name="Shape 54"/>
-          <p:cNvSpPr txBox="1"/>
+          <p:cNvSpPr txBox="1">
+            <a:spLocks noGrp="1"/>
+          </p:cNvSpPr>
           <p:nvPr>
             <p:ph type="ctrTitle"/>
           </p:nvPr>
@@ -4215,7 +4407,7 @@
               <a:buNone/>
             </a:pPr>
             <a:r>
-              <a:rPr lang="en-GB" sz="3000" b="1">
+              <a:rPr lang="en-GB" sz="3000" b="1" dirty="0" err="1">
                 <a:solidFill>
                   <a:srgbClr val="C9394A"/>
                 </a:solidFill>
@@ -4224,7 +4416,7 @@
               </a:rPr>
               <a:t>用Python定义类</a:t>
             </a:r>
-            <a:endParaRPr lang="en-GB" sz="3000" b="1">
+            <a:endParaRPr lang="en-GB" sz="3000" b="1" dirty="0">
               <a:solidFill>
                 <a:srgbClr val="C9394A"/>
               </a:solidFill>
@@ -4237,7 +4429,9 @@
       <p:sp>
         <p:nvSpPr>
           <p:cNvPr id="55" name="Shape 55"/>
-          <p:cNvSpPr txBox="1"/>
+          <p:cNvSpPr txBox="1">
+            <a:spLocks noGrp="1"/>
+          </p:cNvSpPr>
           <p:nvPr>
             <p:ph type="subTitle" idx="1"/>
           </p:nvPr>
@@ -4263,6 +4457,7 @@
               </a:spcBef>
               <a:buNone/>
             </a:pPr>
+            <a:endParaRPr/>
           </a:p>
         </p:txBody>
       </p:sp>
@@ -4279,7 +4474,7 @@
   <p:cSld>
     <p:spTree>
       <p:nvGrpSpPr>
-        <p:cNvPr id="59" name="Shape 59"/>
+        <p:cNvPr id="1" name="Shape 59"/>
         <p:cNvGrpSpPr/>
         <p:nvPr/>
       </p:nvGrpSpPr>
@@ -4294,15 +4489,17 @@
       <p:sp>
         <p:nvSpPr>
           <p:cNvPr id="60" name="Shape 60"/>
-          <p:cNvSpPr txBox="1"/>
+          <p:cNvSpPr txBox="1">
+            <a:spLocks noGrp="1"/>
+          </p:cNvSpPr>
           <p:nvPr>
             <p:ph type="title"/>
           </p:nvPr>
         </p:nvSpPr>
         <p:spPr>
           <a:xfrm>
-            <a:off x="311700" y="445025"/>
-            <a:ext cx="8520600" cy="572700"/>
+            <a:off x="1106570" y="1437118"/>
+            <a:ext cx="4828065" cy="720387"/>
           </a:xfrm>
           <a:prstGeom prst="rect">
             <a:avLst/>
@@ -4321,7 +4518,7 @@
               <a:buNone/>
             </a:pPr>
             <a:r>
-              <a:rPr lang="en-GB" sz="2200">
+              <a:rPr lang="en-GB" sz="2200" dirty="0" err="1">
                 <a:solidFill>
                   <a:srgbClr val="C9394A"/>
                 </a:solidFill>
@@ -4330,7 +4527,7 @@
               </a:rPr>
               <a:t>定义类</a:t>
             </a:r>
-            <a:endParaRPr lang="en-GB" sz="2200">
+            <a:endParaRPr lang="en-GB" sz="2200" dirty="0">
               <a:solidFill>
                 <a:srgbClr val="C9394A"/>
               </a:solidFill>
@@ -4343,15 +4540,17 @@
       <p:sp>
         <p:nvSpPr>
           <p:cNvPr id="61" name="Shape 61"/>
-          <p:cNvSpPr txBox="1"/>
+          <p:cNvSpPr txBox="1">
+            <a:spLocks noGrp="1"/>
+          </p:cNvSpPr>
           <p:nvPr>
             <p:ph type="body" idx="1"/>
           </p:nvPr>
         </p:nvSpPr>
         <p:spPr>
           <a:xfrm>
-            <a:off x="311700" y="1152475"/>
-            <a:ext cx="8520600" cy="3416400"/>
+            <a:off x="1106570" y="2097740"/>
+            <a:ext cx="5557194" cy="1704278"/>
           </a:xfrm>
           <a:prstGeom prst="rect">
             <a:avLst/>
@@ -4381,7 +4580,7 @@
               <a:buNone/>
             </a:pPr>
             <a:r>
-              <a:rPr lang="en-GB">
+              <a:rPr lang="en-GB" dirty="0">
                 <a:solidFill>
                   <a:srgbClr val="FF5600"/>
                 </a:solidFill>
@@ -4396,7 +4595,7 @@
               <a:t>class</a:t>
             </a:r>
             <a:r>
-              <a:rPr lang="en-GB">
+              <a:rPr lang="en-GB" dirty="0">
                 <a:solidFill>
                   <a:schemeClr val="dk1"/>
                 </a:solidFill>
@@ -4411,7 +4610,7 @@
               <a:t> </a:t>
             </a:r>
             <a:r>
-              <a:rPr lang="en-GB">
+              <a:rPr lang="en-GB" dirty="0" err="1">
                 <a:solidFill>
                   <a:srgbClr val="21439C"/>
                 </a:solidFill>
@@ -4426,7 +4625,7 @@
               <a:t>ClassName</a:t>
             </a:r>
             <a:r>
-              <a:rPr lang="en-GB">
+              <a:rPr lang="en-GB" dirty="0">
                 <a:solidFill>
                   <a:schemeClr val="dk1"/>
                 </a:solidFill>
@@ -4441,7 +4640,7 @@
               <a:t>:</a:t>
             </a:r>
             <a:br>
-              <a:rPr lang="en-GB">
+              <a:rPr lang="en-GB" dirty="0">
                 <a:solidFill>
                   <a:schemeClr val="dk1"/>
                 </a:solidFill>
@@ -4455,7 +4654,7 @@
               </a:rPr>
             </a:br>
             <a:r>
-              <a:rPr lang="en-GB">
+              <a:rPr lang="en-GB" dirty="0">
                 <a:solidFill>
                   <a:schemeClr val="dk1"/>
                 </a:solidFill>
@@ -4470,7 +4669,7 @@
               <a:t>    statement1</a:t>
             </a:r>
             <a:br>
-              <a:rPr lang="en-GB">
+              <a:rPr lang="en-GB" dirty="0">
                 <a:solidFill>
                   <a:schemeClr val="dk1"/>
                 </a:solidFill>
@@ -4484,7 +4683,7 @@
               </a:rPr>
             </a:br>
             <a:r>
-              <a:rPr lang="en-GB">
+              <a:rPr lang="en-GB" dirty="0">
                 <a:solidFill>
                   <a:schemeClr val="dk1"/>
                 </a:solidFill>
@@ -4499,7 +4698,7 @@
               <a:t>    …</a:t>
             </a:r>
             <a:br>
-              <a:rPr lang="en-GB">
+              <a:rPr lang="en-GB" dirty="0">
                 <a:solidFill>
                   <a:schemeClr val="dk1"/>
                 </a:solidFill>
@@ -4513,7 +4712,7 @@
               </a:rPr>
             </a:br>
             <a:r>
-              <a:rPr lang="en-GB">
+              <a:rPr lang="en-GB" dirty="0">
                 <a:solidFill>
                   <a:schemeClr val="dk1"/>
                 </a:solidFill>
@@ -4525,9 +4724,24 @@
                 <a:cs typeface="Courier New"/>
                 <a:sym typeface="Courier New"/>
               </a:rPr>
-              <a:t>    statementN</a:t>
+              <a:t>    </a:t>
             </a:r>
-            <a:endParaRPr lang="en-GB">
+            <a:r>
+              <a:rPr lang="en-GB" dirty="0" err="1">
+                <a:solidFill>
+                  <a:schemeClr val="dk1"/>
+                </a:solidFill>
+                <a:highlight>
+                  <a:srgbClr val="FFFFFF"/>
+                </a:highlight>
+                <a:latin typeface="Courier New"/>
+                <a:ea typeface="Courier New"/>
+                <a:cs typeface="Courier New"/>
+                <a:sym typeface="Courier New"/>
+              </a:rPr>
+              <a:t>statementN</a:t>
+            </a:r>
+            <a:endParaRPr lang="en-GB" dirty="0">
               <a:solidFill>
                 <a:schemeClr val="dk1"/>
               </a:solidFill>
@@ -4550,6 +4764,18 @@
               </a:spcAft>
               <a:buNone/>
             </a:pPr>
+            <a:endParaRPr lang="en-GB" dirty="0">
+              <a:solidFill>
+                <a:schemeClr val="dk1"/>
+              </a:solidFill>
+              <a:highlight>
+                <a:srgbClr val="FFFFFF"/>
+              </a:highlight>
+              <a:latin typeface="Courier New"/>
+              <a:ea typeface="Courier New"/>
+              <a:cs typeface="Courier New"/>
+              <a:sym typeface="Courier New"/>
+            </a:endParaRPr>
           </a:p>
           <a:p>
             <a:pPr lvl="0">
@@ -4569,7 +4795,7 @@
               <a:buFont typeface="Arial"/>
               <a:buNone/>
             </a:pPr>
-            <a:endParaRPr>
+            <a:endParaRPr dirty="0">
               <a:solidFill>
                 <a:srgbClr val="333333"/>
               </a:solidFill>
@@ -4585,6 +4811,49 @@
               </a:spcBef>
               <a:buNone/>
             </a:pPr>
+            <a:endParaRPr dirty="0">
+              <a:solidFill>
+                <a:srgbClr val="333333"/>
+              </a:solidFill>
+              <a:highlight>
+                <a:srgbClr val="EEFFCC"/>
+              </a:highlight>
+            </a:endParaRPr>
+          </a:p>
+        </p:txBody>
+      </p:sp>
+      <p:sp>
+        <p:nvSpPr>
+          <p:cNvPr id="2" name="矩形 1"/>
+          <p:cNvSpPr/>
+          <p:nvPr/>
+        </p:nvSpPr>
+        <p:spPr>
+          <a:xfrm>
+            <a:off x="3134201" y="601112"/>
+            <a:ext cx="3108543" cy="553998"/>
+          </a:xfrm>
+          <a:prstGeom prst="rect">
+            <a:avLst/>
+          </a:prstGeom>
+        </p:spPr>
+        <p:txBody>
+          <a:bodyPr wrap="none">
+            <a:spAutoFit/>
+          </a:bodyPr>
+          <a:lstStyle/>
+          <a:p>
+            <a:r>
+              <a:rPr lang="en-GB" altLang="zh-CN" sz="3000" b="1" dirty="0" err="1">
+                <a:solidFill>
+                  <a:srgbClr val="C9394A"/>
+                </a:solidFill>
+                <a:latin typeface="微软雅黑" charset="0"/>
+                <a:ea typeface="微软雅黑" charset="0"/>
+              </a:rPr>
+              <a:t>用Python定义类</a:t>
+            </a:r>
+            <a:endParaRPr lang="zh-CN" altLang="en-US" sz="3000" dirty="0"/>
           </a:p>
         </p:txBody>
       </p:sp>
@@ -4604,7 +4873,7 @@
   <p:cSld>
     <p:spTree>
       <p:nvGrpSpPr>
-        <p:cNvPr id="65" name="Shape 65"/>
+        <p:cNvPr id="1" name="Shape 65"/>
         <p:cNvGrpSpPr/>
         <p:nvPr/>
       </p:nvGrpSpPr>
@@ -4619,15 +4888,17 @@
       <p:sp>
         <p:nvSpPr>
           <p:cNvPr id="66" name="Shape 66"/>
-          <p:cNvSpPr txBox="1"/>
+          <p:cNvSpPr txBox="1">
+            <a:spLocks noGrp="1"/>
+          </p:cNvSpPr>
           <p:nvPr>
             <p:ph type="title"/>
           </p:nvPr>
         </p:nvSpPr>
         <p:spPr>
           <a:xfrm>
-            <a:off x="311700" y="445025"/>
-            <a:ext cx="8520600" cy="572700"/>
+            <a:off x="1079676" y="1461025"/>
+            <a:ext cx="5306182" cy="547069"/>
           </a:xfrm>
           <a:prstGeom prst="rect">
             <a:avLst/>
@@ -4646,7 +4917,7 @@
               <a:buNone/>
             </a:pPr>
             <a:r>
-              <a:rPr lang="en-GB" sz="2200">
+              <a:rPr lang="en-GB" sz="2200" dirty="0" err="1">
                 <a:solidFill>
                   <a:srgbClr val="C9394A"/>
                 </a:solidFill>
@@ -4655,7 +4926,7 @@
               </a:rPr>
               <a:t>构造函数</a:t>
             </a:r>
-            <a:endParaRPr lang="en-GB" sz="2200">
+            <a:endParaRPr lang="en-GB" sz="2200" dirty="0">
               <a:solidFill>
                 <a:srgbClr val="C9394A"/>
               </a:solidFill>
@@ -4668,15 +4939,17 @@
       <p:sp>
         <p:nvSpPr>
           <p:cNvPr id="67" name="Shape 67"/>
-          <p:cNvSpPr txBox="1"/>
+          <p:cNvSpPr txBox="1">
+            <a:spLocks noGrp="1"/>
+          </p:cNvSpPr>
           <p:nvPr>
             <p:ph type="body" idx="1"/>
           </p:nvPr>
         </p:nvSpPr>
         <p:spPr>
           <a:xfrm>
-            <a:off x="311700" y="1152475"/>
-            <a:ext cx="8520600" cy="3416400"/>
+            <a:off x="1079676" y="2126639"/>
+            <a:ext cx="5599029" cy="2122631"/>
           </a:xfrm>
           <a:prstGeom prst="rect">
             <a:avLst/>
@@ -4706,7 +4979,7 @@
               <a:buNone/>
             </a:pPr>
             <a:r>
-              <a:rPr lang="en-GB">
+              <a:rPr lang="en-GB" dirty="0" err="1">
                 <a:solidFill>
                   <a:srgbClr val="FF5600"/>
                 </a:solidFill>
@@ -4721,7 +4994,7 @@
               <a:t>def</a:t>
             </a:r>
             <a:r>
-              <a:rPr lang="en-GB">
+              <a:rPr lang="en-GB" dirty="0">
                 <a:solidFill>
                   <a:schemeClr val="dk1"/>
                 </a:solidFill>
@@ -4736,7 +5009,7 @@
               <a:t> </a:t>
             </a:r>
             <a:r>
-              <a:rPr lang="en-GB">
+              <a:rPr lang="en-GB" dirty="0">
                 <a:solidFill>
                   <a:srgbClr val="A535AE"/>
                 </a:solidFill>
@@ -4748,10 +5021,40 @@
                 <a:cs typeface="Courier New"/>
                 <a:sym typeface="Courier New"/>
               </a:rPr>
-              <a:t>__init__</a:t>
+              <a:t>__</a:t>
             </a:r>
             <a:r>
-              <a:rPr lang="en-GB">
+              <a:rPr lang="en-GB" dirty="0" err="1">
+                <a:solidFill>
+                  <a:srgbClr val="A535AE"/>
+                </a:solidFill>
+                <a:highlight>
+                  <a:srgbClr val="FFFFFF"/>
+                </a:highlight>
+                <a:latin typeface="Courier New"/>
+                <a:ea typeface="Courier New"/>
+                <a:cs typeface="Courier New"/>
+                <a:sym typeface="Courier New"/>
+              </a:rPr>
+              <a:t>init</a:t>
+            </a:r>
+            <a:r>
+              <a:rPr lang="en-GB" dirty="0">
+                <a:solidFill>
+                  <a:srgbClr val="A535AE"/>
+                </a:solidFill>
+                <a:highlight>
+                  <a:srgbClr val="FFFFFF"/>
+                </a:highlight>
+                <a:latin typeface="Courier New"/>
+                <a:ea typeface="Courier New"/>
+                <a:cs typeface="Courier New"/>
+                <a:sym typeface="Courier New"/>
+              </a:rPr>
+              <a:t>__</a:t>
+            </a:r>
+            <a:r>
+              <a:rPr lang="en-GB" dirty="0">
                 <a:solidFill>
                   <a:schemeClr val="dk1"/>
                 </a:solidFill>
@@ -4765,7 +5068,15 @@
               </a:rPr>
               <a:t>(self, [...):</a:t>
             </a:r>
-            <a:endParaRPr lang="en-GB">
+          </a:p>
+          <a:p>
+            <a:pPr lvl="0">
+              <a:spcBef>
+                <a:spcPts val="0"/>
+              </a:spcBef>
+              <a:buNone/>
+            </a:pPr>
+            <a:endParaRPr lang="en-GB" dirty="0">
               <a:solidFill>
                 <a:schemeClr val="dk1"/>
               </a:solidFill>
@@ -4778,13 +5089,40 @@
               <a:sym typeface="Courier New"/>
             </a:endParaRPr>
           </a:p>
+        </p:txBody>
+      </p:sp>
+      <p:sp>
+        <p:nvSpPr>
+          <p:cNvPr id="2" name="矩形 1"/>
+          <p:cNvSpPr/>
+          <p:nvPr/>
+        </p:nvSpPr>
+        <p:spPr>
+          <a:xfrm>
+            <a:off x="3134201" y="624921"/>
+            <a:ext cx="3108543" cy="553998"/>
+          </a:xfrm>
+          <a:prstGeom prst="rect">
+            <a:avLst/>
+          </a:prstGeom>
+        </p:spPr>
+        <p:txBody>
+          <a:bodyPr wrap="none">
+            <a:spAutoFit/>
+          </a:bodyPr>
+          <a:lstStyle/>
           <a:p>
-            <a:pPr lvl="0">
-              <a:spcBef>
-                <a:spcPts val="0"/>
-              </a:spcBef>
-              <a:buNone/>
-            </a:pPr>
+            <a:r>
+              <a:rPr lang="en-GB" altLang="zh-CN" sz="3000" b="1" dirty="0" err="1">
+                <a:solidFill>
+                  <a:srgbClr val="C9394A"/>
+                </a:solidFill>
+                <a:latin typeface="微软雅黑" charset="0"/>
+                <a:ea typeface="微软雅黑" charset="0"/>
+              </a:rPr>
+              <a:t>用Python定义类</a:t>
+            </a:r>
+            <a:endParaRPr lang="zh-CN" altLang="en-US" sz="3000" dirty="0"/>
           </a:p>
         </p:txBody>
       </p:sp>
@@ -4804,7 +5142,7 @@
   <p:cSld>
     <p:spTree>
       <p:nvGrpSpPr>
-        <p:cNvPr id="71" name="Shape 71"/>
+        <p:cNvPr id="1" name="Shape 71"/>
         <p:cNvGrpSpPr/>
         <p:nvPr/>
       </p:nvGrpSpPr>
@@ -4819,15 +5157,17 @@
       <p:sp>
         <p:nvSpPr>
           <p:cNvPr id="72" name="Shape 72"/>
-          <p:cNvSpPr txBox="1"/>
+          <p:cNvSpPr txBox="1">
+            <a:spLocks noGrp="1"/>
+          </p:cNvSpPr>
           <p:nvPr>
             <p:ph type="title"/>
           </p:nvPr>
         </p:nvSpPr>
         <p:spPr>
           <a:xfrm>
-            <a:off x="311700" y="445025"/>
-            <a:ext cx="8520600" cy="572700"/>
+            <a:off x="1148406" y="1550672"/>
+            <a:ext cx="5091029" cy="553046"/>
           </a:xfrm>
           <a:prstGeom prst="rect">
             <a:avLst/>
@@ -4846,7 +5186,7 @@
               <a:buNone/>
             </a:pPr>
             <a:r>
-              <a:rPr lang="en-GB" sz="2200">
+              <a:rPr lang="en-GB" sz="2200" dirty="0" err="1">
                 <a:solidFill>
                   <a:srgbClr val="C9394A"/>
                 </a:solidFill>
@@ -4855,7 +5195,7 @@
               </a:rPr>
               <a:t>析构函数</a:t>
             </a:r>
-            <a:endParaRPr lang="en-GB" sz="2200">
+            <a:endParaRPr lang="en-GB" sz="2200" dirty="0">
               <a:solidFill>
                 <a:srgbClr val="C9394A"/>
               </a:solidFill>
@@ -4868,15 +5208,17 @@
       <p:sp>
         <p:nvSpPr>
           <p:cNvPr id="73" name="Shape 73"/>
-          <p:cNvSpPr txBox="1"/>
+          <p:cNvSpPr txBox="1">
+            <a:spLocks noGrp="1"/>
+          </p:cNvSpPr>
           <p:nvPr>
             <p:ph type="body" idx="1"/>
           </p:nvPr>
         </p:nvSpPr>
         <p:spPr>
           <a:xfrm>
-            <a:off x="311700" y="1152475"/>
-            <a:ext cx="8520600" cy="3416400"/>
+            <a:off x="1148406" y="2103718"/>
+            <a:ext cx="4445571" cy="1680372"/>
           </a:xfrm>
           <a:prstGeom prst="rect">
             <a:avLst/>
@@ -4906,7 +5248,7 @@
               <a:buNone/>
             </a:pPr>
             <a:r>
-              <a:rPr lang="en-GB">
+              <a:rPr lang="en-GB" dirty="0" err="1">
                 <a:solidFill>
                   <a:srgbClr val="FF5600"/>
                 </a:solidFill>
@@ -4921,7 +5263,7 @@
               <a:t>def</a:t>
             </a:r>
             <a:r>
-              <a:rPr lang="en-GB">
+              <a:rPr lang="en-GB" dirty="0">
                 <a:solidFill>
                   <a:schemeClr val="dk1"/>
                 </a:solidFill>
@@ -4936,7 +5278,7 @@
               <a:t> </a:t>
             </a:r>
             <a:r>
-              <a:rPr lang="en-GB">
+              <a:rPr lang="en-GB" dirty="0">
                 <a:solidFill>
                   <a:srgbClr val="A535AE"/>
                 </a:solidFill>
@@ -4951,7 +5293,7 @@
               <a:t>__del__</a:t>
             </a:r>
             <a:r>
-              <a:rPr lang="en-GB">
+              <a:rPr lang="en-GB" dirty="0">
                 <a:solidFill>
                   <a:schemeClr val="dk1"/>
                 </a:solidFill>
@@ -4965,7 +5307,15 @@
               </a:rPr>
               <a:t>(self, [...):</a:t>
             </a:r>
-            <a:endParaRPr lang="en-GB">
+          </a:p>
+          <a:p>
+            <a:pPr lvl="0">
+              <a:spcBef>
+                <a:spcPts val="0"/>
+              </a:spcBef>
+              <a:buNone/>
+            </a:pPr>
+            <a:endParaRPr lang="en-GB" dirty="0">
               <a:solidFill>
                 <a:schemeClr val="dk1"/>
               </a:solidFill>
@@ -4978,13 +5328,40 @@
               <a:sym typeface="Courier New"/>
             </a:endParaRPr>
           </a:p>
+        </p:txBody>
+      </p:sp>
+      <p:sp>
+        <p:nvSpPr>
+          <p:cNvPr id="2" name="矩形 1"/>
+          <p:cNvSpPr/>
+          <p:nvPr/>
+        </p:nvSpPr>
+        <p:spPr>
+          <a:xfrm>
+            <a:off x="2925025" y="598477"/>
+            <a:ext cx="3108543" cy="553998"/>
+          </a:xfrm>
+          <a:prstGeom prst="rect">
+            <a:avLst/>
+          </a:prstGeom>
+        </p:spPr>
+        <p:txBody>
+          <a:bodyPr wrap="none">
+            <a:spAutoFit/>
+          </a:bodyPr>
+          <a:lstStyle/>
           <a:p>
-            <a:pPr lvl="0">
-              <a:spcBef>
-                <a:spcPts val="0"/>
-              </a:spcBef>
-              <a:buNone/>
-            </a:pPr>
+            <a:r>
+              <a:rPr lang="en-GB" altLang="zh-CN" sz="3000" b="1" dirty="0" err="1">
+                <a:solidFill>
+                  <a:srgbClr val="C9394A"/>
+                </a:solidFill>
+                <a:latin typeface="微软雅黑" charset="0"/>
+                <a:ea typeface="微软雅黑" charset="0"/>
+              </a:rPr>
+              <a:t>用Python定义类</a:t>
+            </a:r>
+            <a:endParaRPr lang="zh-CN" altLang="en-US" sz="3000" dirty="0"/>
           </a:p>
         </p:txBody>
       </p:sp>
@@ -5004,7 +5381,7 @@
   <p:cSld>
     <p:spTree>
       <p:nvGrpSpPr>
-        <p:cNvPr id="77" name="Shape 77"/>
+        <p:cNvPr id="1" name="Shape 77"/>
         <p:cNvGrpSpPr/>
         <p:nvPr/>
       </p:nvGrpSpPr>
@@ -5019,15 +5396,17 @@
       <p:sp>
         <p:nvSpPr>
           <p:cNvPr id="78" name="Shape 78"/>
-          <p:cNvSpPr txBox="1"/>
+          <p:cNvSpPr txBox="1">
+            <a:spLocks noGrp="1"/>
+          </p:cNvSpPr>
           <p:nvPr>
             <p:ph type="title"/>
           </p:nvPr>
         </p:nvSpPr>
         <p:spPr>
           <a:xfrm>
-            <a:off x="311700" y="445025"/>
-            <a:ext cx="8520600" cy="572700"/>
+            <a:off x="1232076" y="1299660"/>
+            <a:ext cx="5204582" cy="600857"/>
           </a:xfrm>
           <a:prstGeom prst="rect">
             <a:avLst/>
@@ -5051,37 +5430,42 @@
               <a:buNone/>
             </a:pPr>
             <a:r>
-              <a:rPr lang="en-GB" sz="2200">
+              <a:rPr lang="en-GB" sz="2200" dirty="0" err="1">
                 <a:solidFill>
                   <a:srgbClr val="C9394A"/>
                 </a:solidFill>
                 <a:latin typeface="微软雅黑" charset="0"/>
                 <a:ea typeface="微软雅黑" charset="0"/>
               </a:rPr>
-              <a:t>还有点历史遗留问题...</a:t>
+              <a:t>还有点历史遗留问题</a:t>
             </a:r>
-            <a:endParaRPr lang="en-GB" sz="2200">
-              <a:solidFill>
-                <a:srgbClr val="C9394A"/>
-              </a:solidFill>
-              <a:latin typeface="微软雅黑" charset="0"/>
-              <a:ea typeface="微软雅黑" charset="0"/>
-            </a:endParaRPr>
+            <a:r>
+              <a:rPr lang="en-GB" sz="2200" dirty="0">
+                <a:solidFill>
+                  <a:srgbClr val="C9394A"/>
+                </a:solidFill>
+                <a:latin typeface="微软雅黑" charset="0"/>
+                <a:ea typeface="微软雅黑" charset="0"/>
+              </a:rPr>
+              <a:t>...</a:t>
+            </a:r>
           </a:p>
         </p:txBody>
       </p:sp>
       <p:sp>
         <p:nvSpPr>
           <p:cNvPr id="79" name="Shape 79"/>
-          <p:cNvSpPr txBox="1"/>
+          <p:cNvSpPr txBox="1">
+            <a:spLocks noGrp="1"/>
+          </p:cNvSpPr>
           <p:nvPr>
             <p:ph type="body" idx="1"/>
           </p:nvPr>
         </p:nvSpPr>
         <p:spPr>
           <a:xfrm>
-            <a:off x="311700" y="1152475"/>
-            <a:ext cx="8520600" cy="3416400"/>
+            <a:off x="1232076" y="1995158"/>
+            <a:ext cx="5527312" cy="2218254"/>
           </a:xfrm>
           <a:prstGeom prst="rect">
             <a:avLst/>
@@ -5109,7 +5493,7 @@
               <a:buSzPct val="100000"/>
             </a:pPr>
             <a:r>
-              <a:rPr lang="en-GB">
+              <a:rPr lang="en-GB" dirty="0">
                 <a:solidFill>
                   <a:srgbClr val="000000"/>
                 </a:solidFill>
@@ -5123,7 +5507,320 @@
               </a:rPr>
               <a:t>Old Style Class</a:t>
             </a:r>
-            <a:endParaRPr lang="en-GB">
+          </a:p>
+          <a:p>
+            <a:pPr lvl="0" rtl="0">
+              <a:lnSpc>
+                <a:spcPct val="150000"/>
+              </a:lnSpc>
+              <a:spcBef>
+                <a:spcPts val="0"/>
+              </a:spcBef>
+              <a:spcAft>
+                <a:spcPts val="0"/>
+              </a:spcAft>
+              <a:buNone/>
+            </a:pPr>
+            <a:r>
+              <a:rPr lang="en-GB" dirty="0">
+                <a:solidFill>
+                  <a:srgbClr val="FF5600"/>
+                </a:solidFill>
+                <a:highlight>
+                  <a:srgbClr val="FFFFFF"/>
+                </a:highlight>
+                <a:latin typeface="Courier New"/>
+                <a:ea typeface="Courier New"/>
+                <a:cs typeface="Courier New"/>
+                <a:sym typeface="Courier New"/>
+              </a:rPr>
+              <a:t> class</a:t>
+            </a:r>
+            <a:r>
+              <a:rPr lang="en-GB" dirty="0">
+                <a:solidFill>
+                  <a:schemeClr val="dk1"/>
+                </a:solidFill>
+                <a:highlight>
+                  <a:srgbClr val="FFFFFF"/>
+                </a:highlight>
+                <a:latin typeface="Courier New"/>
+                <a:ea typeface="Courier New"/>
+                <a:cs typeface="Courier New"/>
+                <a:sym typeface="Courier New"/>
+              </a:rPr>
+              <a:t> </a:t>
+            </a:r>
+            <a:r>
+              <a:rPr lang="en-GB" dirty="0" err="1">
+                <a:solidFill>
+                  <a:srgbClr val="21439C"/>
+                </a:solidFill>
+                <a:highlight>
+                  <a:srgbClr val="FFFFFF"/>
+                </a:highlight>
+                <a:latin typeface="Courier New"/>
+                <a:ea typeface="Courier New"/>
+                <a:cs typeface="Courier New"/>
+                <a:sym typeface="Courier New"/>
+              </a:rPr>
+              <a:t>OldStyle</a:t>
+            </a:r>
+            <a:r>
+              <a:rPr lang="en-GB" dirty="0">
+                <a:solidFill>
+                  <a:schemeClr val="dk1"/>
+                </a:solidFill>
+                <a:highlight>
+                  <a:srgbClr val="FFFFFF"/>
+                </a:highlight>
+                <a:latin typeface="Courier New"/>
+                <a:ea typeface="Courier New"/>
+                <a:cs typeface="Courier New"/>
+                <a:sym typeface="Courier New"/>
+              </a:rPr>
+              <a:t>:</a:t>
+            </a:r>
+            <a:br>
+              <a:rPr lang="en-GB" dirty="0">
+                <a:solidFill>
+                  <a:schemeClr val="dk1"/>
+                </a:solidFill>
+                <a:highlight>
+                  <a:srgbClr val="FFFFFF"/>
+                </a:highlight>
+                <a:latin typeface="Courier New"/>
+                <a:ea typeface="Courier New"/>
+                <a:cs typeface="Courier New"/>
+                <a:sym typeface="Courier New"/>
+              </a:rPr>
+            </a:br>
+            <a:r>
+              <a:rPr lang="en-GB" dirty="0">
+                <a:solidFill>
+                  <a:schemeClr val="dk1"/>
+                </a:solidFill>
+                <a:highlight>
+                  <a:srgbClr val="FFFFFF"/>
+                </a:highlight>
+                <a:latin typeface="Courier New"/>
+                <a:ea typeface="Courier New"/>
+                <a:cs typeface="Courier New"/>
+                <a:sym typeface="Courier New"/>
+              </a:rPr>
+              <a:t>     </a:t>
+            </a:r>
+            <a:r>
+              <a:rPr lang="en-GB" dirty="0">
+                <a:solidFill>
+                  <a:srgbClr val="FF5600"/>
+                </a:solidFill>
+                <a:highlight>
+                  <a:srgbClr val="FFFFFF"/>
+                </a:highlight>
+                <a:latin typeface="Courier New"/>
+                <a:ea typeface="Courier New"/>
+                <a:cs typeface="Courier New"/>
+                <a:sym typeface="Courier New"/>
+              </a:rPr>
+              <a:t>pass</a:t>
+            </a:r>
+          </a:p>
+          <a:p>
+            <a:pPr marL="457200" lvl="0" indent="-323850" rtl="0">
+              <a:lnSpc>
+                <a:spcPct val="150000"/>
+              </a:lnSpc>
+              <a:spcBef>
+                <a:spcPts val="0"/>
+              </a:spcBef>
+              <a:spcAft>
+                <a:spcPts val="0"/>
+              </a:spcAft>
+              <a:buClr>
+                <a:srgbClr val="000000"/>
+              </a:buClr>
+              <a:buSzPct val="100000"/>
+              <a:buFont typeface="Courier New"/>
+            </a:pPr>
+            <a:r>
+              <a:rPr lang="en-GB" dirty="0">
+                <a:solidFill>
+                  <a:srgbClr val="000000"/>
+                </a:solidFill>
+                <a:highlight>
+                  <a:srgbClr val="FFFFFF"/>
+                </a:highlight>
+                <a:latin typeface="Courier New"/>
+                <a:ea typeface="Courier New"/>
+                <a:cs typeface="Courier New"/>
+                <a:sym typeface="Courier New"/>
+              </a:rPr>
+              <a:t>New Style Class</a:t>
+            </a:r>
+          </a:p>
+          <a:p>
+            <a:pPr lvl="0" rtl="0">
+              <a:lnSpc>
+                <a:spcPct val="150000"/>
+              </a:lnSpc>
+              <a:spcBef>
+                <a:spcPts val="0"/>
+              </a:spcBef>
+              <a:spcAft>
+                <a:spcPts val="0"/>
+              </a:spcAft>
+              <a:buNone/>
+            </a:pPr>
+            <a:r>
+              <a:rPr lang="en-GB" dirty="0">
+                <a:solidFill>
+                  <a:srgbClr val="FF5600"/>
+                </a:solidFill>
+                <a:highlight>
+                  <a:srgbClr val="FFFFFF"/>
+                </a:highlight>
+                <a:latin typeface="Courier New"/>
+                <a:ea typeface="Courier New"/>
+                <a:cs typeface="Courier New"/>
+                <a:sym typeface="Courier New"/>
+              </a:rPr>
+              <a:t> class</a:t>
+            </a:r>
+            <a:r>
+              <a:rPr lang="en-GB" dirty="0">
+                <a:solidFill>
+                  <a:schemeClr val="dk1"/>
+                </a:solidFill>
+                <a:highlight>
+                  <a:srgbClr val="FFFFFF"/>
+                </a:highlight>
+                <a:latin typeface="Courier New"/>
+                <a:ea typeface="Courier New"/>
+                <a:cs typeface="Courier New"/>
+                <a:sym typeface="Courier New"/>
+              </a:rPr>
+              <a:t> </a:t>
+            </a:r>
+            <a:r>
+              <a:rPr lang="en-GB" dirty="0" err="1">
+                <a:solidFill>
+                  <a:srgbClr val="21439C"/>
+                </a:solidFill>
+                <a:highlight>
+                  <a:srgbClr val="FFFFFF"/>
+                </a:highlight>
+                <a:latin typeface="Courier New"/>
+                <a:ea typeface="Courier New"/>
+                <a:cs typeface="Courier New"/>
+                <a:sym typeface="Courier New"/>
+              </a:rPr>
+              <a:t>NewStyle</a:t>
+            </a:r>
+            <a:r>
+              <a:rPr lang="en-GB" dirty="0">
+                <a:solidFill>
+                  <a:schemeClr val="dk1"/>
+                </a:solidFill>
+                <a:highlight>
+                  <a:srgbClr val="FFFFFF"/>
+                </a:highlight>
+                <a:latin typeface="Courier New"/>
+                <a:ea typeface="Courier New"/>
+                <a:cs typeface="Courier New"/>
+                <a:sym typeface="Courier New"/>
+              </a:rPr>
+              <a:t>(</a:t>
+            </a:r>
+            <a:r>
+              <a:rPr lang="en-GB" dirty="0">
+                <a:solidFill>
+                  <a:srgbClr val="A535AE"/>
+                </a:solidFill>
+                <a:highlight>
+                  <a:srgbClr val="FFFFFF"/>
+                </a:highlight>
+                <a:latin typeface="Courier New"/>
+                <a:ea typeface="Courier New"/>
+                <a:cs typeface="Courier New"/>
+                <a:sym typeface="Courier New"/>
+              </a:rPr>
+              <a:t>object</a:t>
+            </a:r>
+            <a:r>
+              <a:rPr lang="en-GB" dirty="0">
+                <a:solidFill>
+                  <a:schemeClr val="dk1"/>
+                </a:solidFill>
+                <a:highlight>
+                  <a:srgbClr val="FFFFFF"/>
+                </a:highlight>
+                <a:latin typeface="Courier New"/>
+                <a:ea typeface="Courier New"/>
+                <a:cs typeface="Courier New"/>
+                <a:sym typeface="Courier New"/>
+              </a:rPr>
+              <a:t>):</a:t>
+            </a:r>
+            <a:br>
+              <a:rPr lang="en-GB" dirty="0">
+                <a:solidFill>
+                  <a:schemeClr val="dk1"/>
+                </a:solidFill>
+                <a:highlight>
+                  <a:srgbClr val="FFFFFF"/>
+                </a:highlight>
+                <a:latin typeface="Courier New"/>
+                <a:ea typeface="Courier New"/>
+                <a:cs typeface="Courier New"/>
+                <a:sym typeface="Courier New"/>
+              </a:rPr>
+            </a:br>
+            <a:r>
+              <a:rPr lang="en-GB" dirty="0">
+                <a:solidFill>
+                  <a:schemeClr val="dk1"/>
+                </a:solidFill>
+                <a:highlight>
+                  <a:srgbClr val="FFFFFF"/>
+                </a:highlight>
+                <a:latin typeface="Courier New"/>
+                <a:ea typeface="Courier New"/>
+                <a:cs typeface="Courier New"/>
+                <a:sym typeface="Courier New"/>
+              </a:rPr>
+              <a:t>     </a:t>
+            </a:r>
+            <a:r>
+              <a:rPr lang="en-GB" dirty="0">
+                <a:solidFill>
+                  <a:srgbClr val="FF5600"/>
+                </a:solidFill>
+                <a:highlight>
+                  <a:srgbClr val="FFFFFF"/>
+                </a:highlight>
+                <a:latin typeface="Courier New"/>
+                <a:ea typeface="Courier New"/>
+                <a:cs typeface="Courier New"/>
+                <a:sym typeface="Courier New"/>
+              </a:rPr>
+              <a:t>pass</a:t>
+            </a:r>
+          </a:p>
+          <a:p>
+            <a:pPr lvl="0" rtl="0">
+              <a:lnSpc>
+                <a:spcPct val="150000"/>
+              </a:lnSpc>
+              <a:spcBef>
+                <a:spcPts val="0"/>
+              </a:spcBef>
+              <a:spcAft>
+                <a:spcPts val="0"/>
+              </a:spcAft>
+              <a:buNone/>
+            </a:pPr>
+            <a:endParaRPr dirty="0">
               <a:solidFill>
                 <a:srgbClr val="000000"/>
               </a:solidFill>
@@ -5136,366 +5833,40 @@
               <a:sym typeface="Courier New"/>
             </a:endParaRPr>
           </a:p>
+        </p:txBody>
+      </p:sp>
+      <p:sp>
+        <p:nvSpPr>
+          <p:cNvPr id="2" name="矩形 1"/>
+          <p:cNvSpPr/>
+          <p:nvPr/>
+        </p:nvSpPr>
+        <p:spPr>
+          <a:xfrm>
+            <a:off x="3271659" y="511368"/>
+            <a:ext cx="3108543" cy="553998"/>
+          </a:xfrm>
+          <a:prstGeom prst="rect">
+            <a:avLst/>
+          </a:prstGeom>
+        </p:spPr>
+        <p:txBody>
+          <a:bodyPr wrap="none">
+            <a:spAutoFit/>
+          </a:bodyPr>
+          <a:lstStyle/>
           <a:p>
-            <a:pPr lvl="0" rtl="0">
-              <a:lnSpc>
-                <a:spcPct val="150000"/>
-              </a:lnSpc>
-              <a:spcBef>
-                <a:spcPts val="0"/>
-              </a:spcBef>
-              <a:spcAft>
-                <a:spcPts val="0"/>
-              </a:spcAft>
-              <a:buNone/>
-            </a:pPr>
             <a:r>
-              <a:rPr lang="en-GB">
-                <a:solidFill>
-                  <a:srgbClr val="FF5600"/>
-                </a:solidFill>
-                <a:highlight>
-                  <a:srgbClr val="FFFFFF"/>
-                </a:highlight>
-                <a:latin typeface="Courier New"/>
-                <a:ea typeface="Courier New"/>
-                <a:cs typeface="Courier New"/>
-                <a:sym typeface="Courier New"/>
+              <a:rPr lang="en-GB" altLang="zh-CN" sz="3000" b="1" dirty="0" err="1">
+                <a:solidFill>
+                  <a:srgbClr val="C9394A"/>
+                </a:solidFill>
+                <a:latin typeface="微软雅黑" charset="0"/>
+                <a:ea typeface="微软雅黑" charset="0"/>
               </a:rPr>
-              <a:t> class</a:t>
+              <a:t>用Python定义类</a:t>
             </a:r>
-            <a:r>
-              <a:rPr lang="en-GB">
-                <a:solidFill>
-                  <a:schemeClr val="dk1"/>
-                </a:solidFill>
-                <a:highlight>
-                  <a:srgbClr val="FFFFFF"/>
-                </a:highlight>
-                <a:latin typeface="Courier New"/>
-                <a:ea typeface="Courier New"/>
-                <a:cs typeface="Courier New"/>
-                <a:sym typeface="Courier New"/>
-              </a:rPr>
-              <a:t> </a:t>
-            </a:r>
-            <a:r>
-              <a:rPr lang="en-GB">
-                <a:solidFill>
-                  <a:srgbClr val="21439C"/>
-                </a:solidFill>
-                <a:highlight>
-                  <a:srgbClr val="FFFFFF"/>
-                </a:highlight>
-                <a:latin typeface="Courier New"/>
-                <a:ea typeface="Courier New"/>
-                <a:cs typeface="Courier New"/>
-                <a:sym typeface="Courier New"/>
-              </a:rPr>
-              <a:t>OldStyle</a:t>
-            </a:r>
-            <a:r>
-              <a:rPr lang="en-GB">
-                <a:solidFill>
-                  <a:schemeClr val="dk1"/>
-                </a:solidFill>
-                <a:highlight>
-                  <a:srgbClr val="FFFFFF"/>
-                </a:highlight>
-                <a:latin typeface="Courier New"/>
-                <a:ea typeface="Courier New"/>
-                <a:cs typeface="Courier New"/>
-                <a:sym typeface="Courier New"/>
-              </a:rPr>
-              <a:t>:</a:t>
-            </a:r>
-            <a:br>
-              <a:rPr lang="en-GB">
-                <a:solidFill>
-                  <a:schemeClr val="dk1"/>
-                </a:solidFill>
-                <a:highlight>
-                  <a:srgbClr val="FFFFFF"/>
-                </a:highlight>
-                <a:latin typeface="Courier New"/>
-                <a:ea typeface="Courier New"/>
-                <a:cs typeface="Courier New"/>
-                <a:sym typeface="Courier New"/>
-              </a:rPr>
-            </a:br>
-            <a:r>
-              <a:rPr lang="en-GB">
-                <a:solidFill>
-                  <a:schemeClr val="dk1"/>
-                </a:solidFill>
-                <a:highlight>
-                  <a:srgbClr val="FFFFFF"/>
-                </a:highlight>
-                <a:latin typeface="Courier New"/>
-                <a:ea typeface="Courier New"/>
-                <a:cs typeface="Courier New"/>
-                <a:sym typeface="Courier New"/>
-              </a:rPr>
-              <a:t>     </a:t>
-            </a:r>
-            <a:r>
-              <a:rPr lang="en-GB">
-                <a:solidFill>
-                  <a:srgbClr val="FF5600"/>
-                </a:solidFill>
-                <a:highlight>
-                  <a:srgbClr val="FFFFFF"/>
-                </a:highlight>
-                <a:latin typeface="Courier New"/>
-                <a:ea typeface="Courier New"/>
-                <a:cs typeface="Courier New"/>
-                <a:sym typeface="Courier New"/>
-              </a:rPr>
-              <a:t>pass</a:t>
-            </a:r>
-            <a:endParaRPr lang="en-GB">
-              <a:solidFill>
-                <a:srgbClr val="FF5600"/>
-              </a:solidFill>
-              <a:highlight>
-                <a:srgbClr val="FFFFFF"/>
-              </a:highlight>
-              <a:latin typeface="Courier New"/>
-              <a:ea typeface="Courier New"/>
-              <a:cs typeface="Courier New"/>
-              <a:sym typeface="Courier New"/>
-            </a:endParaRPr>
-          </a:p>
-          <a:p>
-            <a:pPr marL="457200" lvl="0" indent="-323850" rtl="0">
-              <a:lnSpc>
-                <a:spcPct val="150000"/>
-              </a:lnSpc>
-              <a:spcBef>
-                <a:spcPts val="0"/>
-              </a:spcBef>
-              <a:spcAft>
-                <a:spcPts val="0"/>
-              </a:spcAft>
-              <a:buClr>
-                <a:srgbClr val="000000"/>
-              </a:buClr>
-              <a:buSzPct val="100000"/>
-              <a:buFont typeface="Courier New"/>
-            </a:pPr>
-            <a:r>
-              <a:rPr lang="en-GB">
-                <a:solidFill>
-                  <a:srgbClr val="000000"/>
-                </a:solidFill>
-                <a:highlight>
-                  <a:srgbClr val="FFFFFF"/>
-                </a:highlight>
-                <a:latin typeface="Courier New"/>
-                <a:ea typeface="Courier New"/>
-                <a:cs typeface="Courier New"/>
-                <a:sym typeface="Courier New"/>
-              </a:rPr>
-              <a:t>New Style Class</a:t>
-            </a:r>
-            <a:endParaRPr lang="en-GB">
-              <a:solidFill>
-                <a:srgbClr val="000000"/>
-              </a:solidFill>
-              <a:highlight>
-                <a:srgbClr val="FFFFFF"/>
-              </a:highlight>
-              <a:latin typeface="Courier New"/>
-              <a:ea typeface="Courier New"/>
-              <a:cs typeface="Courier New"/>
-              <a:sym typeface="Courier New"/>
-            </a:endParaRPr>
-          </a:p>
-          <a:p>
-            <a:pPr lvl="0" rtl="0">
-              <a:lnSpc>
-                <a:spcPct val="150000"/>
-              </a:lnSpc>
-              <a:spcBef>
-                <a:spcPts val="0"/>
-              </a:spcBef>
-              <a:spcAft>
-                <a:spcPts val="0"/>
-              </a:spcAft>
-              <a:buNone/>
-            </a:pPr>
-            <a:r>
-              <a:rPr lang="en-GB">
-                <a:solidFill>
-                  <a:srgbClr val="FF5600"/>
-                </a:solidFill>
-                <a:highlight>
-                  <a:srgbClr val="FFFFFF"/>
-                </a:highlight>
-                <a:latin typeface="Courier New"/>
-                <a:ea typeface="Courier New"/>
-                <a:cs typeface="Courier New"/>
-                <a:sym typeface="Courier New"/>
-              </a:rPr>
-              <a:t> class</a:t>
-            </a:r>
-            <a:r>
-              <a:rPr lang="en-GB">
-                <a:solidFill>
-                  <a:schemeClr val="dk1"/>
-                </a:solidFill>
-                <a:highlight>
-                  <a:srgbClr val="FFFFFF"/>
-                </a:highlight>
-                <a:latin typeface="Courier New"/>
-                <a:ea typeface="Courier New"/>
-                <a:cs typeface="Courier New"/>
-                <a:sym typeface="Courier New"/>
-              </a:rPr>
-              <a:t> </a:t>
-            </a:r>
-            <a:r>
-              <a:rPr lang="en-GB">
-                <a:solidFill>
-                  <a:srgbClr val="21439C"/>
-                </a:solidFill>
-                <a:highlight>
-                  <a:srgbClr val="FFFFFF"/>
-                </a:highlight>
-                <a:latin typeface="Courier New"/>
-                <a:ea typeface="Courier New"/>
-                <a:cs typeface="Courier New"/>
-                <a:sym typeface="Courier New"/>
-              </a:rPr>
-              <a:t>NewStyle</a:t>
-            </a:r>
-            <a:r>
-              <a:rPr lang="en-GB">
-                <a:solidFill>
-                  <a:schemeClr val="dk1"/>
-                </a:solidFill>
-                <a:highlight>
-                  <a:srgbClr val="FFFFFF"/>
-                </a:highlight>
-                <a:latin typeface="Courier New"/>
-                <a:ea typeface="Courier New"/>
-                <a:cs typeface="Courier New"/>
-                <a:sym typeface="Courier New"/>
-              </a:rPr>
-              <a:t>(</a:t>
-            </a:r>
-            <a:r>
-              <a:rPr lang="en-GB">
-                <a:solidFill>
-                  <a:srgbClr val="A535AE"/>
-                </a:solidFill>
-                <a:highlight>
-                  <a:srgbClr val="FFFFFF"/>
-                </a:highlight>
-                <a:latin typeface="Courier New"/>
-                <a:ea typeface="Courier New"/>
-                <a:cs typeface="Courier New"/>
-                <a:sym typeface="Courier New"/>
-              </a:rPr>
-              <a:t>object</a:t>
-            </a:r>
-            <a:r>
-              <a:rPr lang="en-GB">
-                <a:solidFill>
-                  <a:schemeClr val="dk1"/>
-                </a:solidFill>
-                <a:highlight>
-                  <a:srgbClr val="FFFFFF"/>
-                </a:highlight>
-                <a:latin typeface="Courier New"/>
-                <a:ea typeface="Courier New"/>
-                <a:cs typeface="Courier New"/>
-                <a:sym typeface="Courier New"/>
-              </a:rPr>
-              <a:t>):</a:t>
-            </a:r>
-            <a:br>
-              <a:rPr lang="en-GB">
-                <a:solidFill>
-                  <a:schemeClr val="dk1"/>
-                </a:solidFill>
-                <a:highlight>
-                  <a:srgbClr val="FFFFFF"/>
-                </a:highlight>
-                <a:latin typeface="Courier New"/>
-                <a:ea typeface="Courier New"/>
-                <a:cs typeface="Courier New"/>
-                <a:sym typeface="Courier New"/>
-              </a:rPr>
-            </a:br>
-            <a:r>
-              <a:rPr lang="en-GB">
-                <a:solidFill>
-                  <a:schemeClr val="dk1"/>
-                </a:solidFill>
-                <a:highlight>
-                  <a:srgbClr val="FFFFFF"/>
-                </a:highlight>
-                <a:latin typeface="Courier New"/>
-                <a:ea typeface="Courier New"/>
-                <a:cs typeface="Courier New"/>
-                <a:sym typeface="Courier New"/>
-              </a:rPr>
-              <a:t>     </a:t>
-            </a:r>
-            <a:r>
-              <a:rPr lang="en-GB">
-                <a:solidFill>
-                  <a:srgbClr val="FF5600"/>
-                </a:solidFill>
-                <a:highlight>
-                  <a:srgbClr val="FFFFFF"/>
-                </a:highlight>
-                <a:latin typeface="Courier New"/>
-                <a:ea typeface="Courier New"/>
-                <a:cs typeface="Courier New"/>
-                <a:sym typeface="Courier New"/>
-              </a:rPr>
-              <a:t>pass</a:t>
-            </a:r>
-            <a:endParaRPr lang="en-GB">
-              <a:solidFill>
-                <a:srgbClr val="FF5600"/>
-              </a:solidFill>
-              <a:highlight>
-                <a:srgbClr val="FFFFFF"/>
-              </a:highlight>
-              <a:latin typeface="Courier New"/>
-              <a:ea typeface="Courier New"/>
-              <a:cs typeface="Courier New"/>
-              <a:sym typeface="Courier New"/>
-            </a:endParaRPr>
-          </a:p>
-          <a:p>
-            <a:pPr lvl="0" rtl="0">
-              <a:lnSpc>
-                <a:spcPct val="150000"/>
-              </a:lnSpc>
-              <a:spcBef>
-                <a:spcPts val="0"/>
-              </a:spcBef>
-              <a:spcAft>
-                <a:spcPts val="0"/>
-              </a:spcAft>
-              <a:buNone/>
-            </a:pPr>
-            <a:endParaRPr>
-              <a:solidFill>
-                <a:srgbClr val="000000"/>
-              </a:solidFill>
-              <a:highlight>
-                <a:srgbClr val="FFFFFF"/>
-              </a:highlight>
-              <a:latin typeface="Courier New"/>
-              <a:ea typeface="Courier New"/>
-              <a:cs typeface="Courier New"/>
-              <a:sym typeface="Courier New"/>
-            </a:endParaRPr>
+            <a:endParaRPr lang="zh-CN" altLang="en-US" sz="3000" dirty="0"/>
           </a:p>
         </p:txBody>
       </p:sp>
@@ -5571,14 +5942,14 @@
                 </p:childTnLst>
               </p:cTn>
               <p:prevCondLst>
-                <p:cond evt="onPrev">
+                <p:cond evt="onPrev" delay="0">
                   <p:tgtEl>
                     <p:sldTgt/>
                   </p:tgtEl>
                 </p:cond>
               </p:prevCondLst>
               <p:nextCondLst>
-                <p:cond evt="onNext">
+                <p:cond evt="onNext" delay="0">
                   <p:tgtEl>
                     <p:sldTgt/>
                   </p:tgtEl>
@@ -5598,7 +5969,7 @@
   <p:cSld>
     <p:spTree>
       <p:nvGrpSpPr>
-        <p:cNvPr id="83" name="Shape 83"/>
+        <p:cNvPr id="1" name="Shape 83"/>
         <p:cNvGrpSpPr/>
         <p:nvPr/>
       </p:nvGrpSpPr>
@@ -5613,15 +5984,17 @@
       <p:sp>
         <p:nvSpPr>
           <p:cNvPr id="84" name="Shape 84"/>
-          <p:cNvSpPr txBox="1"/>
+          <p:cNvSpPr txBox="1">
+            <a:spLocks noGrp="1"/>
+          </p:cNvSpPr>
           <p:nvPr>
             <p:ph type="title"/>
           </p:nvPr>
         </p:nvSpPr>
         <p:spPr>
           <a:xfrm>
-            <a:off x="311700" y="445025"/>
-            <a:ext cx="8520600" cy="572700"/>
+            <a:off x="1052782" y="1538718"/>
+            <a:ext cx="5348017" cy="594881"/>
           </a:xfrm>
           <a:prstGeom prst="rect">
             <a:avLst/>
@@ -5640,7 +6013,7 @@
               <a:buNone/>
             </a:pPr>
             <a:r>
-              <a:rPr lang="en-GB" sz="2200">
+              <a:rPr lang="en-GB" sz="2200" dirty="0" err="1">
                 <a:solidFill>
                   <a:srgbClr val="C9394A"/>
                 </a:solidFill>
@@ -5649,7 +6022,7 @@
               </a:rPr>
               <a:t>两个用到的内建函数</a:t>
             </a:r>
-            <a:endParaRPr lang="en-GB" sz="2200">
+            <a:endParaRPr lang="en-GB" sz="2200" dirty="0">
               <a:solidFill>
                 <a:srgbClr val="C9394A"/>
               </a:solidFill>
@@ -5662,15 +6035,17 @@
       <p:sp>
         <p:nvSpPr>
           <p:cNvPr id="85" name="Shape 85"/>
-          <p:cNvSpPr txBox="1"/>
+          <p:cNvSpPr txBox="1">
+            <a:spLocks noGrp="1"/>
+          </p:cNvSpPr>
           <p:nvPr>
             <p:ph type="body" idx="1"/>
           </p:nvPr>
         </p:nvSpPr>
         <p:spPr>
           <a:xfrm>
-            <a:off x="311700" y="1152475"/>
-            <a:ext cx="8520600" cy="3416400"/>
+            <a:off x="1052782" y="2234215"/>
+            <a:ext cx="4481429" cy="1644513"/>
           </a:xfrm>
           <a:prstGeom prst="rect">
             <a:avLst/>
@@ -5690,16 +6065,19 @@
               <a:buChar char="•"/>
             </a:pPr>
             <a:r>
-              <a:rPr lang="en-GB">
+              <a:rPr lang="en-GB" dirty="0" err="1">
                 <a:latin typeface="微软雅黑" charset="0"/>
                 <a:ea typeface="微软雅黑" charset="0"/>
               </a:rPr>
-              <a:t>dir()</a:t>
+              <a:t>dir</a:t>
             </a:r>
-            <a:endParaRPr lang="en-GB">
-              <a:latin typeface="微软雅黑" charset="0"/>
-              <a:ea typeface="微软雅黑" charset="0"/>
-            </a:endParaRPr>
+            <a:r>
+              <a:rPr lang="en-GB" dirty="0">
+                <a:latin typeface="微软雅黑" charset="0"/>
+                <a:ea typeface="微软雅黑" charset="0"/>
+              </a:rPr>
+              <a:t>()</a:t>
+            </a:r>
           </a:p>
           <a:p>
             <a:pPr marL="514350" lvl="0" indent="-285750" rtl="0">
@@ -5710,16 +6088,47 @@
               <a:buChar char="•"/>
             </a:pPr>
             <a:r>
-              <a:rPr lang="en-GB">
+              <a:rPr lang="en-GB" dirty="0">
                 <a:latin typeface="微软雅黑" charset="0"/>
                 <a:ea typeface="微软雅黑" charset="0"/>
               </a:rPr>
               <a:t>type()</a:t>
             </a:r>
-            <a:endParaRPr lang="en-GB">
-              <a:latin typeface="微软雅黑" charset="0"/>
-              <a:ea typeface="微软雅黑" charset="0"/>
-            </a:endParaRPr>
+          </a:p>
+        </p:txBody>
+      </p:sp>
+      <p:sp>
+        <p:nvSpPr>
+          <p:cNvPr id="2" name="矩形 1"/>
+          <p:cNvSpPr/>
+          <p:nvPr/>
+        </p:nvSpPr>
+        <p:spPr>
+          <a:xfrm>
+            <a:off x="3292256" y="657413"/>
+            <a:ext cx="3108543" cy="553998"/>
+          </a:xfrm>
+          <a:prstGeom prst="rect">
+            <a:avLst/>
+          </a:prstGeom>
+        </p:spPr>
+        <p:txBody>
+          <a:bodyPr wrap="none">
+            <a:spAutoFit/>
+          </a:bodyPr>
+          <a:lstStyle/>
+          <a:p>
+            <a:r>
+              <a:rPr lang="en-GB" altLang="zh-CN" sz="3000" b="1" dirty="0" err="1">
+                <a:solidFill>
+                  <a:srgbClr val="C9394A"/>
+                </a:solidFill>
+                <a:latin typeface="微软雅黑" charset="0"/>
+                <a:ea typeface="微软雅黑" charset="0"/>
+              </a:rPr>
+              <a:t>用Python定义类</a:t>
+            </a:r>
+            <a:endParaRPr lang="zh-CN" altLang="en-US" sz="3000" dirty="0"/>
           </a:p>
         </p:txBody>
       </p:sp>

--- a/ppt/3.1-用Python新建类.pptx
+++ b/ppt/3.1-用Python新建类.pptx
@@ -5,15 +5,15 @@
     <p:sldMasterId id="2147483648" r:id="rId1"/>
   </p:sldMasterIdLst>
   <p:notesMasterIdLst>
-    <p:notesMasterId r:id="rId8"/>
+    <p:notesMasterId r:id="rId4"/>
   </p:notesMasterIdLst>
   <p:sldIdLst>
-    <p:sldId id="256" r:id="rId2"/>
-    <p:sldId id="257" r:id="rId3"/>
-    <p:sldId id="258" r:id="rId4"/>
-    <p:sldId id="259" r:id="rId5"/>
-    <p:sldId id="260" r:id="rId6"/>
-    <p:sldId id="261" r:id="rId7"/>
+    <p:sldId id="256" r:id="rId3"/>
+    <p:sldId id="257" r:id="rId5"/>
+    <p:sldId id="258" r:id="rId6"/>
+    <p:sldId id="259" r:id="rId7"/>
+    <p:sldId id="260" r:id="rId8"/>
+    <p:sldId id="261" r:id="rId9"/>
   </p:sldIdLst>
   <p:sldSz cx="9144000" cy="5143500" type="screen16x9"/>
   <p:notesSz cx="6858000" cy="9144000"/>
@@ -219,11 +219,6 @@
       </a:defRPr>
     </a:lvl9pPr>
   </p:defaultTextStyle>
-  <p:extLst>
-    <p:ext uri="{EFAFB233-063F-42B5-8137-9DF3F51BA10A}">
-      <p15:sldGuideLst xmlns:p15="http://schemas.microsoft.com/office/powerpoint/2012/main"/>
-    </p:ext>
-  </p:extLst>
 </p:presentation>
 </file>
 
@@ -382,17 +377,10 @@
               <a:defRPr sz="1100"/>
             </a:lvl9pPr>
           </a:lstStyle>
-          <a:p>
-            <a:endParaRPr/>
-          </a:p>
+          <a:p/>
         </p:txBody>
       </p:sp>
     </p:spTree>
-    <p:extLst>
-      <p:ext uri="{BB962C8B-B14F-4D97-AF65-F5344CB8AC3E}">
-        <p14:creationId xmlns:p14="http://schemas.microsoft.com/office/powerpoint/2010/main" val="927614617"/>
-      </p:ext>
-    </p:extLst>
   </p:cSld>
   <p:clrMap bg1="lt1" tx1="dk1" bg2="dk2" tx2="lt2" accent1="accent1" accent2="accent2" accent3="accent3" accent4="accent4" accent5="accent5" accent6="accent6" hlink="hlink" folHlink="folHlink"/>
   <p:notesStyle/>
@@ -400,7 +388,7 @@
 </file>
 
 <file path=ppt/notesSlides/notesSlide1.xml><?xml version="1.0" encoding="utf-8"?>
-<p:notes xmlns:a="http://schemas.openxmlformats.org/drawingml/2006/main" xmlns:r="http://schemas.openxmlformats.org/officeDocument/2006/relationships" xmlns:p="http://schemas.openxmlformats.org/presentationml/2006/main" showMasterSp="0" showMasterPhAnim="0">
+<p:notes xmlns:a="http://schemas.openxmlformats.org/drawingml/2006/main" xmlns:r="http://schemas.openxmlformats.org/officeDocument/2006/relationships" xmlns:p="http://schemas.openxmlformats.org/presentationml/2006/main" showMasterPhAnim="0" showMasterSp="0">
   <p:cSld>
     <p:spTree>
       <p:nvGrpSpPr>
@@ -488,16 +476,10 @@
               </a:spcBef>
               <a:buNone/>
             </a:pPr>
-            <a:endParaRPr/>
           </a:p>
         </p:txBody>
       </p:sp>
     </p:spTree>
-    <p:extLst>
-      <p:ext uri="{BB962C8B-B14F-4D97-AF65-F5344CB8AC3E}">
-        <p14:creationId xmlns:p14="http://schemas.microsoft.com/office/powerpoint/2010/main" val="544458053"/>
-      </p:ext>
-    </p:extLst>
   </p:cSld>
   <p:clrMapOvr>
     <a:masterClrMapping/>
@@ -506,7 +488,7 @@
 </file>
 
 <file path=ppt/notesSlides/notesSlide2.xml><?xml version="1.0" encoding="utf-8"?>
-<p:notes xmlns:a="http://schemas.openxmlformats.org/drawingml/2006/main" xmlns:r="http://schemas.openxmlformats.org/officeDocument/2006/relationships" xmlns:p="http://schemas.openxmlformats.org/presentationml/2006/main" showMasterSp="0" showMasterPhAnim="0">
+<p:notes xmlns:a="http://schemas.openxmlformats.org/drawingml/2006/main" xmlns:r="http://schemas.openxmlformats.org/officeDocument/2006/relationships" xmlns:p="http://schemas.openxmlformats.org/presentationml/2006/main" showMasterPhAnim="0" showMasterSp="0">
   <p:cSld>
     <p:spTree>
       <p:nvGrpSpPr>
@@ -598,15 +580,11 @@
               <a:rPr lang="en-GB"/>
               <a:t>这里可以来看定义一个类的格式，首先就是用到了关键字class，这个和很多其他的面向对象语言都是一样的。</a:t>
             </a:r>
+            <a:endParaRPr lang="en-GB"/>
           </a:p>
         </p:txBody>
       </p:sp>
     </p:spTree>
-    <p:extLst>
-      <p:ext uri="{BB962C8B-B14F-4D97-AF65-F5344CB8AC3E}">
-        <p14:creationId xmlns:p14="http://schemas.microsoft.com/office/powerpoint/2010/main" val="2333843929"/>
-      </p:ext>
-    </p:extLst>
   </p:cSld>
   <p:clrMapOvr>
     <a:masterClrMapping/>
@@ -615,7 +593,7 @@
 </file>
 
 <file path=ppt/notesSlides/notesSlide3.xml><?xml version="1.0" encoding="utf-8"?>
-<p:notes xmlns:a="http://schemas.openxmlformats.org/drawingml/2006/main" xmlns:r="http://schemas.openxmlformats.org/officeDocument/2006/relationships" xmlns:p="http://schemas.openxmlformats.org/presentationml/2006/main" showMasterSp="0" showMasterPhAnim="0">
+<p:notes xmlns:a="http://schemas.openxmlformats.org/drawingml/2006/main" xmlns:r="http://schemas.openxmlformats.org/officeDocument/2006/relationships" xmlns:p="http://schemas.openxmlformats.org/presentationml/2006/main" showMasterPhAnim="0" showMasterSp="0">
   <p:cSld>
     <p:spTree>
       <p:nvGrpSpPr>
@@ -707,15 +685,11 @@
               <a:rPr lang="en-GB"/>
               <a:t>之前谈到过一个类是由属性和功能组成的，当我们新建一个某个类的对象时，我们需要将类的一些属性进行设置，这就是我们需要构造函数的原因。在Python里，用__init__来作为构造函数。那么</a:t>
             </a:r>
+            <a:endParaRPr lang="en-GB"/>
           </a:p>
         </p:txBody>
       </p:sp>
     </p:spTree>
-    <p:extLst>
-      <p:ext uri="{BB962C8B-B14F-4D97-AF65-F5344CB8AC3E}">
-        <p14:creationId xmlns:p14="http://schemas.microsoft.com/office/powerpoint/2010/main" val="2505212939"/>
-      </p:ext>
-    </p:extLst>
   </p:cSld>
   <p:clrMapOvr>
     <a:masterClrMapping/>
@@ -724,7 +698,7 @@
 </file>
 
 <file path=ppt/notesSlides/notesSlide4.xml><?xml version="1.0" encoding="utf-8"?>
-<p:notes xmlns:a="http://schemas.openxmlformats.org/drawingml/2006/main" xmlns:r="http://schemas.openxmlformats.org/officeDocument/2006/relationships" xmlns:p="http://schemas.openxmlformats.org/presentationml/2006/main" showMasterSp="0" showMasterPhAnim="0">
+<p:notes xmlns:a="http://schemas.openxmlformats.org/drawingml/2006/main" xmlns:r="http://schemas.openxmlformats.org/officeDocument/2006/relationships" xmlns:p="http://schemas.openxmlformats.org/presentationml/2006/main" showMasterPhAnim="0" showMasterSp="0">
   <p:cSld>
     <p:spTree>
       <p:nvGrpSpPr>
@@ -816,15 +790,11 @@
               <a:rPr lang="en-GB"/>
               <a:t>与构造函数对应的，就是析构函数。在这里要注意的是，它是在一个对象被Python的垃圾处理机制回收的时候进行调用，于Python内建的del函数没有关系。</a:t>
             </a:r>
+            <a:endParaRPr lang="en-GB"/>
           </a:p>
         </p:txBody>
       </p:sp>
     </p:spTree>
-    <p:extLst>
-      <p:ext uri="{BB962C8B-B14F-4D97-AF65-F5344CB8AC3E}">
-        <p14:creationId xmlns:p14="http://schemas.microsoft.com/office/powerpoint/2010/main" val="420356320"/>
-      </p:ext>
-    </p:extLst>
   </p:cSld>
   <p:clrMapOvr>
     <a:masterClrMapping/>
@@ -833,7 +803,7 @@
 </file>
 
 <file path=ppt/notesSlides/notesSlide5.xml><?xml version="1.0" encoding="utf-8"?>
-<p:notes xmlns:a="http://schemas.openxmlformats.org/drawingml/2006/main" xmlns:r="http://schemas.openxmlformats.org/officeDocument/2006/relationships" xmlns:p="http://schemas.openxmlformats.org/presentationml/2006/main" showMasterSp="0" showMasterPhAnim="0">
+<p:notes xmlns:a="http://schemas.openxmlformats.org/drawingml/2006/main" xmlns:r="http://schemas.openxmlformats.org/officeDocument/2006/relationships" xmlns:p="http://schemas.openxmlformats.org/presentationml/2006/main" showMasterPhAnim="0" showMasterSp="0">
   <p:cSld>
     <p:spTree>
       <p:nvGrpSpPr>
@@ -925,15 +895,11 @@
               <a:rPr lang="en-GB"/>
               <a:t>接下来要谈到一些关于Python语法上的一个遗留问题，就是老式类和新式类的区别。在这里可以看到两个类的区别就是新式类继承了object类，而老式类没有。object是在Python里所有类的基类。这是在Python2.2版本的时候为了统一class和type而引入的，在很多的特性上，旧式类和新式类都有不少的不同，跟原来相比是一个很大的改进。但是基于兼容以前版本的考虑，旧式类还是被保留了。目前在Python2下的代码，所有的类如果没有别的需要继承的类，都需要继承object。不过在Python3里面，这个问题不复存在了，所有定义的类都是新式类</a:t>
             </a:r>
+            <a:endParaRPr lang="en-GB"/>
           </a:p>
         </p:txBody>
       </p:sp>
     </p:spTree>
-    <p:extLst>
-      <p:ext uri="{BB962C8B-B14F-4D97-AF65-F5344CB8AC3E}">
-        <p14:creationId xmlns:p14="http://schemas.microsoft.com/office/powerpoint/2010/main" val="2978382862"/>
-      </p:ext>
-    </p:extLst>
   </p:cSld>
   <p:clrMapOvr>
     <a:masterClrMapping/>
@@ -942,7 +908,7 @@
 </file>
 
 <file path=ppt/notesSlides/notesSlide6.xml><?xml version="1.0" encoding="utf-8"?>
-<p:notes xmlns:a="http://schemas.openxmlformats.org/drawingml/2006/main" xmlns:r="http://schemas.openxmlformats.org/officeDocument/2006/relationships" xmlns:p="http://schemas.openxmlformats.org/presentationml/2006/main" showMasterSp="0" showMasterPhAnim="0">
+<p:notes xmlns:a="http://schemas.openxmlformats.org/drawingml/2006/main" xmlns:r="http://schemas.openxmlformats.org/officeDocument/2006/relationships" xmlns:p="http://schemas.openxmlformats.org/presentationml/2006/main" showMasterPhAnim="0" showMasterSp="0">
   <p:cSld>
     <p:spTree>
       <p:nvGrpSpPr>
@@ -1034,15 +1000,11 @@
               <a:rPr lang="en-GB"/>
               <a:t>接下来我准备用一个例子来说明关于Python类定义的问题。首先稍微提一下两个需要用到的两个内建函数一个是dir，用来获取一个作用域里的所有属性。另一个是type，用来获取对象的类型。</a:t>
             </a:r>
+            <a:endParaRPr lang="en-GB"/>
           </a:p>
         </p:txBody>
       </p:sp>
     </p:spTree>
-    <p:extLst>
-      <p:ext uri="{BB962C8B-B14F-4D97-AF65-F5344CB8AC3E}">
-        <p14:creationId xmlns:p14="http://schemas.microsoft.com/office/powerpoint/2010/main" val="3183927232"/>
-      </p:ext>
-    </p:extLst>
   </p:cSld>
   <p:clrMapOvr>
     <a:masterClrMapping/>
@@ -1153,9 +1115,7 @@
               <a:defRPr sz="5200"/>
             </a:lvl9pPr>
           </a:lstStyle>
-          <a:p>
-            <a:endParaRPr/>
-          </a:p>
+          <a:p/>
         </p:txBody>
       </p:sp>
       <p:sp>
@@ -1307,9 +1267,7 @@
               <a:defRPr sz="2800"/>
             </a:lvl9pPr>
           </a:lstStyle>
-          <a:p>
-            <a:endParaRPr/>
-          </a:p>
+          <a:p/>
         </p:txBody>
       </p:sp>
       <p:sp>
@@ -1345,7 +1303,6 @@
             </a:pPr>
             <a:fld id="{00000000-1234-1234-1234-123412341234}" type="slidenum">
               <a:rPr lang="en-GB"/>
-              <a:t>‹#›</a:t>
             </a:fld>
             <a:endParaRPr lang="en-GB"/>
           </a:p>
@@ -1462,9 +1419,7 @@
               <a:defRPr sz="12000"/>
             </a:lvl9pPr>
           </a:lstStyle>
-          <a:p>
-            <a:endParaRPr/>
-          </a:p>
+          <a:p/>
         </p:txBody>
       </p:sp>
       <p:sp>
@@ -1544,9 +1499,7 @@
               <a:defRPr/>
             </a:lvl9pPr>
           </a:lstStyle>
-          <a:p>
-            <a:endParaRPr/>
-          </a:p>
+          <a:p/>
         </p:txBody>
       </p:sp>
       <p:sp>
@@ -1582,7 +1535,6 @@
             </a:pPr>
             <a:fld id="{00000000-1234-1234-1234-123412341234}" type="slidenum">
               <a:rPr lang="en-GB"/>
-              <a:t>‹#›</a:t>
             </a:fld>
             <a:endParaRPr lang="en-GB"/>
           </a:p>
@@ -1646,7 +1598,6 @@
             </a:pPr>
             <a:fld id="{00000000-1234-1234-1234-123412341234}" type="slidenum">
               <a:rPr lang="en-GB"/>
-              <a:t>‹#›</a:t>
             </a:fld>
             <a:endParaRPr lang="en-GB"/>
           </a:p>
@@ -1763,9 +1714,7 @@
               <a:defRPr sz="3600"/>
             </a:lvl9pPr>
           </a:lstStyle>
-          <a:p>
-            <a:endParaRPr/>
-          </a:p>
+          <a:p/>
         </p:txBody>
       </p:sp>
       <p:sp>
@@ -1801,7 +1750,6 @@
             </a:pPr>
             <a:fld id="{00000000-1234-1234-1234-123412341234}" type="slidenum">
               <a:rPr lang="en-GB"/>
-              <a:t>‹#›</a:t>
             </a:fld>
             <a:endParaRPr lang="en-GB"/>
           </a:p>
@@ -1909,9 +1857,7 @@
               <a:defRPr/>
             </a:lvl9pPr>
           </a:lstStyle>
-          <a:p>
-            <a:endParaRPr/>
-          </a:p>
+          <a:p/>
         </p:txBody>
       </p:sp>
       <p:sp>
@@ -1991,9 +1937,7 @@
               <a:defRPr/>
             </a:lvl9pPr>
           </a:lstStyle>
-          <a:p>
-            <a:endParaRPr/>
-          </a:p>
+          <a:p/>
         </p:txBody>
       </p:sp>
       <p:sp>
@@ -2029,7 +1973,6 @@
             </a:pPr>
             <a:fld id="{00000000-1234-1234-1234-123412341234}" type="slidenum">
               <a:rPr lang="en-GB"/>
-              <a:t>‹#›</a:t>
             </a:fld>
             <a:endParaRPr lang="en-GB"/>
           </a:p>
@@ -2137,9 +2080,7 @@
               <a:defRPr/>
             </a:lvl9pPr>
           </a:lstStyle>
-          <a:p>
-            <a:endParaRPr/>
-          </a:p>
+          <a:p/>
         </p:txBody>
       </p:sp>
       <p:sp>
@@ -2228,9 +2169,7 @@
               <a:defRPr sz="1200"/>
             </a:lvl9pPr>
           </a:lstStyle>
-          <a:p>
-            <a:endParaRPr/>
-          </a:p>
+          <a:p/>
         </p:txBody>
       </p:sp>
       <p:sp>
@@ -2319,9 +2258,7 @@
               <a:defRPr sz="1200"/>
             </a:lvl9pPr>
           </a:lstStyle>
-          <a:p>
-            <a:endParaRPr/>
-          </a:p>
+          <a:p/>
         </p:txBody>
       </p:sp>
       <p:sp>
@@ -2357,7 +2294,6 @@
             </a:pPr>
             <a:fld id="{00000000-1234-1234-1234-123412341234}" type="slidenum">
               <a:rPr lang="en-GB"/>
-              <a:t>‹#›</a:t>
             </a:fld>
             <a:endParaRPr lang="en-GB"/>
           </a:p>
@@ -2465,9 +2401,7 @@
               <a:defRPr/>
             </a:lvl9pPr>
           </a:lstStyle>
-          <a:p>
-            <a:endParaRPr/>
-          </a:p>
+          <a:p/>
         </p:txBody>
       </p:sp>
       <p:sp>
@@ -2503,7 +2437,6 @@
             </a:pPr>
             <a:fld id="{00000000-1234-1234-1234-123412341234}" type="slidenum">
               <a:rPr lang="en-GB"/>
-              <a:t>‹#›</a:t>
             </a:fld>
             <a:endParaRPr lang="en-GB"/>
           </a:p>
@@ -2620,9 +2553,7 @@
               <a:defRPr sz="2400"/>
             </a:lvl9pPr>
           </a:lstStyle>
-          <a:p>
-            <a:endParaRPr/>
-          </a:p>
+          <a:p/>
         </p:txBody>
       </p:sp>
       <p:sp>
@@ -2711,9 +2642,7 @@
               <a:defRPr sz="1200"/>
             </a:lvl9pPr>
           </a:lstStyle>
-          <a:p>
-            <a:endParaRPr/>
-          </a:p>
+          <a:p/>
         </p:txBody>
       </p:sp>
       <p:sp>
@@ -2749,7 +2678,6 @@
             </a:pPr>
             <a:fld id="{00000000-1234-1234-1234-123412341234}" type="slidenum">
               <a:rPr lang="en-GB"/>
-              <a:t>‹#›</a:t>
             </a:fld>
             <a:endParaRPr lang="en-GB"/>
           </a:p>
@@ -2866,9 +2794,7 @@
               <a:defRPr sz="4800"/>
             </a:lvl9pPr>
           </a:lstStyle>
-          <a:p>
-            <a:endParaRPr/>
-          </a:p>
+          <a:p/>
         </p:txBody>
       </p:sp>
       <p:sp>
@@ -2904,7 +2830,6 @@
             </a:pPr>
             <a:fld id="{00000000-1234-1234-1234-123412341234}" type="slidenum">
               <a:rPr lang="en-GB"/>
-              <a:t>‹#›</a:t>
             </a:fld>
             <a:endParaRPr lang="en-GB"/>
           </a:p>
@@ -2968,7 +2893,6 @@
               </a:spcBef>
               <a:buNone/>
             </a:pPr>
-            <a:endParaRPr/>
           </a:p>
         </p:txBody>
       </p:sp>
@@ -3058,9 +2982,7 @@
               <a:defRPr sz="4200"/>
             </a:lvl9pPr>
           </a:lstStyle>
-          <a:p>
-            <a:endParaRPr/>
-          </a:p>
+          <a:p/>
         </p:txBody>
       </p:sp>
       <p:sp>
@@ -3212,9 +3134,7 @@
               <a:defRPr sz="2100"/>
             </a:lvl9pPr>
           </a:lstStyle>
-          <a:p>
-            <a:endParaRPr/>
-          </a:p>
+          <a:p/>
         </p:txBody>
       </p:sp>
       <p:sp>
@@ -3294,9 +3214,7 @@
               <a:defRPr/>
             </a:lvl9pPr>
           </a:lstStyle>
-          <a:p>
-            <a:endParaRPr/>
-          </a:p>
+          <a:p/>
         </p:txBody>
       </p:sp>
       <p:sp>
@@ -3332,7 +3250,6 @@
             </a:pPr>
             <a:fld id="{00000000-1234-1234-1234-123412341234}" type="slidenum">
               <a:rPr lang="en-GB"/>
-              <a:t>‹#›</a:t>
             </a:fld>
             <a:endParaRPr lang="en-GB"/>
           </a:p>
@@ -3399,9 +3316,7 @@
               <a:defRPr/>
             </a:lvl1pPr>
           </a:lstStyle>
-          <a:p>
-            <a:endParaRPr/>
-          </a:p>
+          <a:p/>
         </p:txBody>
       </p:sp>
       <p:sp>
@@ -3437,7 +3352,6 @@
             </a:pPr>
             <a:fld id="{00000000-1234-1234-1234-123412341234}" type="slidenum">
               <a:rPr lang="en-GB"/>
-              <a:t>‹#›</a:t>
             </a:fld>
             <a:endParaRPr lang="en-GB"/>
           </a:p>
@@ -3638,9 +3552,7 @@
               </a:defRPr>
             </a:lvl9pPr>
           </a:lstStyle>
-          <a:p>
-            <a:endParaRPr/>
-          </a:p>
+          <a:p/>
         </p:txBody>
       </p:sp>
       <p:sp>
@@ -3842,9 +3754,7 @@
               </a:defRPr>
             </a:lvl9pPr>
           </a:lstStyle>
-          <a:p>
-            <a:endParaRPr/>
-          </a:p>
+          <a:p/>
         </p:txBody>
       </p:sp>
       <p:sp>
@@ -3888,7 +3798,6 @@
                   <a:schemeClr val="dk2"/>
                 </a:solidFill>
               </a:rPr>
-              <a:t>‹#›</a:t>
             </a:fld>
             <a:endParaRPr lang="en-GB" sz="1000">
               <a:solidFill>
@@ -4457,7 +4366,6 @@
               </a:spcBef>
               <a:buNone/>
             </a:pPr>
-            <a:endParaRPr/>
           </a:p>
         </p:txBody>
       </p:sp>
@@ -4865,6 +4773,136 @@
   <p:transition spd="slow">
     <p:fade/>
   </p:transition>
+  <p:timing>
+    <p:tnLst>
+      <p:par>
+        <p:cTn id="1" dur="indefinite" restart="never" nodeType="tmRoot">
+          <p:childTnLst>
+            <p:seq concurrent="1" nextAc="seek">
+              <p:cTn id="2" dur="indefinite" nodeType="mainSeq">
+                <p:childTnLst>
+                  <p:par>
+                    <p:cTn id="3" fill="hold">
+                      <p:stCondLst>
+                        <p:cond delay="indefinite"/>
+                      </p:stCondLst>
+                      <p:childTnLst>
+                        <p:par>
+                          <p:cTn id="4" fill="hold">
+                            <p:stCondLst>
+                              <p:cond delay="0"/>
+                            </p:stCondLst>
+                            <p:childTnLst>
+                              <p:par>
+                                <p:cTn id="5" presetID="10" presetClass="entr" presetSubtype="0" fill="hold" grpId="0" nodeType="clickEffect">
+                                  <p:stCondLst>
+                                    <p:cond delay="0"/>
+                                  </p:stCondLst>
+                                  <p:childTnLst>
+                                    <p:set>
+                                      <p:cBhvr>
+                                        <p:cTn id="6" dur="1" fill="hold">
+                                          <p:stCondLst>
+                                            <p:cond delay="0"/>
+                                          </p:stCondLst>
+                                        </p:cTn>
+                                        <p:tgtEl>
+                                          <p:spTgt spid="60"/>
+                                        </p:tgtEl>
+                                        <p:attrNameLst>
+                                          <p:attrName>style.visibility</p:attrName>
+                                        </p:attrNameLst>
+                                      </p:cBhvr>
+                                      <p:to>
+                                        <p:strVal val="visible"/>
+                                      </p:to>
+                                    </p:set>
+                                    <p:animEffect transition="in" filter="fade">
+                                      <p:cBhvr>
+                                        <p:cTn id="7" dur="500"/>
+                                        <p:tgtEl>
+                                          <p:spTgt spid="60"/>
+                                        </p:tgtEl>
+                                      </p:cBhvr>
+                                    </p:animEffect>
+                                  </p:childTnLst>
+                                </p:cTn>
+                              </p:par>
+                              <p:par>
+                                <p:cTn id="8" presetID="10" presetClass="entr" presetSubtype="0" fill="hold" grpId="0" nodeType="withEffect">
+                                  <p:stCondLst>
+                                    <p:cond delay="0"/>
+                                  </p:stCondLst>
+                                  <p:childTnLst>
+                                    <p:set>
+                                      <p:cBhvr>
+                                        <p:cTn id="9" dur="1" fill="hold">
+                                          <p:stCondLst>
+                                            <p:cond delay="0"/>
+                                          </p:stCondLst>
+                                        </p:cTn>
+                                        <p:tgtEl>
+                                          <p:spTgt spid="61">
+                                            <p:txEl>
+                                              <p:pRg st="0" end="0"/>
+                                            </p:txEl>
+                                          </p:spTgt>
+                                        </p:tgtEl>
+                                        <p:attrNameLst>
+                                          <p:attrName>style.visibility</p:attrName>
+                                        </p:attrNameLst>
+                                      </p:cBhvr>
+                                      <p:to>
+                                        <p:strVal val="visible"/>
+                                      </p:to>
+                                    </p:set>
+                                    <p:animEffect transition="in" filter="fade">
+                                      <p:cBhvr>
+                                        <p:cTn id="10" dur="500"/>
+                                        <p:tgtEl>
+                                          <p:spTgt spid="61">
+                                            <p:txEl>
+                                              <p:pRg st="0" end="0"/>
+                                            </p:txEl>
+                                          </p:spTgt>
+                                        </p:tgtEl>
+                                      </p:cBhvr>
+                                    </p:animEffect>
+                                  </p:childTnLst>
+                                </p:cTn>
+                              </p:par>
+                            </p:childTnLst>
+                          </p:cTn>
+                        </p:par>
+                      </p:childTnLst>
+                    </p:cTn>
+                  </p:par>
+                </p:childTnLst>
+              </p:cTn>
+              <p:prevCondLst>
+                <p:cond evt="onPrev" delay="0">
+                  <p:tgtEl>
+                    <p:sldTgt/>
+                  </p:tgtEl>
+                </p:cond>
+              </p:prevCondLst>
+              <p:nextCondLst>
+                <p:cond evt="onNext" delay="0">
+                  <p:tgtEl>
+                    <p:sldTgt/>
+                  </p:tgtEl>
+                </p:cond>
+              </p:nextCondLst>
+            </p:seq>
+          </p:childTnLst>
+        </p:cTn>
+      </p:par>
+    </p:tnLst>
+    <p:bldLst>
+      <p:bldP spid="60" grpId="0"/>
+      <p:bldP spid="61" grpId="0" build="p"/>
+    </p:bldLst>
+  </p:timing>
 </p:sld>
 </file>
 
@@ -5068,6 +5106,18 @@
               </a:rPr>
               <a:t>(self, [...):</a:t>
             </a:r>
+            <a:endParaRPr lang="en-GB" dirty="0">
+              <a:solidFill>
+                <a:schemeClr val="dk1"/>
+              </a:solidFill>
+              <a:highlight>
+                <a:srgbClr val="FFFFFF"/>
+              </a:highlight>
+              <a:latin typeface="Courier New"/>
+              <a:ea typeface="Courier New"/>
+              <a:cs typeface="Courier New"/>
+              <a:sym typeface="Courier New"/>
+            </a:endParaRPr>
           </a:p>
           <a:p>
             <a:pPr lvl="0">
@@ -5134,6 +5184,136 @@
   <p:transition spd="slow">
     <p:fade/>
   </p:transition>
+  <p:timing>
+    <p:tnLst>
+      <p:par>
+        <p:cTn id="1" dur="indefinite" restart="never" nodeType="tmRoot">
+          <p:childTnLst>
+            <p:seq concurrent="1" nextAc="seek">
+              <p:cTn id="2" dur="indefinite" nodeType="mainSeq">
+                <p:childTnLst>
+                  <p:par>
+                    <p:cTn id="3" fill="hold">
+                      <p:stCondLst>
+                        <p:cond delay="indefinite"/>
+                      </p:stCondLst>
+                      <p:childTnLst>
+                        <p:par>
+                          <p:cTn id="4" fill="hold">
+                            <p:stCondLst>
+                              <p:cond delay="0"/>
+                            </p:stCondLst>
+                            <p:childTnLst>
+                              <p:par>
+                                <p:cTn id="5" presetID="10" presetClass="entr" presetSubtype="0" fill="hold" grpId="0" nodeType="clickEffect">
+                                  <p:stCondLst>
+                                    <p:cond delay="0"/>
+                                  </p:stCondLst>
+                                  <p:childTnLst>
+                                    <p:set>
+                                      <p:cBhvr>
+                                        <p:cTn id="6" dur="1" fill="hold">
+                                          <p:stCondLst>
+                                            <p:cond delay="0"/>
+                                          </p:stCondLst>
+                                        </p:cTn>
+                                        <p:tgtEl>
+                                          <p:spTgt spid="66"/>
+                                        </p:tgtEl>
+                                        <p:attrNameLst>
+                                          <p:attrName>style.visibility</p:attrName>
+                                        </p:attrNameLst>
+                                      </p:cBhvr>
+                                      <p:to>
+                                        <p:strVal val="visible"/>
+                                      </p:to>
+                                    </p:set>
+                                    <p:animEffect transition="in" filter="fade">
+                                      <p:cBhvr>
+                                        <p:cTn id="7" dur="500"/>
+                                        <p:tgtEl>
+                                          <p:spTgt spid="66"/>
+                                        </p:tgtEl>
+                                      </p:cBhvr>
+                                    </p:animEffect>
+                                  </p:childTnLst>
+                                </p:cTn>
+                              </p:par>
+                              <p:par>
+                                <p:cTn id="8" presetID="10" presetClass="entr" presetSubtype="0" fill="hold" grpId="0" nodeType="withEffect">
+                                  <p:stCondLst>
+                                    <p:cond delay="0"/>
+                                  </p:stCondLst>
+                                  <p:childTnLst>
+                                    <p:set>
+                                      <p:cBhvr>
+                                        <p:cTn id="9" dur="1" fill="hold">
+                                          <p:stCondLst>
+                                            <p:cond delay="0"/>
+                                          </p:stCondLst>
+                                        </p:cTn>
+                                        <p:tgtEl>
+                                          <p:spTgt spid="67">
+                                            <p:txEl>
+                                              <p:pRg st="0" end="0"/>
+                                            </p:txEl>
+                                          </p:spTgt>
+                                        </p:tgtEl>
+                                        <p:attrNameLst>
+                                          <p:attrName>style.visibility</p:attrName>
+                                        </p:attrNameLst>
+                                      </p:cBhvr>
+                                      <p:to>
+                                        <p:strVal val="visible"/>
+                                      </p:to>
+                                    </p:set>
+                                    <p:animEffect transition="in" filter="fade">
+                                      <p:cBhvr>
+                                        <p:cTn id="10" dur="500"/>
+                                        <p:tgtEl>
+                                          <p:spTgt spid="67">
+                                            <p:txEl>
+                                              <p:pRg st="0" end="0"/>
+                                            </p:txEl>
+                                          </p:spTgt>
+                                        </p:tgtEl>
+                                      </p:cBhvr>
+                                    </p:animEffect>
+                                  </p:childTnLst>
+                                </p:cTn>
+                              </p:par>
+                            </p:childTnLst>
+                          </p:cTn>
+                        </p:par>
+                      </p:childTnLst>
+                    </p:cTn>
+                  </p:par>
+                </p:childTnLst>
+              </p:cTn>
+              <p:prevCondLst>
+                <p:cond evt="onPrev" delay="0">
+                  <p:tgtEl>
+                    <p:sldTgt/>
+                  </p:tgtEl>
+                </p:cond>
+              </p:prevCondLst>
+              <p:nextCondLst>
+                <p:cond evt="onNext" delay="0">
+                  <p:tgtEl>
+                    <p:sldTgt/>
+                  </p:tgtEl>
+                </p:cond>
+              </p:nextCondLst>
+            </p:seq>
+          </p:childTnLst>
+        </p:cTn>
+      </p:par>
+    </p:tnLst>
+    <p:bldLst>
+      <p:bldP spid="66" grpId="0"/>
+      <p:bldP spid="67" grpId="0" build="p"/>
+    </p:bldLst>
+  </p:timing>
 </p:sld>
 </file>
 
@@ -5307,6 +5487,18 @@
               </a:rPr>
               <a:t>(self, [...):</a:t>
             </a:r>
+            <a:endParaRPr lang="en-GB" dirty="0">
+              <a:solidFill>
+                <a:schemeClr val="dk1"/>
+              </a:solidFill>
+              <a:highlight>
+                <a:srgbClr val="FFFFFF"/>
+              </a:highlight>
+              <a:latin typeface="Courier New"/>
+              <a:ea typeface="Courier New"/>
+              <a:cs typeface="Courier New"/>
+              <a:sym typeface="Courier New"/>
+            </a:endParaRPr>
           </a:p>
           <a:p>
             <a:pPr lvl="0">
@@ -5373,6 +5565,136 @@
   <p:transition spd="slow">
     <p:fade/>
   </p:transition>
+  <p:timing>
+    <p:tnLst>
+      <p:par>
+        <p:cTn id="1" dur="indefinite" restart="never" nodeType="tmRoot">
+          <p:childTnLst>
+            <p:seq concurrent="1" nextAc="seek">
+              <p:cTn id="2" dur="indefinite" nodeType="mainSeq">
+                <p:childTnLst>
+                  <p:par>
+                    <p:cTn id="3" fill="hold">
+                      <p:stCondLst>
+                        <p:cond delay="indefinite"/>
+                      </p:stCondLst>
+                      <p:childTnLst>
+                        <p:par>
+                          <p:cTn id="4" fill="hold">
+                            <p:stCondLst>
+                              <p:cond delay="0"/>
+                            </p:stCondLst>
+                            <p:childTnLst>
+                              <p:par>
+                                <p:cTn id="5" presetID="10" presetClass="entr" presetSubtype="0" fill="hold" grpId="0" nodeType="clickEffect">
+                                  <p:stCondLst>
+                                    <p:cond delay="0"/>
+                                  </p:stCondLst>
+                                  <p:childTnLst>
+                                    <p:set>
+                                      <p:cBhvr>
+                                        <p:cTn id="6" dur="1" fill="hold">
+                                          <p:stCondLst>
+                                            <p:cond delay="0"/>
+                                          </p:stCondLst>
+                                        </p:cTn>
+                                        <p:tgtEl>
+                                          <p:spTgt spid="72"/>
+                                        </p:tgtEl>
+                                        <p:attrNameLst>
+                                          <p:attrName>style.visibility</p:attrName>
+                                        </p:attrNameLst>
+                                      </p:cBhvr>
+                                      <p:to>
+                                        <p:strVal val="visible"/>
+                                      </p:to>
+                                    </p:set>
+                                    <p:animEffect transition="in" filter="fade">
+                                      <p:cBhvr>
+                                        <p:cTn id="7" dur="500"/>
+                                        <p:tgtEl>
+                                          <p:spTgt spid="72"/>
+                                        </p:tgtEl>
+                                      </p:cBhvr>
+                                    </p:animEffect>
+                                  </p:childTnLst>
+                                </p:cTn>
+                              </p:par>
+                              <p:par>
+                                <p:cTn id="8" presetID="10" presetClass="entr" presetSubtype="0" fill="hold" grpId="0" nodeType="withEffect">
+                                  <p:stCondLst>
+                                    <p:cond delay="0"/>
+                                  </p:stCondLst>
+                                  <p:childTnLst>
+                                    <p:set>
+                                      <p:cBhvr>
+                                        <p:cTn id="9" dur="1" fill="hold">
+                                          <p:stCondLst>
+                                            <p:cond delay="0"/>
+                                          </p:stCondLst>
+                                        </p:cTn>
+                                        <p:tgtEl>
+                                          <p:spTgt spid="73">
+                                            <p:txEl>
+                                              <p:pRg st="0" end="0"/>
+                                            </p:txEl>
+                                          </p:spTgt>
+                                        </p:tgtEl>
+                                        <p:attrNameLst>
+                                          <p:attrName>style.visibility</p:attrName>
+                                        </p:attrNameLst>
+                                      </p:cBhvr>
+                                      <p:to>
+                                        <p:strVal val="visible"/>
+                                      </p:to>
+                                    </p:set>
+                                    <p:animEffect transition="in" filter="fade">
+                                      <p:cBhvr>
+                                        <p:cTn id="10" dur="500"/>
+                                        <p:tgtEl>
+                                          <p:spTgt spid="73">
+                                            <p:txEl>
+                                              <p:pRg st="0" end="0"/>
+                                            </p:txEl>
+                                          </p:spTgt>
+                                        </p:tgtEl>
+                                      </p:cBhvr>
+                                    </p:animEffect>
+                                  </p:childTnLst>
+                                </p:cTn>
+                              </p:par>
+                            </p:childTnLst>
+                          </p:cTn>
+                        </p:par>
+                      </p:childTnLst>
+                    </p:cTn>
+                  </p:par>
+                </p:childTnLst>
+              </p:cTn>
+              <p:prevCondLst>
+                <p:cond evt="onPrev" delay="0">
+                  <p:tgtEl>
+                    <p:sldTgt/>
+                  </p:tgtEl>
+                </p:cond>
+              </p:prevCondLst>
+              <p:nextCondLst>
+                <p:cond evt="onNext" delay="0">
+                  <p:tgtEl>
+                    <p:sldTgt/>
+                  </p:tgtEl>
+                </p:cond>
+              </p:nextCondLst>
+            </p:seq>
+          </p:childTnLst>
+        </p:cTn>
+      </p:par>
+    </p:tnLst>
+    <p:bldLst>
+      <p:bldP spid="72" grpId="0"/>
+      <p:bldP spid="73" grpId="0" build="p"/>
+    </p:bldLst>
+  </p:timing>
 </p:sld>
 </file>
 
@@ -5449,6 +5771,13 @@
               </a:rPr>
               <a:t>...</a:t>
             </a:r>
+            <a:endParaRPr lang="en-GB" sz="2200" dirty="0">
+              <a:solidFill>
+                <a:srgbClr val="C9394A"/>
+              </a:solidFill>
+              <a:latin typeface="微软雅黑" charset="0"/>
+              <a:ea typeface="微软雅黑" charset="0"/>
+            </a:endParaRPr>
           </a:p>
         </p:txBody>
       </p:sp>
@@ -5507,6 +5836,18 @@
               </a:rPr>
               <a:t>Old Style Class</a:t>
             </a:r>
+            <a:endParaRPr lang="en-GB" dirty="0">
+              <a:solidFill>
+                <a:srgbClr val="000000"/>
+              </a:solidFill>
+              <a:highlight>
+                <a:srgbClr val="FFFFFF"/>
+              </a:highlight>
+              <a:latin typeface="Courier New"/>
+              <a:ea typeface="Courier New"/>
+              <a:cs typeface="Courier New"/>
+              <a:sym typeface="Courier New"/>
+            </a:endParaRPr>
           </a:p>
           <a:p>
             <a:pPr lvl="0" rtl="0">
@@ -5625,6 +5966,18 @@
               </a:rPr>
               <a:t>pass</a:t>
             </a:r>
+            <a:endParaRPr lang="en-GB" dirty="0">
+              <a:solidFill>
+                <a:srgbClr val="FF5600"/>
+              </a:solidFill>
+              <a:highlight>
+                <a:srgbClr val="FFFFFF"/>
+              </a:highlight>
+              <a:latin typeface="Courier New"/>
+              <a:ea typeface="Courier New"/>
+              <a:cs typeface="Courier New"/>
+              <a:sym typeface="Courier New"/>
+            </a:endParaRPr>
           </a:p>
           <a:p>
             <a:pPr marL="457200" lvl="0" indent="-323850" rtl="0">
@@ -5658,6 +6011,18 @@
               </a:rPr>
               <a:t>New Style Class</a:t>
             </a:r>
+            <a:endParaRPr lang="en-GB" dirty="0">
+              <a:solidFill>
+                <a:srgbClr val="000000"/>
+              </a:solidFill>
+              <a:highlight>
+                <a:srgbClr val="FFFFFF"/>
+              </a:highlight>
+              <a:latin typeface="Courier New"/>
+              <a:ea typeface="Courier New"/>
+              <a:cs typeface="Courier New"/>
+              <a:sym typeface="Courier New"/>
+            </a:endParaRPr>
           </a:p>
           <a:p>
             <a:pPr lvl="0" rtl="0">
@@ -5806,6 +6171,18 @@
               </a:rPr>
               <a:t>pass</a:t>
             </a:r>
+            <a:endParaRPr lang="en-GB" dirty="0">
+              <a:solidFill>
+                <a:srgbClr val="FF5600"/>
+              </a:solidFill>
+              <a:highlight>
+                <a:srgbClr val="FFFFFF"/>
+              </a:highlight>
+              <a:latin typeface="Courier New"/>
+              <a:ea typeface="Courier New"/>
+              <a:cs typeface="Courier New"/>
+              <a:sym typeface="Courier New"/>
+            </a:endParaRPr>
           </a:p>
           <a:p>
             <a:pPr lvl="0" rtl="0">
@@ -6020,7 +6397,7 @@
                 <a:latin typeface="微软雅黑" charset="0"/>
                 <a:ea typeface="微软雅黑" charset="0"/>
               </a:rPr>
-              <a:t>两个用到的内建函数</a:t>
+              <a:t>两个内建函数</a:t>
             </a:r>
             <a:endParaRPr lang="en-GB" sz="2200" dirty="0">
               <a:solidFill>
@@ -6078,6 +6455,10 @@
               </a:rPr>
               <a:t>()</a:t>
             </a:r>
+            <a:endParaRPr lang="en-GB" dirty="0">
+              <a:latin typeface="微软雅黑" charset="0"/>
+              <a:ea typeface="微软雅黑" charset="0"/>
+            </a:endParaRPr>
           </a:p>
           <a:p>
             <a:pPr marL="514350" lvl="0" indent="-285750" rtl="0">
@@ -6094,6 +6475,10 @@
               </a:rPr>
               <a:t>type()</a:t>
             </a:r>
+            <a:endParaRPr lang="en-GB" dirty="0">
+              <a:latin typeface="微软雅黑" charset="0"/>
+              <a:ea typeface="微软雅黑" charset="0"/>
+            </a:endParaRPr>
           </a:p>
         </p:txBody>
       </p:sp>
@@ -6140,6 +6525,197 @@
   <p:transition spd="slow">
     <p:fade/>
   </p:transition>
+  <p:timing>
+    <p:tnLst>
+      <p:par>
+        <p:cTn id="1" dur="indefinite" restart="never" nodeType="tmRoot">
+          <p:childTnLst>
+            <p:seq concurrent="1" nextAc="seek">
+              <p:cTn id="2" dur="indefinite" nodeType="mainSeq">
+                <p:childTnLst>
+                  <p:par>
+                    <p:cTn id="3" fill="hold">
+                      <p:stCondLst>
+                        <p:cond delay="indefinite"/>
+                      </p:stCondLst>
+                      <p:childTnLst>
+                        <p:par>
+                          <p:cTn id="4" fill="hold">
+                            <p:stCondLst>
+                              <p:cond delay="0"/>
+                            </p:stCondLst>
+                            <p:childTnLst>
+                              <p:par>
+                                <p:cTn id="5" presetID="10" presetClass="entr" presetSubtype="0" fill="hold" grpId="0" nodeType="clickEffect">
+                                  <p:stCondLst>
+                                    <p:cond delay="0"/>
+                                  </p:stCondLst>
+                                  <p:childTnLst>
+                                    <p:set>
+                                      <p:cBhvr>
+                                        <p:cTn id="6" dur="1" fill="hold">
+                                          <p:stCondLst>
+                                            <p:cond delay="0"/>
+                                          </p:stCondLst>
+                                        </p:cTn>
+                                        <p:tgtEl>
+                                          <p:spTgt spid="84"/>
+                                        </p:tgtEl>
+                                        <p:attrNameLst>
+                                          <p:attrName>style.visibility</p:attrName>
+                                        </p:attrNameLst>
+                                      </p:cBhvr>
+                                      <p:to>
+                                        <p:strVal val="visible"/>
+                                      </p:to>
+                                    </p:set>
+                                    <p:animEffect transition="in" filter="fade">
+                                      <p:cBhvr>
+                                        <p:cTn id="7" dur="500"/>
+                                        <p:tgtEl>
+                                          <p:spTgt spid="84"/>
+                                        </p:tgtEl>
+                                      </p:cBhvr>
+                                    </p:animEffect>
+                                  </p:childTnLst>
+                                </p:cTn>
+                              </p:par>
+                              <p:par>
+                                <p:cTn id="8" presetID="10" presetClass="entr" presetSubtype="0" fill="hold" grpId="0" nodeType="withEffect">
+                                  <p:stCondLst>
+                                    <p:cond delay="0"/>
+                                  </p:stCondLst>
+                                  <p:childTnLst>
+                                    <p:set>
+                                      <p:cBhvr>
+                                        <p:cTn id="9" dur="1" fill="hold">
+                                          <p:stCondLst>
+                                            <p:cond delay="0"/>
+                                          </p:stCondLst>
+                                        </p:cTn>
+                                        <p:tgtEl>
+                                          <p:spTgt spid="85">
+                                            <p:txEl>
+                                              <p:pRg st="0" end="0"/>
+                                            </p:txEl>
+                                          </p:spTgt>
+                                        </p:tgtEl>
+                                        <p:attrNameLst>
+                                          <p:attrName>style.visibility</p:attrName>
+                                        </p:attrNameLst>
+                                      </p:cBhvr>
+                                      <p:to>
+                                        <p:strVal val="visible"/>
+                                      </p:to>
+                                    </p:set>
+                                    <p:animEffect transition="in" filter="fade">
+                                      <p:cBhvr>
+                                        <p:cTn id="10" dur="500"/>
+                                        <p:tgtEl>
+                                          <p:spTgt spid="85">
+                                            <p:txEl>
+                                              <p:pRg st="0" end="0"/>
+                                            </p:txEl>
+                                          </p:spTgt>
+                                        </p:tgtEl>
+                                      </p:cBhvr>
+                                    </p:animEffect>
+                                  </p:childTnLst>
+                                </p:cTn>
+                              </p:par>
+                            </p:childTnLst>
+                          </p:cTn>
+                        </p:par>
+                      </p:childTnLst>
+                    </p:cTn>
+                  </p:par>
+                  <p:par>
+                    <p:cTn id="11" fill="hold">
+                      <p:stCondLst>
+                        <p:cond delay="indefinite"/>
+                      </p:stCondLst>
+                      <p:childTnLst>
+                        <p:par>
+                          <p:cTn id="12" fill="hold">
+                            <p:stCondLst>
+                              <p:cond delay="0"/>
+                            </p:stCondLst>
+                            <p:childTnLst>
+                              <p:par>
+                                <p:cTn id="13" presetID="10" presetClass="entr" presetSubtype="0" fill="hold" grpId="0" nodeType="clickEffect">
+                                  <p:stCondLst>
+                                    <p:cond delay="0"/>
+                                  </p:stCondLst>
+                                  <p:childTnLst>
+                                    <p:set>
+                                      <p:cBhvr>
+                                        <p:cTn id="14" dur="1" fill="hold">
+                                          <p:stCondLst>
+                                            <p:cond delay="0"/>
+                                          </p:stCondLst>
+                                        </p:cTn>
+                                        <p:tgtEl>
+                                          <p:spTgt spid="85">
+                                            <p:txEl>
+                                              <p:pRg st="1" end="1"/>
+                                            </p:txEl>
+                                          </p:spTgt>
+                                        </p:tgtEl>
+                                        <p:attrNameLst>
+                                          <p:attrName>style.visibility</p:attrName>
+                                        </p:attrNameLst>
+                                      </p:cBhvr>
+                                      <p:to>
+                                        <p:strVal val="visible"/>
+                                      </p:to>
+                                    </p:set>
+                                    <p:animEffect transition="in" filter="fade">
+                                      <p:cBhvr>
+                                        <p:cTn id="15" dur="500"/>
+                                        <p:tgtEl>
+                                          <p:spTgt spid="85">
+                                            <p:txEl>
+                                              <p:pRg st="1" end="1"/>
+                                            </p:txEl>
+                                          </p:spTgt>
+                                        </p:tgtEl>
+                                      </p:cBhvr>
+                                    </p:animEffect>
+                                  </p:childTnLst>
+                                </p:cTn>
+                              </p:par>
+                            </p:childTnLst>
+                          </p:cTn>
+                        </p:par>
+                      </p:childTnLst>
+                    </p:cTn>
+                  </p:par>
+                </p:childTnLst>
+              </p:cTn>
+              <p:prevCondLst>
+                <p:cond evt="onPrev" delay="0">
+                  <p:tgtEl>
+                    <p:sldTgt/>
+                  </p:tgtEl>
+                </p:cond>
+              </p:prevCondLst>
+              <p:nextCondLst>
+                <p:cond evt="onNext" delay="0">
+                  <p:tgtEl>
+                    <p:sldTgt/>
+                  </p:tgtEl>
+                </p:cond>
+              </p:nextCondLst>
+            </p:seq>
+          </p:childTnLst>
+        </p:cTn>
+      </p:par>
+    </p:tnLst>
+    <p:bldLst>
+      <p:bldP spid="84" grpId="0"/>
+      <p:bldP spid="85" grpId="0" build="p"/>
+    </p:bldLst>
+  </p:timing>
 </p:sld>
 </file>
 

--- a/ppt/3.1-用Python新建类.pptx
+++ b/ppt/3.1-用Python新建类.pptx
@@ -10,10 +10,10 @@
   <p:sldIdLst>
     <p:sldId id="256" r:id="rId3"/>
     <p:sldId id="257" r:id="rId5"/>
-    <p:sldId id="258" r:id="rId6"/>
-    <p:sldId id="259" r:id="rId7"/>
-    <p:sldId id="260" r:id="rId8"/>
-    <p:sldId id="261" r:id="rId9"/>
+    <p:sldId id="262" r:id="rId6"/>
+    <p:sldId id="263" r:id="rId7"/>
+    <p:sldId id="264" r:id="rId8"/>
+    <p:sldId id="265" r:id="rId9"/>
   </p:sldIdLst>
   <p:sldSz cx="9144000" cy="5143500" type="screen16x9"/>
   <p:notesSz cx="6858000" cy="9144000"/>
@@ -597,7 +597,7 @@
   <p:cSld>
     <p:spTree>
       <p:nvGrpSpPr>
-        <p:cNvPr id="1" name="Shape 62"/>
+        <p:cNvPr id="1" name="Shape 56"/>
         <p:cNvGrpSpPr/>
         <p:nvPr/>
       </p:nvGrpSpPr>
@@ -611,7 +611,7 @@
       </p:grpSpPr>
       <p:sp>
         <p:nvSpPr>
-          <p:cNvPr id="63" name="Shape 63"/>
+          <p:cNvPr id="57" name="Shape 57"/>
           <p:cNvSpPr>
             <a:spLocks noGrp="1" noRot="1" noChangeAspect="1"/>
           </p:cNvSpPr>
@@ -652,7 +652,7 @@
       </p:sp>
       <p:sp>
         <p:nvSpPr>
-          <p:cNvPr id="64" name="Shape 64"/>
+          <p:cNvPr id="58" name="Shape 58"/>
           <p:cNvSpPr txBox="1">
             <a:spLocks noGrp="1"/>
           </p:cNvSpPr>
@@ -683,7 +683,7 @@
             </a:pPr>
             <a:r>
               <a:rPr lang="en-GB"/>
-              <a:t>之前谈到过一个类是由属性和功能组成的，当我们新建一个某个类的对象时，我们需要将类的一些属性进行设置，这就是我们需要构造函数的原因。在Python里，用__init__来作为构造函数。那么</a:t>
+              <a:t>这里可以来看定义一个类的格式，首先就是用到了关键字class，这个和很多其他的面向对象语言都是一样的。</a:t>
             </a:r>
             <a:endParaRPr lang="en-GB"/>
           </a:p>
@@ -702,7 +702,7 @@
   <p:cSld>
     <p:spTree>
       <p:nvGrpSpPr>
-        <p:cNvPr id="1" name="Shape 68"/>
+        <p:cNvPr id="1" name="Shape 56"/>
         <p:cNvGrpSpPr/>
         <p:nvPr/>
       </p:nvGrpSpPr>
@@ -716,7 +716,7 @@
       </p:grpSpPr>
       <p:sp>
         <p:nvSpPr>
-          <p:cNvPr id="69" name="Shape 69"/>
+          <p:cNvPr id="57" name="Shape 57"/>
           <p:cNvSpPr>
             <a:spLocks noGrp="1" noRot="1" noChangeAspect="1"/>
           </p:cNvSpPr>
@@ -757,7 +757,7 @@
       </p:sp>
       <p:sp>
         <p:nvSpPr>
-          <p:cNvPr id="70" name="Shape 70"/>
+          <p:cNvPr id="58" name="Shape 58"/>
           <p:cNvSpPr txBox="1">
             <a:spLocks noGrp="1"/>
           </p:cNvSpPr>
@@ -788,7 +788,7 @@
             </a:pPr>
             <a:r>
               <a:rPr lang="en-GB"/>
-              <a:t>与构造函数对应的，就是析构函数。在这里要注意的是，它是在一个对象被Python的垃圾处理机制回收的时候进行调用，于Python内建的del函数没有关系。</a:t>
+              <a:t>这里可以来看定义一个类的格式，首先就是用到了关键字class，这个和很多其他的面向对象语言都是一样的。</a:t>
             </a:r>
             <a:endParaRPr lang="en-GB"/>
           </a:p>
@@ -807,7 +807,7 @@
   <p:cSld>
     <p:spTree>
       <p:nvGrpSpPr>
-        <p:cNvPr id="1" name="Shape 74"/>
+        <p:cNvPr id="1" name="Shape 56"/>
         <p:cNvGrpSpPr/>
         <p:nvPr/>
       </p:nvGrpSpPr>
@@ -821,7 +821,7 @@
       </p:grpSpPr>
       <p:sp>
         <p:nvSpPr>
-          <p:cNvPr id="75" name="Shape 75"/>
+          <p:cNvPr id="57" name="Shape 57"/>
           <p:cNvSpPr>
             <a:spLocks noGrp="1" noRot="1" noChangeAspect="1"/>
           </p:cNvSpPr>
@@ -862,7 +862,7 @@
       </p:sp>
       <p:sp>
         <p:nvSpPr>
-          <p:cNvPr id="76" name="Shape 76"/>
+          <p:cNvPr id="58" name="Shape 58"/>
           <p:cNvSpPr txBox="1">
             <a:spLocks noGrp="1"/>
           </p:cNvSpPr>
@@ -893,7 +893,7 @@
             </a:pPr>
             <a:r>
               <a:rPr lang="en-GB"/>
-              <a:t>接下来要谈到一些关于Python语法上的一个遗留问题，就是老式类和新式类的区别。在这里可以看到两个类的区别就是新式类继承了object类，而老式类没有。object是在Python里所有类的基类。这是在Python2.2版本的时候为了统一class和type而引入的，在很多的特性上，旧式类和新式类都有不少的不同，跟原来相比是一个很大的改进。但是基于兼容以前版本的考虑，旧式类还是被保留了。目前在Python2下的代码，所有的类如果没有别的需要继承的类，都需要继承object。不过在Python3里面，这个问题不复存在了，所有定义的类都是新式类</a:t>
+              <a:t>这里可以来看定义一个类的格式，首先就是用到了关键字class，这个和很多其他的面向对象语言都是一样的。</a:t>
             </a:r>
             <a:endParaRPr lang="en-GB"/>
           </a:p>
@@ -912,7 +912,7 @@
   <p:cSld>
     <p:spTree>
       <p:nvGrpSpPr>
-        <p:cNvPr id="1" name="Shape 80"/>
+        <p:cNvPr id="1" name="Shape 56"/>
         <p:cNvGrpSpPr/>
         <p:nvPr/>
       </p:nvGrpSpPr>
@@ -926,7 +926,7 @@
       </p:grpSpPr>
       <p:sp>
         <p:nvSpPr>
-          <p:cNvPr id="81" name="Shape 81"/>
+          <p:cNvPr id="57" name="Shape 57"/>
           <p:cNvSpPr>
             <a:spLocks noGrp="1" noRot="1" noChangeAspect="1"/>
           </p:cNvSpPr>
@@ -967,7 +967,7 @@
       </p:sp>
       <p:sp>
         <p:nvSpPr>
-          <p:cNvPr id="82" name="Shape 82"/>
+          <p:cNvPr id="58" name="Shape 58"/>
           <p:cNvSpPr txBox="1">
             <a:spLocks noGrp="1"/>
           </p:cNvSpPr>
@@ -998,7 +998,7 @@
             </a:pPr>
             <a:r>
               <a:rPr lang="en-GB"/>
-              <a:t>接下来我准备用一个例子来说明关于Python类定义的问题。首先稍微提一下两个需要用到的两个内建函数一个是dir，用来获取一个作用域里的所有属性。另一个是type，用来获取对象的类型。</a:t>
+              <a:t>这里可以来看定义一个类的格式，首先就是用到了关键字class，这个和很多其他的面向对象语言都是一样的。</a:t>
             </a:r>
             <a:endParaRPr lang="en-GB"/>
           </a:p>
@@ -4738,7 +4738,7 @@
         </p:nvSpPr>
         <p:spPr>
           <a:xfrm>
-            <a:off x="3134201" y="601112"/>
+            <a:off x="3134201" y="569362"/>
             <a:ext cx="3108543" cy="553998"/>
           </a:xfrm>
           <a:prstGeom prst="rect">
@@ -4911,7 +4911,7 @@
   <p:cSld>
     <p:spTree>
       <p:nvGrpSpPr>
-        <p:cNvPr id="1" name="Shape 65"/>
+        <p:cNvPr id="1" name="Shape 59"/>
         <p:cNvGrpSpPr/>
         <p:nvPr/>
       </p:nvGrpSpPr>
@@ -4925,13 +4925,46 @@
       </p:grpSpPr>
       <p:sp>
         <p:nvSpPr>
+          <p:cNvPr id="2" name="矩形 1"/>
+          <p:cNvSpPr/>
+          <p:nvPr/>
+        </p:nvSpPr>
+        <p:spPr>
+          <a:xfrm>
+            <a:off x="3134201" y="569362"/>
+            <a:ext cx="3108543" cy="553998"/>
+          </a:xfrm>
+          <a:prstGeom prst="rect">
+            <a:avLst/>
+          </a:prstGeom>
+        </p:spPr>
+        <p:txBody>
+          <a:bodyPr wrap="none">
+            <a:spAutoFit/>
+          </a:bodyPr>
+          <a:lstStyle/>
+          <a:p>
+            <a:r>
+              <a:rPr lang="en-GB" altLang="zh-CN" sz="3000" b="1" dirty="0" err="1">
+                <a:solidFill>
+                  <a:srgbClr val="C9394A"/>
+                </a:solidFill>
+                <a:latin typeface="微软雅黑" charset="0"/>
+                <a:ea typeface="微软雅黑" charset="0"/>
+              </a:rPr>
+              <a:t>用Python定义类</a:t>
+            </a:r>
+            <a:endParaRPr lang="zh-CN" altLang="en-US" sz="3000" dirty="0"/>
+          </a:p>
+        </p:txBody>
+      </p:sp>
+      <p:sp>
+        <p:nvSpPr>
           <p:cNvPr id="66" name="Shape 66"/>
           <p:cNvSpPr txBox="1">
             <a:spLocks noGrp="1"/>
           </p:cNvSpPr>
-          <p:nvPr>
-            <p:ph type="title"/>
-          </p:nvPr>
+          <p:nvPr/>
         </p:nvSpPr>
         <p:spPr>
           <a:xfrm>
@@ -4941,12 +4974,173 @@
           <a:prstGeom prst="rect">
             <a:avLst/>
           </a:prstGeom>
+          <a:noFill/>
+          <a:ln>
+            <a:noFill/>
+          </a:ln>
         </p:spPr>
         <p:txBody>
           <a:bodyPr lIns="91425" tIns="91425" rIns="91425" bIns="91425" anchor="t" anchorCtr="0">
             <a:noAutofit/>
           </a:bodyPr>
-          <a:lstStyle/>
+          <a:lstStyle>
+            <a:defPPr marR="0" lvl="0" algn="l" rtl="0">
+              <a:lnSpc>
+                <a:spcPct val="100000"/>
+              </a:lnSpc>
+              <a:spcBef>
+                <a:spcPts val="0"/>
+              </a:spcBef>
+              <a:spcAft>
+                <a:spcPts val="0"/>
+              </a:spcAft>
+            </a:defPPr>
+            <a:lvl1pPr marR="0" lvl="0" algn="l" rtl="0">
+              <a:lnSpc>
+                <a:spcPct val="100000"/>
+              </a:lnSpc>
+              <a:spcBef>
+                <a:spcPts val="0"/>
+              </a:spcBef>
+              <a:spcAft>
+                <a:spcPts val="0"/>
+              </a:spcAft>
+              <a:buClr>
+                <a:schemeClr val="dk1"/>
+              </a:buClr>
+              <a:buSzPct val="100000"/>
+              <a:buNone/>
+              <a:defRPr sz="2800" b="0" i="0" u="none" strike="noStrike" cap="none">
+                <a:solidFill>
+                  <a:schemeClr val="dk1"/>
+                </a:solidFill>
+                <a:latin typeface="Arial"/>
+                <a:ea typeface="Arial"/>
+                <a:cs typeface="Arial"/>
+                <a:sym typeface="Arial"/>
+              </a:defRPr>
+            </a:lvl1pPr>
+            <a:lvl2pPr lvl="1">
+              <a:spcBef>
+                <a:spcPts val="0"/>
+              </a:spcBef>
+              <a:buClr>
+                <a:schemeClr val="dk1"/>
+              </a:buClr>
+              <a:buSzPct val="100000"/>
+              <a:buNone/>
+              <a:defRPr sz="2800">
+                <a:solidFill>
+                  <a:schemeClr val="dk1"/>
+                </a:solidFill>
+              </a:defRPr>
+            </a:lvl2pPr>
+            <a:lvl3pPr lvl="2">
+              <a:spcBef>
+                <a:spcPts val="0"/>
+              </a:spcBef>
+              <a:buClr>
+                <a:schemeClr val="dk1"/>
+              </a:buClr>
+              <a:buSzPct val="100000"/>
+              <a:buNone/>
+              <a:defRPr sz="2800">
+                <a:solidFill>
+                  <a:schemeClr val="dk1"/>
+                </a:solidFill>
+              </a:defRPr>
+            </a:lvl3pPr>
+            <a:lvl4pPr lvl="3">
+              <a:spcBef>
+                <a:spcPts val="0"/>
+              </a:spcBef>
+              <a:buClr>
+                <a:schemeClr val="dk1"/>
+              </a:buClr>
+              <a:buSzPct val="100000"/>
+              <a:buNone/>
+              <a:defRPr sz="2800">
+                <a:solidFill>
+                  <a:schemeClr val="dk1"/>
+                </a:solidFill>
+              </a:defRPr>
+            </a:lvl4pPr>
+            <a:lvl5pPr lvl="4">
+              <a:spcBef>
+                <a:spcPts val="0"/>
+              </a:spcBef>
+              <a:buClr>
+                <a:schemeClr val="dk1"/>
+              </a:buClr>
+              <a:buSzPct val="100000"/>
+              <a:buNone/>
+              <a:defRPr sz="2800">
+                <a:solidFill>
+                  <a:schemeClr val="dk1"/>
+                </a:solidFill>
+              </a:defRPr>
+            </a:lvl5pPr>
+            <a:lvl6pPr lvl="5">
+              <a:spcBef>
+                <a:spcPts val="0"/>
+              </a:spcBef>
+              <a:buClr>
+                <a:schemeClr val="dk1"/>
+              </a:buClr>
+              <a:buSzPct val="100000"/>
+              <a:buNone/>
+              <a:defRPr sz="2800">
+                <a:solidFill>
+                  <a:schemeClr val="dk1"/>
+                </a:solidFill>
+              </a:defRPr>
+            </a:lvl6pPr>
+            <a:lvl7pPr lvl="6">
+              <a:spcBef>
+                <a:spcPts val="0"/>
+              </a:spcBef>
+              <a:buClr>
+                <a:schemeClr val="dk1"/>
+              </a:buClr>
+              <a:buSzPct val="100000"/>
+              <a:buNone/>
+              <a:defRPr sz="2800">
+                <a:solidFill>
+                  <a:schemeClr val="dk1"/>
+                </a:solidFill>
+              </a:defRPr>
+            </a:lvl7pPr>
+            <a:lvl8pPr lvl="7">
+              <a:spcBef>
+                <a:spcPts val="0"/>
+              </a:spcBef>
+              <a:buClr>
+                <a:schemeClr val="dk1"/>
+              </a:buClr>
+              <a:buSzPct val="100000"/>
+              <a:buNone/>
+              <a:defRPr sz="2800">
+                <a:solidFill>
+                  <a:schemeClr val="dk1"/>
+                </a:solidFill>
+              </a:defRPr>
+            </a:lvl8pPr>
+            <a:lvl9pPr lvl="8">
+              <a:spcBef>
+                <a:spcPts val="0"/>
+              </a:spcBef>
+              <a:buClr>
+                <a:schemeClr val="dk1"/>
+              </a:buClr>
+              <a:buSzPct val="100000"/>
+              <a:buNone/>
+              <a:defRPr sz="2800">
+                <a:solidFill>
+                  <a:schemeClr val="dk1"/>
+                </a:solidFill>
+              </a:defRPr>
+            </a:lvl9pPr>
+          </a:lstStyle>
           <a:p>
             <a:pPr lvl="0">
               <a:spcBef>
@@ -4980,9 +5174,7 @@
           <p:cNvSpPr txBox="1">
             <a:spLocks noGrp="1"/>
           </p:cNvSpPr>
-          <p:nvPr>
-            <p:ph type="body" idx="1"/>
-          </p:nvPr>
+          <p:nvPr/>
         </p:nvSpPr>
         <p:spPr>
           <a:xfrm>
@@ -4992,12 +5184,245 @@
           <a:prstGeom prst="rect">
             <a:avLst/>
           </a:prstGeom>
+          <a:noFill/>
+          <a:ln>
+            <a:noFill/>
+          </a:ln>
         </p:spPr>
         <p:txBody>
           <a:bodyPr lIns="91425" tIns="91425" rIns="91425" bIns="91425" anchor="t" anchorCtr="0">
             <a:noAutofit/>
           </a:bodyPr>
-          <a:lstStyle/>
+          <a:lstStyle>
+            <a:defPPr marR="0" lvl="0" algn="l" rtl="0">
+              <a:lnSpc>
+                <a:spcPct val="100000"/>
+              </a:lnSpc>
+              <a:spcBef>
+                <a:spcPts val="0"/>
+              </a:spcBef>
+              <a:spcAft>
+                <a:spcPts val="0"/>
+              </a:spcAft>
+            </a:defPPr>
+            <a:lvl1pPr marR="0" lvl="0" algn="l" rtl="0">
+              <a:lnSpc>
+                <a:spcPct val="115000"/>
+              </a:lnSpc>
+              <a:spcBef>
+                <a:spcPts val="0"/>
+              </a:spcBef>
+              <a:spcAft>
+                <a:spcPts val="1600"/>
+              </a:spcAft>
+              <a:buClr>
+                <a:schemeClr val="dk2"/>
+              </a:buClr>
+              <a:buSzPct val="100000"/>
+              <a:buNone/>
+              <a:defRPr sz="1500" b="0" i="0" u="none" strike="noStrike" cap="none">
+                <a:solidFill>
+                  <a:schemeClr val="dk2"/>
+                </a:solidFill>
+                <a:latin typeface="Arial"/>
+                <a:ea typeface="Arial"/>
+                <a:cs typeface="Arial"/>
+                <a:sym typeface="Arial"/>
+              </a:defRPr>
+            </a:lvl1pPr>
+            <a:lvl2pPr marR="0" lvl="1" algn="l" rtl="0">
+              <a:lnSpc>
+                <a:spcPct val="115000"/>
+              </a:lnSpc>
+              <a:spcBef>
+                <a:spcPts val="0"/>
+              </a:spcBef>
+              <a:spcAft>
+                <a:spcPts val="1600"/>
+              </a:spcAft>
+              <a:buClr>
+                <a:schemeClr val="dk2"/>
+              </a:buClr>
+              <a:buNone/>
+              <a:defRPr sz="1400" b="0" i="0" u="none" strike="noStrike" cap="none">
+                <a:solidFill>
+                  <a:schemeClr val="dk2"/>
+                </a:solidFill>
+                <a:latin typeface="Arial"/>
+                <a:ea typeface="Arial"/>
+                <a:cs typeface="Arial"/>
+                <a:sym typeface="Arial"/>
+              </a:defRPr>
+            </a:lvl2pPr>
+            <a:lvl3pPr marR="0" lvl="2" algn="l" rtl="0">
+              <a:lnSpc>
+                <a:spcPct val="115000"/>
+              </a:lnSpc>
+              <a:spcBef>
+                <a:spcPts val="0"/>
+              </a:spcBef>
+              <a:spcAft>
+                <a:spcPts val="1600"/>
+              </a:spcAft>
+              <a:buClr>
+                <a:schemeClr val="dk2"/>
+              </a:buClr>
+              <a:buNone/>
+              <a:defRPr sz="1400" b="0" i="0" u="none" strike="noStrike" cap="none">
+                <a:solidFill>
+                  <a:schemeClr val="dk2"/>
+                </a:solidFill>
+                <a:latin typeface="Arial"/>
+                <a:ea typeface="Arial"/>
+                <a:cs typeface="Arial"/>
+                <a:sym typeface="Arial"/>
+              </a:defRPr>
+            </a:lvl3pPr>
+            <a:lvl4pPr marR="0" lvl="3" algn="l" rtl="0">
+              <a:lnSpc>
+                <a:spcPct val="115000"/>
+              </a:lnSpc>
+              <a:spcBef>
+                <a:spcPts val="0"/>
+              </a:spcBef>
+              <a:spcAft>
+                <a:spcPts val="1600"/>
+              </a:spcAft>
+              <a:buClr>
+                <a:schemeClr val="dk2"/>
+              </a:buClr>
+              <a:buNone/>
+              <a:defRPr sz="1400" b="0" i="0" u="none" strike="noStrike" cap="none">
+                <a:solidFill>
+                  <a:schemeClr val="dk2"/>
+                </a:solidFill>
+                <a:latin typeface="Arial"/>
+                <a:ea typeface="Arial"/>
+                <a:cs typeface="Arial"/>
+                <a:sym typeface="Arial"/>
+              </a:defRPr>
+            </a:lvl4pPr>
+            <a:lvl5pPr marR="0" lvl="4" algn="l" rtl="0">
+              <a:lnSpc>
+                <a:spcPct val="115000"/>
+              </a:lnSpc>
+              <a:spcBef>
+                <a:spcPts val="0"/>
+              </a:spcBef>
+              <a:spcAft>
+                <a:spcPts val="1600"/>
+              </a:spcAft>
+              <a:buClr>
+                <a:schemeClr val="dk2"/>
+              </a:buClr>
+              <a:buNone/>
+              <a:defRPr sz="1400" b="0" i="0" u="none" strike="noStrike" cap="none">
+                <a:solidFill>
+                  <a:schemeClr val="dk2"/>
+                </a:solidFill>
+                <a:latin typeface="Arial"/>
+                <a:ea typeface="Arial"/>
+                <a:cs typeface="Arial"/>
+                <a:sym typeface="Arial"/>
+              </a:defRPr>
+            </a:lvl5pPr>
+            <a:lvl6pPr marR="0" lvl="5" algn="l" rtl="0">
+              <a:lnSpc>
+                <a:spcPct val="115000"/>
+              </a:lnSpc>
+              <a:spcBef>
+                <a:spcPts val="0"/>
+              </a:spcBef>
+              <a:spcAft>
+                <a:spcPts val="1600"/>
+              </a:spcAft>
+              <a:buClr>
+                <a:schemeClr val="dk2"/>
+              </a:buClr>
+              <a:buNone/>
+              <a:defRPr sz="1400" b="0" i="0" u="none" strike="noStrike" cap="none">
+                <a:solidFill>
+                  <a:schemeClr val="dk2"/>
+                </a:solidFill>
+                <a:latin typeface="Arial"/>
+                <a:ea typeface="Arial"/>
+                <a:cs typeface="Arial"/>
+                <a:sym typeface="Arial"/>
+              </a:defRPr>
+            </a:lvl6pPr>
+            <a:lvl7pPr marR="0" lvl="6" algn="l" rtl="0">
+              <a:lnSpc>
+                <a:spcPct val="115000"/>
+              </a:lnSpc>
+              <a:spcBef>
+                <a:spcPts val="0"/>
+              </a:spcBef>
+              <a:spcAft>
+                <a:spcPts val="1600"/>
+              </a:spcAft>
+              <a:buClr>
+                <a:schemeClr val="dk2"/>
+              </a:buClr>
+              <a:buNone/>
+              <a:defRPr sz="1400" b="0" i="0" u="none" strike="noStrike" cap="none">
+                <a:solidFill>
+                  <a:schemeClr val="dk2"/>
+                </a:solidFill>
+                <a:latin typeface="Arial"/>
+                <a:ea typeface="Arial"/>
+                <a:cs typeface="Arial"/>
+                <a:sym typeface="Arial"/>
+              </a:defRPr>
+            </a:lvl7pPr>
+            <a:lvl8pPr marR="0" lvl="7" algn="l" rtl="0">
+              <a:lnSpc>
+                <a:spcPct val="115000"/>
+              </a:lnSpc>
+              <a:spcBef>
+                <a:spcPts val="0"/>
+              </a:spcBef>
+              <a:spcAft>
+                <a:spcPts val="1600"/>
+              </a:spcAft>
+              <a:buClr>
+                <a:schemeClr val="dk2"/>
+              </a:buClr>
+              <a:buNone/>
+              <a:defRPr sz="1400" b="0" i="0" u="none" strike="noStrike" cap="none">
+                <a:solidFill>
+                  <a:schemeClr val="dk2"/>
+                </a:solidFill>
+                <a:latin typeface="Arial"/>
+                <a:ea typeface="Arial"/>
+                <a:cs typeface="Arial"/>
+                <a:sym typeface="Arial"/>
+              </a:defRPr>
+            </a:lvl8pPr>
+            <a:lvl9pPr marR="0" lvl="8" algn="l" rtl="0">
+              <a:lnSpc>
+                <a:spcPct val="115000"/>
+              </a:lnSpc>
+              <a:spcBef>
+                <a:spcPts val="0"/>
+              </a:spcBef>
+              <a:spcAft>
+                <a:spcPts val="1600"/>
+              </a:spcAft>
+              <a:buClr>
+                <a:schemeClr val="dk2"/>
+              </a:buClr>
+              <a:buNone/>
+              <a:defRPr sz="1400" b="0" i="0" u="none" strike="noStrike" cap="none">
+                <a:solidFill>
+                  <a:schemeClr val="dk2"/>
+                </a:solidFill>
+                <a:latin typeface="Arial"/>
+                <a:ea typeface="Arial"/>
+                <a:cs typeface="Arial"/>
+                <a:sym typeface="Arial"/>
+              </a:defRPr>
+            </a:lvl9pPr>
+          </a:lstStyle>
           <a:p>
             <a:pPr lvl="0">
               <a:lnSpc>
@@ -5138,41 +5563,6 @@
               <a:cs typeface="Courier New"/>
               <a:sym typeface="Courier New"/>
             </a:endParaRPr>
-          </a:p>
-        </p:txBody>
-      </p:sp>
-      <p:sp>
-        <p:nvSpPr>
-          <p:cNvPr id="2" name="矩形 1"/>
-          <p:cNvSpPr/>
-          <p:nvPr/>
-        </p:nvSpPr>
-        <p:spPr>
-          <a:xfrm>
-            <a:off x="3134201" y="624921"/>
-            <a:ext cx="3108543" cy="553998"/>
-          </a:xfrm>
-          <a:prstGeom prst="rect">
-            <a:avLst/>
-          </a:prstGeom>
-        </p:spPr>
-        <p:txBody>
-          <a:bodyPr wrap="none">
-            <a:spAutoFit/>
-          </a:bodyPr>
-          <a:lstStyle/>
-          <a:p>
-            <a:r>
-              <a:rPr lang="en-GB" altLang="zh-CN" sz="3000" b="1" dirty="0" err="1">
-                <a:solidFill>
-                  <a:srgbClr val="C9394A"/>
-                </a:solidFill>
-                <a:latin typeface="微软雅黑" charset="0"/>
-                <a:ea typeface="微软雅黑" charset="0"/>
-              </a:rPr>
-              <a:t>用Python定义类</a:t>
-            </a:r>
-            <a:endParaRPr lang="zh-CN" altLang="en-US" sz="3000" dirty="0"/>
           </a:p>
         </p:txBody>
       </p:sp>
@@ -5322,7 +5712,7 @@
   <p:cSld>
     <p:spTree>
       <p:nvGrpSpPr>
-        <p:cNvPr id="1" name="Shape 71"/>
+        <p:cNvPr id="1" name="Shape 59"/>
         <p:cNvGrpSpPr/>
         <p:nvPr/>
       </p:nvGrpSpPr>
@@ -5336,13 +5726,46 @@
       </p:grpSpPr>
       <p:sp>
         <p:nvSpPr>
+          <p:cNvPr id="2" name="矩形 1"/>
+          <p:cNvSpPr/>
+          <p:nvPr/>
+        </p:nvSpPr>
+        <p:spPr>
+          <a:xfrm>
+            <a:off x="3134201" y="569362"/>
+            <a:ext cx="3108543" cy="553998"/>
+          </a:xfrm>
+          <a:prstGeom prst="rect">
+            <a:avLst/>
+          </a:prstGeom>
+        </p:spPr>
+        <p:txBody>
+          <a:bodyPr wrap="none">
+            <a:spAutoFit/>
+          </a:bodyPr>
+          <a:lstStyle/>
+          <a:p>
+            <a:r>
+              <a:rPr lang="en-GB" altLang="zh-CN" sz="3000" b="1" dirty="0" err="1">
+                <a:solidFill>
+                  <a:srgbClr val="C9394A"/>
+                </a:solidFill>
+                <a:latin typeface="微软雅黑" charset="0"/>
+                <a:ea typeface="微软雅黑" charset="0"/>
+              </a:rPr>
+              <a:t>用Python定义类</a:t>
+            </a:r>
+            <a:endParaRPr lang="zh-CN" altLang="en-US" sz="3000" dirty="0"/>
+          </a:p>
+        </p:txBody>
+      </p:sp>
+      <p:sp>
+        <p:nvSpPr>
           <p:cNvPr id="72" name="Shape 72"/>
           <p:cNvSpPr txBox="1">
             <a:spLocks noGrp="1"/>
           </p:cNvSpPr>
-          <p:nvPr>
-            <p:ph type="title"/>
-          </p:nvPr>
+          <p:nvPr/>
         </p:nvSpPr>
         <p:spPr>
           <a:xfrm>
@@ -5352,12 +5775,173 @@
           <a:prstGeom prst="rect">
             <a:avLst/>
           </a:prstGeom>
+          <a:noFill/>
+          <a:ln>
+            <a:noFill/>
+          </a:ln>
         </p:spPr>
         <p:txBody>
           <a:bodyPr lIns="91425" tIns="91425" rIns="91425" bIns="91425" anchor="t" anchorCtr="0">
             <a:noAutofit/>
           </a:bodyPr>
-          <a:lstStyle/>
+          <a:lstStyle>
+            <a:defPPr marR="0" lvl="0" algn="l" rtl="0">
+              <a:lnSpc>
+                <a:spcPct val="100000"/>
+              </a:lnSpc>
+              <a:spcBef>
+                <a:spcPts val="0"/>
+              </a:spcBef>
+              <a:spcAft>
+                <a:spcPts val="0"/>
+              </a:spcAft>
+            </a:defPPr>
+            <a:lvl1pPr marR="0" lvl="0" algn="l" rtl="0">
+              <a:lnSpc>
+                <a:spcPct val="100000"/>
+              </a:lnSpc>
+              <a:spcBef>
+                <a:spcPts val="0"/>
+              </a:spcBef>
+              <a:spcAft>
+                <a:spcPts val="0"/>
+              </a:spcAft>
+              <a:buClr>
+                <a:schemeClr val="dk1"/>
+              </a:buClr>
+              <a:buSzPct val="100000"/>
+              <a:buNone/>
+              <a:defRPr sz="2800" b="0" i="0" u="none" strike="noStrike" cap="none">
+                <a:solidFill>
+                  <a:schemeClr val="dk1"/>
+                </a:solidFill>
+                <a:latin typeface="Arial"/>
+                <a:ea typeface="Arial"/>
+                <a:cs typeface="Arial"/>
+                <a:sym typeface="Arial"/>
+              </a:defRPr>
+            </a:lvl1pPr>
+            <a:lvl2pPr lvl="1">
+              <a:spcBef>
+                <a:spcPts val="0"/>
+              </a:spcBef>
+              <a:buClr>
+                <a:schemeClr val="dk1"/>
+              </a:buClr>
+              <a:buSzPct val="100000"/>
+              <a:buNone/>
+              <a:defRPr sz="2800">
+                <a:solidFill>
+                  <a:schemeClr val="dk1"/>
+                </a:solidFill>
+              </a:defRPr>
+            </a:lvl2pPr>
+            <a:lvl3pPr lvl="2">
+              <a:spcBef>
+                <a:spcPts val="0"/>
+              </a:spcBef>
+              <a:buClr>
+                <a:schemeClr val="dk1"/>
+              </a:buClr>
+              <a:buSzPct val="100000"/>
+              <a:buNone/>
+              <a:defRPr sz="2800">
+                <a:solidFill>
+                  <a:schemeClr val="dk1"/>
+                </a:solidFill>
+              </a:defRPr>
+            </a:lvl3pPr>
+            <a:lvl4pPr lvl="3">
+              <a:spcBef>
+                <a:spcPts val="0"/>
+              </a:spcBef>
+              <a:buClr>
+                <a:schemeClr val="dk1"/>
+              </a:buClr>
+              <a:buSzPct val="100000"/>
+              <a:buNone/>
+              <a:defRPr sz="2800">
+                <a:solidFill>
+                  <a:schemeClr val="dk1"/>
+                </a:solidFill>
+              </a:defRPr>
+            </a:lvl4pPr>
+            <a:lvl5pPr lvl="4">
+              <a:spcBef>
+                <a:spcPts val="0"/>
+              </a:spcBef>
+              <a:buClr>
+                <a:schemeClr val="dk1"/>
+              </a:buClr>
+              <a:buSzPct val="100000"/>
+              <a:buNone/>
+              <a:defRPr sz="2800">
+                <a:solidFill>
+                  <a:schemeClr val="dk1"/>
+                </a:solidFill>
+              </a:defRPr>
+            </a:lvl5pPr>
+            <a:lvl6pPr lvl="5">
+              <a:spcBef>
+                <a:spcPts val="0"/>
+              </a:spcBef>
+              <a:buClr>
+                <a:schemeClr val="dk1"/>
+              </a:buClr>
+              <a:buSzPct val="100000"/>
+              <a:buNone/>
+              <a:defRPr sz="2800">
+                <a:solidFill>
+                  <a:schemeClr val="dk1"/>
+                </a:solidFill>
+              </a:defRPr>
+            </a:lvl6pPr>
+            <a:lvl7pPr lvl="6">
+              <a:spcBef>
+                <a:spcPts val="0"/>
+              </a:spcBef>
+              <a:buClr>
+                <a:schemeClr val="dk1"/>
+              </a:buClr>
+              <a:buSzPct val="100000"/>
+              <a:buNone/>
+              <a:defRPr sz="2800">
+                <a:solidFill>
+                  <a:schemeClr val="dk1"/>
+                </a:solidFill>
+              </a:defRPr>
+            </a:lvl7pPr>
+            <a:lvl8pPr lvl="7">
+              <a:spcBef>
+                <a:spcPts val="0"/>
+              </a:spcBef>
+              <a:buClr>
+                <a:schemeClr val="dk1"/>
+              </a:buClr>
+              <a:buSzPct val="100000"/>
+              <a:buNone/>
+              <a:defRPr sz="2800">
+                <a:solidFill>
+                  <a:schemeClr val="dk1"/>
+                </a:solidFill>
+              </a:defRPr>
+            </a:lvl8pPr>
+            <a:lvl9pPr lvl="8">
+              <a:spcBef>
+                <a:spcPts val="0"/>
+              </a:spcBef>
+              <a:buClr>
+                <a:schemeClr val="dk1"/>
+              </a:buClr>
+              <a:buSzPct val="100000"/>
+              <a:buNone/>
+              <a:defRPr sz="2800">
+                <a:solidFill>
+                  <a:schemeClr val="dk1"/>
+                </a:solidFill>
+              </a:defRPr>
+            </a:lvl9pPr>
+          </a:lstStyle>
           <a:p>
             <a:pPr lvl="0">
               <a:spcBef>
@@ -5391,9 +5975,7 @@
           <p:cNvSpPr txBox="1">
             <a:spLocks noGrp="1"/>
           </p:cNvSpPr>
-          <p:nvPr>
-            <p:ph type="body" idx="1"/>
-          </p:nvPr>
+          <p:nvPr/>
         </p:nvSpPr>
         <p:spPr>
           <a:xfrm>
@@ -5403,12 +5985,245 @@
           <a:prstGeom prst="rect">
             <a:avLst/>
           </a:prstGeom>
+          <a:noFill/>
+          <a:ln>
+            <a:noFill/>
+          </a:ln>
         </p:spPr>
         <p:txBody>
           <a:bodyPr lIns="91425" tIns="91425" rIns="91425" bIns="91425" anchor="t" anchorCtr="0">
             <a:noAutofit/>
           </a:bodyPr>
-          <a:lstStyle/>
+          <a:lstStyle>
+            <a:defPPr marR="0" lvl="0" algn="l" rtl="0">
+              <a:lnSpc>
+                <a:spcPct val="100000"/>
+              </a:lnSpc>
+              <a:spcBef>
+                <a:spcPts val="0"/>
+              </a:spcBef>
+              <a:spcAft>
+                <a:spcPts val="0"/>
+              </a:spcAft>
+            </a:defPPr>
+            <a:lvl1pPr marR="0" lvl="0" algn="l" rtl="0">
+              <a:lnSpc>
+                <a:spcPct val="115000"/>
+              </a:lnSpc>
+              <a:spcBef>
+                <a:spcPts val="0"/>
+              </a:spcBef>
+              <a:spcAft>
+                <a:spcPts val="1600"/>
+              </a:spcAft>
+              <a:buClr>
+                <a:schemeClr val="dk2"/>
+              </a:buClr>
+              <a:buSzPct val="100000"/>
+              <a:buNone/>
+              <a:defRPr sz="1500" b="0" i="0" u="none" strike="noStrike" cap="none">
+                <a:solidFill>
+                  <a:schemeClr val="dk2"/>
+                </a:solidFill>
+                <a:latin typeface="Arial"/>
+                <a:ea typeface="Arial"/>
+                <a:cs typeface="Arial"/>
+                <a:sym typeface="Arial"/>
+              </a:defRPr>
+            </a:lvl1pPr>
+            <a:lvl2pPr marR="0" lvl="1" algn="l" rtl="0">
+              <a:lnSpc>
+                <a:spcPct val="115000"/>
+              </a:lnSpc>
+              <a:spcBef>
+                <a:spcPts val="0"/>
+              </a:spcBef>
+              <a:spcAft>
+                <a:spcPts val="1600"/>
+              </a:spcAft>
+              <a:buClr>
+                <a:schemeClr val="dk2"/>
+              </a:buClr>
+              <a:buNone/>
+              <a:defRPr sz="1400" b="0" i="0" u="none" strike="noStrike" cap="none">
+                <a:solidFill>
+                  <a:schemeClr val="dk2"/>
+                </a:solidFill>
+                <a:latin typeface="Arial"/>
+                <a:ea typeface="Arial"/>
+                <a:cs typeface="Arial"/>
+                <a:sym typeface="Arial"/>
+              </a:defRPr>
+            </a:lvl2pPr>
+            <a:lvl3pPr marR="0" lvl="2" algn="l" rtl="0">
+              <a:lnSpc>
+                <a:spcPct val="115000"/>
+              </a:lnSpc>
+              <a:spcBef>
+                <a:spcPts val="0"/>
+              </a:spcBef>
+              <a:spcAft>
+                <a:spcPts val="1600"/>
+              </a:spcAft>
+              <a:buClr>
+                <a:schemeClr val="dk2"/>
+              </a:buClr>
+              <a:buNone/>
+              <a:defRPr sz="1400" b="0" i="0" u="none" strike="noStrike" cap="none">
+                <a:solidFill>
+                  <a:schemeClr val="dk2"/>
+                </a:solidFill>
+                <a:latin typeface="Arial"/>
+                <a:ea typeface="Arial"/>
+                <a:cs typeface="Arial"/>
+                <a:sym typeface="Arial"/>
+              </a:defRPr>
+            </a:lvl3pPr>
+            <a:lvl4pPr marR="0" lvl="3" algn="l" rtl="0">
+              <a:lnSpc>
+                <a:spcPct val="115000"/>
+              </a:lnSpc>
+              <a:spcBef>
+                <a:spcPts val="0"/>
+              </a:spcBef>
+              <a:spcAft>
+                <a:spcPts val="1600"/>
+              </a:spcAft>
+              <a:buClr>
+                <a:schemeClr val="dk2"/>
+              </a:buClr>
+              <a:buNone/>
+              <a:defRPr sz="1400" b="0" i="0" u="none" strike="noStrike" cap="none">
+                <a:solidFill>
+                  <a:schemeClr val="dk2"/>
+                </a:solidFill>
+                <a:latin typeface="Arial"/>
+                <a:ea typeface="Arial"/>
+                <a:cs typeface="Arial"/>
+                <a:sym typeface="Arial"/>
+              </a:defRPr>
+            </a:lvl4pPr>
+            <a:lvl5pPr marR="0" lvl="4" algn="l" rtl="0">
+              <a:lnSpc>
+                <a:spcPct val="115000"/>
+              </a:lnSpc>
+              <a:spcBef>
+                <a:spcPts val="0"/>
+              </a:spcBef>
+              <a:spcAft>
+                <a:spcPts val="1600"/>
+              </a:spcAft>
+              <a:buClr>
+                <a:schemeClr val="dk2"/>
+              </a:buClr>
+              <a:buNone/>
+              <a:defRPr sz="1400" b="0" i="0" u="none" strike="noStrike" cap="none">
+                <a:solidFill>
+                  <a:schemeClr val="dk2"/>
+                </a:solidFill>
+                <a:latin typeface="Arial"/>
+                <a:ea typeface="Arial"/>
+                <a:cs typeface="Arial"/>
+                <a:sym typeface="Arial"/>
+              </a:defRPr>
+            </a:lvl5pPr>
+            <a:lvl6pPr marR="0" lvl="5" algn="l" rtl="0">
+              <a:lnSpc>
+                <a:spcPct val="115000"/>
+              </a:lnSpc>
+              <a:spcBef>
+                <a:spcPts val="0"/>
+              </a:spcBef>
+              <a:spcAft>
+                <a:spcPts val="1600"/>
+              </a:spcAft>
+              <a:buClr>
+                <a:schemeClr val="dk2"/>
+              </a:buClr>
+              <a:buNone/>
+              <a:defRPr sz="1400" b="0" i="0" u="none" strike="noStrike" cap="none">
+                <a:solidFill>
+                  <a:schemeClr val="dk2"/>
+                </a:solidFill>
+                <a:latin typeface="Arial"/>
+                <a:ea typeface="Arial"/>
+                <a:cs typeface="Arial"/>
+                <a:sym typeface="Arial"/>
+              </a:defRPr>
+            </a:lvl6pPr>
+            <a:lvl7pPr marR="0" lvl="6" algn="l" rtl="0">
+              <a:lnSpc>
+                <a:spcPct val="115000"/>
+              </a:lnSpc>
+              <a:spcBef>
+                <a:spcPts val="0"/>
+              </a:spcBef>
+              <a:spcAft>
+                <a:spcPts val="1600"/>
+              </a:spcAft>
+              <a:buClr>
+                <a:schemeClr val="dk2"/>
+              </a:buClr>
+              <a:buNone/>
+              <a:defRPr sz="1400" b="0" i="0" u="none" strike="noStrike" cap="none">
+                <a:solidFill>
+                  <a:schemeClr val="dk2"/>
+                </a:solidFill>
+                <a:latin typeface="Arial"/>
+                <a:ea typeface="Arial"/>
+                <a:cs typeface="Arial"/>
+                <a:sym typeface="Arial"/>
+              </a:defRPr>
+            </a:lvl7pPr>
+            <a:lvl8pPr marR="0" lvl="7" algn="l" rtl="0">
+              <a:lnSpc>
+                <a:spcPct val="115000"/>
+              </a:lnSpc>
+              <a:spcBef>
+                <a:spcPts val="0"/>
+              </a:spcBef>
+              <a:spcAft>
+                <a:spcPts val="1600"/>
+              </a:spcAft>
+              <a:buClr>
+                <a:schemeClr val="dk2"/>
+              </a:buClr>
+              <a:buNone/>
+              <a:defRPr sz="1400" b="0" i="0" u="none" strike="noStrike" cap="none">
+                <a:solidFill>
+                  <a:schemeClr val="dk2"/>
+                </a:solidFill>
+                <a:latin typeface="Arial"/>
+                <a:ea typeface="Arial"/>
+                <a:cs typeface="Arial"/>
+                <a:sym typeface="Arial"/>
+              </a:defRPr>
+            </a:lvl8pPr>
+            <a:lvl9pPr marR="0" lvl="8" algn="l" rtl="0">
+              <a:lnSpc>
+                <a:spcPct val="115000"/>
+              </a:lnSpc>
+              <a:spcBef>
+                <a:spcPts val="0"/>
+              </a:spcBef>
+              <a:spcAft>
+                <a:spcPts val="1600"/>
+              </a:spcAft>
+              <a:buClr>
+                <a:schemeClr val="dk2"/>
+              </a:buClr>
+              <a:buNone/>
+              <a:defRPr sz="1400" b="0" i="0" u="none" strike="noStrike" cap="none">
+                <a:solidFill>
+                  <a:schemeClr val="dk2"/>
+                </a:solidFill>
+                <a:latin typeface="Arial"/>
+                <a:ea typeface="Arial"/>
+                <a:cs typeface="Arial"/>
+                <a:sym typeface="Arial"/>
+              </a:defRPr>
+            </a:lvl9pPr>
+          </a:lstStyle>
           <a:p>
             <a:pPr lvl="0">
               <a:lnSpc>
@@ -5519,41 +6334,6 @@
               <a:cs typeface="Courier New"/>
               <a:sym typeface="Courier New"/>
             </a:endParaRPr>
-          </a:p>
-        </p:txBody>
-      </p:sp>
-      <p:sp>
-        <p:nvSpPr>
-          <p:cNvPr id="2" name="矩形 1"/>
-          <p:cNvSpPr/>
-          <p:nvPr/>
-        </p:nvSpPr>
-        <p:spPr>
-          <a:xfrm>
-            <a:off x="2925025" y="598477"/>
-            <a:ext cx="3108543" cy="553998"/>
-          </a:xfrm>
-          <a:prstGeom prst="rect">
-            <a:avLst/>
-          </a:prstGeom>
-        </p:spPr>
-        <p:txBody>
-          <a:bodyPr wrap="none">
-            <a:spAutoFit/>
-          </a:bodyPr>
-          <a:lstStyle/>
-          <a:p>
-            <a:r>
-              <a:rPr lang="en-GB" altLang="zh-CN" sz="3000" b="1" dirty="0" err="1">
-                <a:solidFill>
-                  <a:srgbClr val="C9394A"/>
-                </a:solidFill>
-                <a:latin typeface="微软雅黑" charset="0"/>
-                <a:ea typeface="微软雅黑" charset="0"/>
-              </a:rPr>
-              <a:t>用Python定义类</a:t>
-            </a:r>
-            <a:endParaRPr lang="zh-CN" altLang="en-US" sz="3000" dirty="0"/>
           </a:p>
         </p:txBody>
       </p:sp>
@@ -5703,7 +6483,7 @@
   <p:cSld>
     <p:spTree>
       <p:nvGrpSpPr>
-        <p:cNvPr id="1" name="Shape 77"/>
+        <p:cNvPr id="1" name="Shape 59"/>
         <p:cNvGrpSpPr/>
         <p:nvPr/>
       </p:nvGrpSpPr>
@@ -5715,6 +6495,41 @@
           <a:chExt cx="0" cy="0"/>
         </a:xfrm>
       </p:grpSpPr>
+      <p:sp>
+        <p:nvSpPr>
+          <p:cNvPr id="2" name="矩形 1"/>
+          <p:cNvSpPr/>
+          <p:nvPr/>
+        </p:nvSpPr>
+        <p:spPr>
+          <a:xfrm>
+            <a:off x="3134201" y="569362"/>
+            <a:ext cx="3108543" cy="553998"/>
+          </a:xfrm>
+          <a:prstGeom prst="rect">
+            <a:avLst/>
+          </a:prstGeom>
+        </p:spPr>
+        <p:txBody>
+          <a:bodyPr wrap="none">
+            <a:spAutoFit/>
+          </a:bodyPr>
+          <a:lstStyle/>
+          <a:p>
+            <a:r>
+              <a:rPr lang="en-GB" altLang="zh-CN" sz="3000" b="1" dirty="0" err="1">
+                <a:solidFill>
+                  <a:srgbClr val="C9394A"/>
+                </a:solidFill>
+                <a:latin typeface="微软雅黑" charset="0"/>
+                <a:ea typeface="微软雅黑" charset="0"/>
+              </a:rPr>
+              <a:t>用Python定义类</a:t>
+            </a:r>
+            <a:endParaRPr lang="zh-CN" altLang="en-US" sz="3000" dirty="0"/>
+          </a:p>
+        </p:txBody>
+      </p:sp>
       <p:sp>
         <p:nvSpPr>
           <p:cNvPr id="78" name="Shape 78"/>
@@ -5738,7 +6553,6 @@
           <a:bodyPr lIns="91425" tIns="91425" rIns="91425" bIns="91425" anchor="t" anchorCtr="0">
             <a:noAutofit/>
           </a:bodyPr>
-          <a:lstStyle/>
           <a:p>
             <a:pPr lvl="0">
               <a:spcBef>
@@ -5804,7 +6618,6 @@
           <a:bodyPr lIns="91425" tIns="91425" rIns="91425" bIns="91425" anchor="t" anchorCtr="0">
             <a:noAutofit/>
           </a:bodyPr>
-          <a:lstStyle/>
           <a:p>
             <a:pPr marL="457200" lvl="0" indent="-323850" rtl="0">
               <a:lnSpc>
@@ -6209,41 +7022,6 @@
               <a:cs typeface="Courier New"/>
               <a:sym typeface="Courier New"/>
             </a:endParaRPr>
-          </a:p>
-        </p:txBody>
-      </p:sp>
-      <p:sp>
-        <p:nvSpPr>
-          <p:cNvPr id="2" name="矩形 1"/>
-          <p:cNvSpPr/>
-          <p:nvPr/>
-        </p:nvSpPr>
-        <p:spPr>
-          <a:xfrm>
-            <a:off x="3271659" y="511368"/>
-            <a:ext cx="3108543" cy="553998"/>
-          </a:xfrm>
-          <a:prstGeom prst="rect">
-            <a:avLst/>
-          </a:prstGeom>
-        </p:spPr>
-        <p:txBody>
-          <a:bodyPr wrap="none">
-            <a:spAutoFit/>
-          </a:bodyPr>
-          <a:lstStyle/>
-          <a:p>
-            <a:r>
-              <a:rPr lang="en-GB" altLang="zh-CN" sz="3000" b="1" dirty="0" err="1">
-                <a:solidFill>
-                  <a:srgbClr val="C9394A"/>
-                </a:solidFill>
-                <a:latin typeface="微软雅黑" charset="0"/>
-                <a:ea typeface="微软雅黑" charset="0"/>
-              </a:rPr>
-              <a:t>用Python定义类</a:t>
-            </a:r>
-            <a:endParaRPr lang="zh-CN" altLang="en-US" sz="3000" dirty="0"/>
           </a:p>
         </p:txBody>
       </p:sp>
@@ -6346,7 +7124,7 @@
   <p:cSld>
     <p:spTree>
       <p:nvGrpSpPr>
-        <p:cNvPr id="1" name="Shape 83"/>
+        <p:cNvPr id="1" name="Shape 59"/>
         <p:cNvGrpSpPr/>
         <p:nvPr/>
       </p:nvGrpSpPr>
@@ -6358,6 +7136,41 @@
           <a:chExt cx="0" cy="0"/>
         </a:xfrm>
       </p:grpSpPr>
+      <p:sp>
+        <p:nvSpPr>
+          <p:cNvPr id="2" name="矩形 1"/>
+          <p:cNvSpPr/>
+          <p:nvPr/>
+        </p:nvSpPr>
+        <p:spPr>
+          <a:xfrm>
+            <a:off x="3134201" y="569362"/>
+            <a:ext cx="3108543" cy="553998"/>
+          </a:xfrm>
+          <a:prstGeom prst="rect">
+            <a:avLst/>
+          </a:prstGeom>
+        </p:spPr>
+        <p:txBody>
+          <a:bodyPr wrap="none">
+            <a:spAutoFit/>
+          </a:bodyPr>
+          <a:lstStyle/>
+          <a:p>
+            <a:r>
+              <a:rPr lang="en-GB" altLang="zh-CN" sz="3000" b="1" dirty="0" err="1">
+                <a:solidFill>
+                  <a:srgbClr val="C9394A"/>
+                </a:solidFill>
+                <a:latin typeface="微软雅黑" charset="0"/>
+                <a:ea typeface="微软雅黑" charset="0"/>
+              </a:rPr>
+              <a:t>用Python定义类</a:t>
+            </a:r>
+            <a:endParaRPr lang="zh-CN" altLang="en-US" sz="3000" dirty="0"/>
+          </a:p>
+        </p:txBody>
+      </p:sp>
       <p:sp>
         <p:nvSpPr>
           <p:cNvPr id="84" name="Shape 84"/>
@@ -6381,7 +7194,6 @@
           <a:bodyPr lIns="91425" tIns="91425" rIns="91425" bIns="91425" anchor="t" anchorCtr="0">
             <a:noAutofit/>
           </a:bodyPr>
-          <a:lstStyle/>
           <a:p>
             <a:pPr lvl="0">
               <a:spcBef>
@@ -6432,7 +7244,6 @@
           <a:bodyPr lIns="91425" tIns="91425" rIns="91425" bIns="91425" anchor="t" anchorCtr="0">
             <a:noAutofit/>
           </a:bodyPr>
-          <a:lstStyle/>
           <a:p>
             <a:pPr marL="514350" lvl="0" indent="-285750" rtl="0">
               <a:spcBef>
@@ -6479,41 +7290,6 @@
               <a:latin typeface="微软雅黑" charset="0"/>
               <a:ea typeface="微软雅黑" charset="0"/>
             </a:endParaRPr>
-          </a:p>
-        </p:txBody>
-      </p:sp>
-      <p:sp>
-        <p:nvSpPr>
-          <p:cNvPr id="2" name="矩形 1"/>
-          <p:cNvSpPr/>
-          <p:nvPr/>
-        </p:nvSpPr>
-        <p:spPr>
-          <a:xfrm>
-            <a:off x="3292256" y="657413"/>
-            <a:ext cx="3108543" cy="553998"/>
-          </a:xfrm>
-          <a:prstGeom prst="rect">
-            <a:avLst/>
-          </a:prstGeom>
-        </p:spPr>
-        <p:txBody>
-          <a:bodyPr wrap="none">
-            <a:spAutoFit/>
-          </a:bodyPr>
-          <a:lstStyle/>
-          <a:p>
-            <a:r>
-              <a:rPr lang="en-GB" altLang="zh-CN" sz="3000" b="1" dirty="0" err="1">
-                <a:solidFill>
-                  <a:srgbClr val="C9394A"/>
-                </a:solidFill>
-                <a:latin typeface="微软雅黑" charset="0"/>
-                <a:ea typeface="微软雅黑" charset="0"/>
-              </a:rPr>
-              <a:t>用Python定义类</a:t>
-            </a:r>
-            <a:endParaRPr lang="zh-CN" altLang="en-US" sz="3000" dirty="0"/>
           </a:p>
         </p:txBody>
       </p:sp>
